--- a/Docker/Intro_to_Docker_Bilal_Shahzad.pptx
+++ b/Docker/Intro_to_Docker_Bilal_Shahzad.pptx
@@ -5,10 +5,10 @@
     <p:sldMasterId id="2147483660" r:id="rId1"/>
   </p:sldMasterIdLst>
   <p:notesMasterIdLst>
-    <p:notesMasterId r:id="rId44"/>
+    <p:notesMasterId r:id="rId50"/>
   </p:notesMasterIdLst>
   <p:handoutMasterIdLst>
-    <p:handoutMasterId r:id="rId45"/>
+    <p:handoutMasterId r:id="rId51"/>
   </p:handoutMasterIdLst>
   <p:sldIdLst>
     <p:sldId id="256" r:id="rId2"/>
@@ -17,42 +17,48 @@
     <p:sldId id="257" r:id="rId5"/>
     <p:sldId id="434" r:id="rId6"/>
     <p:sldId id="466" r:id="rId7"/>
-    <p:sldId id="467" r:id="rId8"/>
-    <p:sldId id="468" r:id="rId9"/>
-    <p:sldId id="469" r:id="rId10"/>
-    <p:sldId id="470" r:id="rId11"/>
-    <p:sldId id="473" r:id="rId12"/>
-    <p:sldId id="435" r:id="rId13"/>
-    <p:sldId id="471" r:id="rId14"/>
-    <p:sldId id="472" r:id="rId15"/>
-    <p:sldId id="474" r:id="rId16"/>
-    <p:sldId id="475" r:id="rId17"/>
-    <p:sldId id="476" r:id="rId18"/>
-    <p:sldId id="477" r:id="rId19"/>
-    <p:sldId id="478" r:id="rId20"/>
-    <p:sldId id="479" r:id="rId21"/>
-    <p:sldId id="480" r:id="rId22"/>
-    <p:sldId id="481" r:id="rId23"/>
-    <p:sldId id="482" r:id="rId24"/>
-    <p:sldId id="483" r:id="rId25"/>
-    <p:sldId id="484" r:id="rId26"/>
-    <p:sldId id="485" r:id="rId27"/>
-    <p:sldId id="486" r:id="rId28"/>
-    <p:sldId id="487" r:id="rId29"/>
-    <p:sldId id="488" r:id="rId30"/>
-    <p:sldId id="489" r:id="rId31"/>
-    <p:sldId id="490" r:id="rId32"/>
-    <p:sldId id="491" r:id="rId33"/>
-    <p:sldId id="492" r:id="rId34"/>
-    <p:sldId id="493" r:id="rId35"/>
-    <p:sldId id="495" r:id="rId36"/>
-    <p:sldId id="494" r:id="rId37"/>
-    <p:sldId id="464" r:id="rId38"/>
-    <p:sldId id="423" r:id="rId39"/>
-    <p:sldId id="392" r:id="rId40"/>
-    <p:sldId id="424" r:id="rId41"/>
-    <p:sldId id="425" r:id="rId42"/>
-    <p:sldId id="422" r:id="rId43"/>
+    <p:sldId id="496" r:id="rId8"/>
+    <p:sldId id="502" r:id="rId9"/>
+    <p:sldId id="497" r:id="rId10"/>
+    <p:sldId id="473" r:id="rId11"/>
+    <p:sldId id="467" r:id="rId12"/>
+    <p:sldId id="499" r:id="rId13"/>
+    <p:sldId id="468" r:id="rId14"/>
+    <p:sldId id="469" r:id="rId15"/>
+    <p:sldId id="470" r:id="rId16"/>
+    <p:sldId id="498" r:id="rId17"/>
+    <p:sldId id="501" r:id="rId18"/>
+    <p:sldId id="500" r:id="rId19"/>
+    <p:sldId id="471" r:id="rId20"/>
+    <p:sldId id="472" r:id="rId21"/>
+    <p:sldId id="474" r:id="rId22"/>
+    <p:sldId id="475" r:id="rId23"/>
+    <p:sldId id="476" r:id="rId24"/>
+    <p:sldId id="477" r:id="rId25"/>
+    <p:sldId id="478" r:id="rId26"/>
+    <p:sldId id="479" r:id="rId27"/>
+    <p:sldId id="480" r:id="rId28"/>
+    <p:sldId id="481" r:id="rId29"/>
+    <p:sldId id="482" r:id="rId30"/>
+    <p:sldId id="483" r:id="rId31"/>
+    <p:sldId id="484" r:id="rId32"/>
+    <p:sldId id="485" r:id="rId33"/>
+    <p:sldId id="486" r:id="rId34"/>
+    <p:sldId id="487" r:id="rId35"/>
+    <p:sldId id="488" r:id="rId36"/>
+    <p:sldId id="489" r:id="rId37"/>
+    <p:sldId id="490" r:id="rId38"/>
+    <p:sldId id="491" r:id="rId39"/>
+    <p:sldId id="492" r:id="rId40"/>
+    <p:sldId id="493" r:id="rId41"/>
+    <p:sldId id="495" r:id="rId42"/>
+    <p:sldId id="494" r:id="rId43"/>
+    <p:sldId id="464" r:id="rId44"/>
+    <p:sldId id="423" r:id="rId45"/>
+    <p:sldId id="392" r:id="rId46"/>
+    <p:sldId id="424" r:id="rId47"/>
+    <p:sldId id="425" r:id="rId48"/>
+    <p:sldId id="422" r:id="rId49"/>
   </p:sldIdLst>
   <p:sldSz cx="9144000" cy="6858000" type="screen4x3"/>
   <p:notesSz cx="9296400" cy="6881813"/>
@@ -266,7 +272,7 @@
           <a:p>
             <a:fld id="{834FCB5D-5059-4E82-ADA0-F0D440627FA3}" type="datetimeFigureOut">
               <a:rPr lang="en-US" smtClean="0"/>
-              <a:t>12/12/2020</a:t>
+              <a:t>1/9/2021</a:t>
             </a:fld>
             <a:endParaRPr lang="en-US"/>
           </a:p>
@@ -432,7 +438,7 @@
           <a:p>
             <a:fld id="{3F79FEE6-0D51-46F1-A67C-BBD242D0688C}" type="datetimeFigureOut">
               <a:rPr lang="en-US" smtClean="0"/>
-              <a:t>12/12/2020</a:t>
+              <a:t>1/9/2021</a:t>
             </a:fld>
             <a:endParaRPr lang="en-US"/>
           </a:p>
@@ -830,9 +836,8 @@
           <a:p>
             <a:r>
               <a:rPr lang="en-US" dirty="0"/>
-              <a:t>https://docs.docker.com/network/bridge/https://docs.docker.com/network/bridge/</a:t>
-            </a:r>
-            <a:endParaRPr lang="en-PK" dirty="0"/>
+              <a:t>Note: Image is copied from Internet</a:t>
+            </a:r>
           </a:p>
         </p:txBody>
       </p:sp>
@@ -843,7 +848,7 @@
             <a:spLocks noGrp="1"/>
           </p:cNvSpPr>
           <p:nvPr>
-            <p:ph type="sldNum" sz="quarter" idx="5"/>
+            <p:ph type="sldNum" sz="quarter" idx="10"/>
           </p:nvPr>
         </p:nvSpPr>
         <p:spPr/>
@@ -853,7 +858,7 @@
           <a:p>
             <a:fld id="{2229FAFC-F8C0-4300-85D0-0841763FFE0D}" type="slidenum">
               <a:rPr lang="en-US" smtClean="0"/>
-              <a:t>28</a:t>
+              <a:t>14</a:t>
             </a:fld>
             <a:endParaRPr lang="en-US"/>
           </a:p>
@@ -862,7 +867,7 @@
     </p:spTree>
     <p:extLst>
       <p:ext uri="{BB962C8B-B14F-4D97-AF65-F5344CB8AC3E}">
-        <p14:creationId xmlns:p14="http://schemas.microsoft.com/office/powerpoint/2010/main" val="3408149512"/>
+        <p14:creationId xmlns:p14="http://schemas.microsoft.com/office/powerpoint/2010/main" val="1348049344"/>
       </p:ext>
     </p:extLst>
   </p:cSld>
@@ -916,11 +921,27 @@
           <a:bodyPr/>
           <a:lstStyle/>
           <a:p>
-            <a:r>
-              <a:rPr lang="en-US" dirty="0"/>
-              <a:t>https://docs.docker.com/network/bridge/https://docs.docker.com/network/bridge/</a:t>
-            </a:r>
-            <a:endParaRPr lang="en-PK" dirty="0"/>
+            <a:pPr marL="0" marR="0" lvl="0" indent="0" algn="l" defTabSz="914400" rtl="0" eaLnBrk="1" fontAlgn="auto" latinLnBrk="0" hangingPunct="1">
+              <a:lnSpc>
+                <a:spcPct val="100000"/>
+              </a:lnSpc>
+              <a:spcBef>
+                <a:spcPts val="0"/>
+              </a:spcBef>
+              <a:spcAft>
+                <a:spcPts val="0"/>
+              </a:spcAft>
+              <a:buClrTx/>
+              <a:buSzTx/>
+              <a:buFontTx/>
+              <a:buNone/>
+              <a:tabLst/>
+              <a:defRPr/>
+            </a:pPr>
+            <a:r>
+              <a:rPr lang="en-US" dirty="0"/>
+              <a:t>Note: Image is copied from Internet</a:t>
+            </a:r>
           </a:p>
         </p:txBody>
       </p:sp>
@@ -931,7 +952,7 @@
             <a:spLocks noGrp="1"/>
           </p:cNvSpPr>
           <p:nvPr>
-            <p:ph type="sldNum" sz="quarter" idx="5"/>
+            <p:ph type="sldNum" sz="quarter" idx="10"/>
           </p:nvPr>
         </p:nvSpPr>
         <p:spPr/>
@@ -941,7 +962,7 @@
           <a:p>
             <a:fld id="{2229FAFC-F8C0-4300-85D0-0841763FFE0D}" type="slidenum">
               <a:rPr lang="en-US" smtClean="0"/>
-              <a:t>29</a:t>
+              <a:t>15</a:t>
             </a:fld>
             <a:endParaRPr lang="en-US"/>
           </a:p>
@@ -950,7 +971,7 @@
     </p:spTree>
     <p:extLst>
       <p:ext uri="{BB962C8B-B14F-4D97-AF65-F5344CB8AC3E}">
-        <p14:creationId xmlns:p14="http://schemas.microsoft.com/office/powerpoint/2010/main" val="529886030"/>
+        <p14:creationId xmlns:p14="http://schemas.microsoft.com/office/powerpoint/2010/main" val="2087497138"/>
       </p:ext>
     </p:extLst>
   </p:cSld>
@@ -1004,11 +1025,42 @@
           <a:bodyPr/>
           <a:lstStyle/>
           <a:p>
-            <a:r>
-              <a:rPr lang="en-US" dirty="0"/>
-              <a:t>https://docs.docker.com/network/bridge/https://docs.docker.com/network/bridge/</a:t>
-            </a:r>
-            <a:endParaRPr lang="en-PK" dirty="0"/>
+            <a:pPr marL="0" marR="0" lvl="0" indent="0" algn="l" defTabSz="914400" rtl="0" eaLnBrk="1" fontAlgn="auto" latinLnBrk="0" hangingPunct="1">
+              <a:lnSpc>
+                <a:spcPct val="100000"/>
+              </a:lnSpc>
+              <a:spcBef>
+                <a:spcPts val="0"/>
+              </a:spcBef>
+              <a:spcAft>
+                <a:spcPts val="0"/>
+              </a:spcAft>
+              <a:buClrTx/>
+              <a:buSzTx/>
+              <a:buFontTx/>
+              <a:buNone/>
+              <a:tabLst/>
+              <a:defRPr/>
+            </a:pPr>
+            <a:r>
+              <a:rPr lang="en-US" dirty="0">
+                <a:hlinkClick r:id="rId3"/>
+              </a:rPr>
+              <a:t>https://docs.docker.com/get-docker</a:t>
+            </a:r>
+            <a:endParaRPr lang="en-US" dirty="0"/>
+          </a:p>
+          <a:p>
+            <a:r>
+              <a:rPr lang="en-US" dirty="0">
+                <a:hlinkClick r:id="rId4"/>
+              </a:rPr>
+              <a:t>https://get.docker.com/</a:t>
+            </a:r>
+            <a:r>
+              <a:rPr lang="en-US" dirty="0"/>
+              <a:t> </a:t>
+            </a:r>
           </a:p>
         </p:txBody>
       </p:sp>
@@ -1019,7 +1071,7 @@
             <a:spLocks noGrp="1"/>
           </p:cNvSpPr>
           <p:nvPr>
-            <p:ph type="sldNum" sz="quarter" idx="5"/>
+            <p:ph type="sldNum" sz="quarter" idx="10"/>
           </p:nvPr>
         </p:nvSpPr>
         <p:spPr/>
@@ -1029,7 +1081,7 @@
           <a:p>
             <a:fld id="{2229FAFC-F8C0-4300-85D0-0841763FFE0D}" type="slidenum">
               <a:rPr lang="en-US" smtClean="0"/>
-              <a:t>30</a:t>
+              <a:t>16</a:t>
             </a:fld>
             <a:endParaRPr lang="en-US"/>
           </a:p>
@@ -1038,7 +1090,7 @@
     </p:spTree>
     <p:extLst>
       <p:ext uri="{BB962C8B-B14F-4D97-AF65-F5344CB8AC3E}">
-        <p14:creationId xmlns:p14="http://schemas.microsoft.com/office/powerpoint/2010/main" val="8812296"/>
+        <p14:creationId xmlns:p14="http://schemas.microsoft.com/office/powerpoint/2010/main" val="4097050112"/>
       </p:ext>
     </p:extLst>
   </p:cSld>
@@ -1094,9 +1146,14 @@
           <a:p>
             <a:r>
               <a:rPr lang="en-US" dirty="0"/>
-              <a:t>https://docs.docker.com/network/bridge/https://docs.docker.com/network/bridge/</a:t>
-            </a:r>
-            <a:endParaRPr lang="en-PK" dirty="0"/>
+              <a:t>https://docs.docker.com/compose/</a:t>
+            </a:r>
+          </a:p>
+          <a:p>
+            <a:r>
+              <a:rPr lang="en-US" dirty="0"/>
+              <a:t>https://docs.docker.com/compose/install/</a:t>
+            </a:r>
           </a:p>
         </p:txBody>
       </p:sp>
@@ -1107,7 +1164,7 @@
             <a:spLocks noGrp="1"/>
           </p:cNvSpPr>
           <p:nvPr>
-            <p:ph type="sldNum" sz="quarter" idx="5"/>
+            <p:ph type="sldNum" sz="quarter" idx="10"/>
           </p:nvPr>
         </p:nvSpPr>
         <p:spPr/>
@@ -1117,7 +1174,7 @@
           <a:p>
             <a:fld id="{2229FAFC-F8C0-4300-85D0-0841763FFE0D}" type="slidenum">
               <a:rPr lang="en-US" smtClean="0"/>
-              <a:t>31</a:t>
+              <a:t>17</a:t>
             </a:fld>
             <a:endParaRPr lang="en-US"/>
           </a:p>
@@ -1126,7 +1183,7 @@
     </p:spTree>
     <p:extLst>
       <p:ext uri="{BB962C8B-B14F-4D97-AF65-F5344CB8AC3E}">
-        <p14:creationId xmlns:p14="http://schemas.microsoft.com/office/powerpoint/2010/main" val="3278500610"/>
+        <p14:creationId xmlns:p14="http://schemas.microsoft.com/office/powerpoint/2010/main" val="2592522079"/>
       </p:ext>
     </p:extLst>
   </p:cSld>
@@ -1180,11 +1237,7 @@
           <a:bodyPr/>
           <a:lstStyle/>
           <a:p>
-            <a:r>
-              <a:rPr lang="en-US" dirty="0"/>
-              <a:t>https://docs.docker.com/network/bridge/https://docs.docker.com/network/bridge/</a:t>
-            </a:r>
-            <a:endParaRPr lang="en-PK" dirty="0"/>
+            <a:endParaRPr lang="en-US" dirty="0"/>
           </a:p>
         </p:txBody>
       </p:sp>
@@ -1195,7 +1248,7 @@
             <a:spLocks noGrp="1"/>
           </p:cNvSpPr>
           <p:nvPr>
-            <p:ph type="sldNum" sz="quarter" idx="5"/>
+            <p:ph type="sldNum" sz="quarter" idx="10"/>
           </p:nvPr>
         </p:nvSpPr>
         <p:spPr/>
@@ -1205,7 +1258,7 @@
           <a:p>
             <a:fld id="{2229FAFC-F8C0-4300-85D0-0841763FFE0D}" type="slidenum">
               <a:rPr lang="en-US" smtClean="0"/>
-              <a:t>32</a:t>
+              <a:t>18</a:t>
             </a:fld>
             <a:endParaRPr lang="en-US"/>
           </a:p>
@@ -1214,7 +1267,7 @@
     </p:spTree>
     <p:extLst>
       <p:ext uri="{BB962C8B-B14F-4D97-AF65-F5344CB8AC3E}">
-        <p14:creationId xmlns:p14="http://schemas.microsoft.com/office/powerpoint/2010/main" val="1182773535"/>
+        <p14:creationId xmlns:p14="http://schemas.microsoft.com/office/powerpoint/2010/main" val="2285227313"/>
       </p:ext>
     </p:extLst>
   </p:cSld>
@@ -1293,7 +1346,7 @@
           <a:p>
             <a:fld id="{2229FAFC-F8C0-4300-85D0-0841763FFE0D}" type="slidenum">
               <a:rPr lang="en-US" smtClean="0"/>
-              <a:t>33</a:t>
+              <a:t>32</a:t>
             </a:fld>
             <a:endParaRPr lang="en-US"/>
           </a:p>
@@ -1302,7 +1355,7 @@
     </p:spTree>
     <p:extLst>
       <p:ext uri="{BB962C8B-B14F-4D97-AF65-F5344CB8AC3E}">
-        <p14:creationId xmlns:p14="http://schemas.microsoft.com/office/powerpoint/2010/main" val="3686541837"/>
+        <p14:creationId xmlns:p14="http://schemas.microsoft.com/office/powerpoint/2010/main" val="3815329555"/>
       </p:ext>
     </p:extLst>
   </p:cSld>
@@ -1381,7 +1434,7 @@
           <a:p>
             <a:fld id="{2229FAFC-F8C0-4300-85D0-0841763FFE0D}" type="slidenum">
               <a:rPr lang="en-US" smtClean="0"/>
-              <a:t>34</a:t>
+              <a:t>33</a:t>
             </a:fld>
             <a:endParaRPr lang="en-US"/>
           </a:p>
@@ -1390,7 +1443,7 @@
     </p:spTree>
     <p:extLst>
       <p:ext uri="{BB962C8B-B14F-4D97-AF65-F5344CB8AC3E}">
-        <p14:creationId xmlns:p14="http://schemas.microsoft.com/office/powerpoint/2010/main" val="1292096360"/>
+        <p14:creationId xmlns:p14="http://schemas.microsoft.com/office/powerpoint/2010/main" val="344479298"/>
       </p:ext>
     </p:extLst>
   </p:cSld>
@@ -1469,7 +1522,7 @@
           <a:p>
             <a:fld id="{2229FAFC-F8C0-4300-85D0-0841763FFE0D}" type="slidenum">
               <a:rPr lang="en-US" smtClean="0"/>
-              <a:t>35</a:t>
+              <a:t>34</a:t>
             </a:fld>
             <a:endParaRPr lang="en-US"/>
           </a:p>
@@ -1478,7 +1531,7 @@
     </p:spTree>
     <p:extLst>
       <p:ext uri="{BB962C8B-B14F-4D97-AF65-F5344CB8AC3E}">
-        <p14:creationId xmlns:p14="http://schemas.microsoft.com/office/powerpoint/2010/main" val="1056358554"/>
+        <p14:creationId xmlns:p14="http://schemas.microsoft.com/office/powerpoint/2010/main" val="3408149512"/>
       </p:ext>
     </p:extLst>
   </p:cSld>
@@ -1532,7 +1585,11 @@
           <a:bodyPr/>
           <a:lstStyle/>
           <a:p>
-            <a:endParaRPr lang="en-US" dirty="0"/>
+            <a:r>
+              <a:rPr lang="en-US" dirty="0"/>
+              <a:t>https://docs.docker.com/network/bridge/https://docs.docker.com/network/bridge/</a:t>
+            </a:r>
+            <a:endParaRPr lang="en-PK" dirty="0"/>
           </a:p>
         </p:txBody>
       </p:sp>
@@ -1543,7 +1600,7 @@
             <a:spLocks noGrp="1"/>
           </p:cNvSpPr>
           <p:nvPr>
-            <p:ph type="sldNum" sz="quarter" idx="10"/>
+            <p:ph type="sldNum" sz="quarter" idx="5"/>
           </p:nvPr>
         </p:nvSpPr>
         <p:spPr/>
@@ -1553,7 +1610,7 @@
           <a:p>
             <a:fld id="{2229FAFC-F8C0-4300-85D0-0841763FFE0D}" type="slidenum">
               <a:rPr lang="en-US" smtClean="0"/>
-              <a:t>37</a:t>
+              <a:t>35</a:t>
             </a:fld>
             <a:endParaRPr lang="en-US"/>
           </a:p>
@@ -1562,7 +1619,7 @@
     </p:spTree>
     <p:extLst>
       <p:ext uri="{BB962C8B-B14F-4D97-AF65-F5344CB8AC3E}">
-        <p14:creationId xmlns:p14="http://schemas.microsoft.com/office/powerpoint/2010/main" val="1824226772"/>
+        <p14:creationId xmlns:p14="http://schemas.microsoft.com/office/powerpoint/2010/main" val="529886030"/>
       </p:ext>
     </p:extLst>
   </p:cSld>
@@ -1616,7 +1673,11 @@
           <a:bodyPr/>
           <a:lstStyle/>
           <a:p>
-            <a:endParaRPr lang="en-US" dirty="0"/>
+            <a:r>
+              <a:rPr lang="en-US" dirty="0"/>
+              <a:t>https://docs.docker.com/network/bridge/https://docs.docker.com/network/bridge/</a:t>
+            </a:r>
+            <a:endParaRPr lang="en-PK" dirty="0"/>
           </a:p>
         </p:txBody>
       </p:sp>
@@ -1627,7 +1688,7 @@
             <a:spLocks noGrp="1"/>
           </p:cNvSpPr>
           <p:nvPr>
-            <p:ph type="sldNum" sz="quarter" idx="10"/>
+            <p:ph type="sldNum" sz="quarter" idx="5"/>
           </p:nvPr>
         </p:nvSpPr>
         <p:spPr/>
@@ -1637,7 +1698,7 @@
           <a:p>
             <a:fld id="{2229FAFC-F8C0-4300-85D0-0841763FFE0D}" type="slidenum">
               <a:rPr lang="en-US" smtClean="0"/>
-              <a:t>38</a:t>
+              <a:t>36</a:t>
             </a:fld>
             <a:endParaRPr lang="en-US"/>
           </a:p>
@@ -1646,7 +1707,7 @@
     </p:spTree>
     <p:extLst>
       <p:ext uri="{BB962C8B-B14F-4D97-AF65-F5344CB8AC3E}">
-        <p14:creationId xmlns:p14="http://schemas.microsoft.com/office/powerpoint/2010/main" val="513680487"/>
+        <p14:creationId xmlns:p14="http://schemas.microsoft.com/office/powerpoint/2010/main" val="8812296"/>
       </p:ext>
     </p:extLst>
   </p:cSld>
@@ -1784,7 +1845,11 @@
           <a:bodyPr/>
           <a:lstStyle/>
           <a:p>
-            <a:endParaRPr lang="en-US" dirty="0"/>
+            <a:r>
+              <a:rPr lang="en-US" dirty="0"/>
+              <a:t>https://docs.docker.com/network/bridge/https://docs.docker.com/network/bridge/</a:t>
+            </a:r>
+            <a:endParaRPr lang="en-PK" dirty="0"/>
           </a:p>
         </p:txBody>
       </p:sp>
@@ -1795,7 +1860,271 @@
             <a:spLocks noGrp="1"/>
           </p:cNvSpPr>
           <p:nvPr>
-            <p:ph type="sldNum" sz="quarter" idx="10"/>
+            <p:ph type="sldNum" sz="quarter" idx="5"/>
+          </p:nvPr>
+        </p:nvSpPr>
+        <p:spPr/>
+        <p:txBody>
+          <a:bodyPr/>
+          <a:lstStyle/>
+          <a:p>
+            <a:fld id="{2229FAFC-F8C0-4300-85D0-0841763FFE0D}" type="slidenum">
+              <a:rPr lang="en-US" smtClean="0"/>
+              <a:t>37</a:t>
+            </a:fld>
+            <a:endParaRPr lang="en-US"/>
+          </a:p>
+        </p:txBody>
+      </p:sp>
+    </p:spTree>
+    <p:extLst>
+      <p:ext uri="{BB962C8B-B14F-4D97-AF65-F5344CB8AC3E}">
+        <p14:creationId xmlns:p14="http://schemas.microsoft.com/office/powerpoint/2010/main" val="3278500610"/>
+      </p:ext>
+    </p:extLst>
+  </p:cSld>
+  <p:clrMapOvr>
+    <a:masterClrMapping/>
+  </p:clrMapOvr>
+</p:notes>
+</file>
+
+<file path=ppt/notesSlides/notesSlide21.xml><?xml version="1.0" encoding="utf-8"?>
+<p:notes xmlns:a="http://schemas.openxmlformats.org/drawingml/2006/main" xmlns:r="http://schemas.openxmlformats.org/officeDocument/2006/relationships" xmlns:p="http://schemas.openxmlformats.org/presentationml/2006/main">
+  <p:cSld>
+    <p:spTree>
+      <p:nvGrpSpPr>
+        <p:cNvPr id="1" name=""/>
+        <p:cNvGrpSpPr/>
+        <p:nvPr/>
+      </p:nvGrpSpPr>
+      <p:grpSpPr>
+        <a:xfrm>
+          <a:off x="0" y="0"/>
+          <a:ext cx="0" cy="0"/>
+          <a:chOff x="0" y="0"/>
+          <a:chExt cx="0" cy="0"/>
+        </a:xfrm>
+      </p:grpSpPr>
+      <p:sp>
+        <p:nvSpPr>
+          <p:cNvPr id="2" name="Slide Image Placeholder 1"/>
+          <p:cNvSpPr>
+            <a:spLocks noGrp="1" noRot="1" noChangeAspect="1"/>
+          </p:cNvSpPr>
+          <p:nvPr>
+            <p:ph type="sldImg"/>
+          </p:nvPr>
+        </p:nvSpPr>
+        <p:spPr/>
+      </p:sp>
+      <p:sp>
+        <p:nvSpPr>
+          <p:cNvPr id="3" name="Notes Placeholder 2"/>
+          <p:cNvSpPr>
+            <a:spLocks noGrp="1"/>
+          </p:cNvSpPr>
+          <p:nvPr>
+            <p:ph type="body" idx="1"/>
+          </p:nvPr>
+        </p:nvSpPr>
+        <p:spPr/>
+        <p:txBody>
+          <a:bodyPr/>
+          <a:lstStyle/>
+          <a:p>
+            <a:r>
+              <a:rPr lang="en-US" dirty="0"/>
+              <a:t>https://docs.docker.com/network/bridge/https://docs.docker.com/network/bridge/</a:t>
+            </a:r>
+            <a:endParaRPr lang="en-PK" dirty="0"/>
+          </a:p>
+        </p:txBody>
+      </p:sp>
+      <p:sp>
+        <p:nvSpPr>
+          <p:cNvPr id="4" name="Slide Number Placeholder 3"/>
+          <p:cNvSpPr>
+            <a:spLocks noGrp="1"/>
+          </p:cNvSpPr>
+          <p:nvPr>
+            <p:ph type="sldNum" sz="quarter" idx="5"/>
+          </p:nvPr>
+        </p:nvSpPr>
+        <p:spPr/>
+        <p:txBody>
+          <a:bodyPr/>
+          <a:lstStyle/>
+          <a:p>
+            <a:fld id="{2229FAFC-F8C0-4300-85D0-0841763FFE0D}" type="slidenum">
+              <a:rPr lang="en-US" smtClean="0"/>
+              <a:t>38</a:t>
+            </a:fld>
+            <a:endParaRPr lang="en-US"/>
+          </a:p>
+        </p:txBody>
+      </p:sp>
+    </p:spTree>
+    <p:extLst>
+      <p:ext uri="{BB962C8B-B14F-4D97-AF65-F5344CB8AC3E}">
+        <p14:creationId xmlns:p14="http://schemas.microsoft.com/office/powerpoint/2010/main" val="1182773535"/>
+      </p:ext>
+    </p:extLst>
+  </p:cSld>
+  <p:clrMapOvr>
+    <a:masterClrMapping/>
+  </p:clrMapOvr>
+</p:notes>
+</file>
+
+<file path=ppt/notesSlides/notesSlide22.xml><?xml version="1.0" encoding="utf-8"?>
+<p:notes xmlns:a="http://schemas.openxmlformats.org/drawingml/2006/main" xmlns:r="http://schemas.openxmlformats.org/officeDocument/2006/relationships" xmlns:p="http://schemas.openxmlformats.org/presentationml/2006/main">
+  <p:cSld>
+    <p:spTree>
+      <p:nvGrpSpPr>
+        <p:cNvPr id="1" name=""/>
+        <p:cNvGrpSpPr/>
+        <p:nvPr/>
+      </p:nvGrpSpPr>
+      <p:grpSpPr>
+        <a:xfrm>
+          <a:off x="0" y="0"/>
+          <a:ext cx="0" cy="0"/>
+          <a:chOff x="0" y="0"/>
+          <a:chExt cx="0" cy="0"/>
+        </a:xfrm>
+      </p:grpSpPr>
+      <p:sp>
+        <p:nvSpPr>
+          <p:cNvPr id="2" name="Slide Image Placeholder 1"/>
+          <p:cNvSpPr>
+            <a:spLocks noGrp="1" noRot="1" noChangeAspect="1"/>
+          </p:cNvSpPr>
+          <p:nvPr>
+            <p:ph type="sldImg"/>
+          </p:nvPr>
+        </p:nvSpPr>
+        <p:spPr/>
+      </p:sp>
+      <p:sp>
+        <p:nvSpPr>
+          <p:cNvPr id="3" name="Notes Placeholder 2"/>
+          <p:cNvSpPr>
+            <a:spLocks noGrp="1"/>
+          </p:cNvSpPr>
+          <p:nvPr>
+            <p:ph type="body" idx="1"/>
+          </p:nvPr>
+        </p:nvSpPr>
+        <p:spPr/>
+        <p:txBody>
+          <a:bodyPr/>
+          <a:lstStyle/>
+          <a:p>
+            <a:r>
+              <a:rPr lang="en-US" dirty="0"/>
+              <a:t>https://docs.docker.com/network/bridge/https://docs.docker.com/network/bridge/</a:t>
+            </a:r>
+            <a:endParaRPr lang="en-PK" dirty="0"/>
+          </a:p>
+        </p:txBody>
+      </p:sp>
+      <p:sp>
+        <p:nvSpPr>
+          <p:cNvPr id="4" name="Slide Number Placeholder 3"/>
+          <p:cNvSpPr>
+            <a:spLocks noGrp="1"/>
+          </p:cNvSpPr>
+          <p:nvPr>
+            <p:ph type="sldNum" sz="quarter" idx="5"/>
+          </p:nvPr>
+        </p:nvSpPr>
+        <p:spPr/>
+        <p:txBody>
+          <a:bodyPr/>
+          <a:lstStyle/>
+          <a:p>
+            <a:fld id="{2229FAFC-F8C0-4300-85D0-0841763FFE0D}" type="slidenum">
+              <a:rPr lang="en-US" smtClean="0"/>
+              <a:t>39</a:t>
+            </a:fld>
+            <a:endParaRPr lang="en-US"/>
+          </a:p>
+        </p:txBody>
+      </p:sp>
+    </p:spTree>
+    <p:extLst>
+      <p:ext uri="{BB962C8B-B14F-4D97-AF65-F5344CB8AC3E}">
+        <p14:creationId xmlns:p14="http://schemas.microsoft.com/office/powerpoint/2010/main" val="3686541837"/>
+      </p:ext>
+    </p:extLst>
+  </p:cSld>
+  <p:clrMapOvr>
+    <a:masterClrMapping/>
+  </p:clrMapOvr>
+</p:notes>
+</file>
+
+<file path=ppt/notesSlides/notesSlide23.xml><?xml version="1.0" encoding="utf-8"?>
+<p:notes xmlns:a="http://schemas.openxmlformats.org/drawingml/2006/main" xmlns:r="http://schemas.openxmlformats.org/officeDocument/2006/relationships" xmlns:p="http://schemas.openxmlformats.org/presentationml/2006/main">
+  <p:cSld>
+    <p:spTree>
+      <p:nvGrpSpPr>
+        <p:cNvPr id="1" name=""/>
+        <p:cNvGrpSpPr/>
+        <p:nvPr/>
+      </p:nvGrpSpPr>
+      <p:grpSpPr>
+        <a:xfrm>
+          <a:off x="0" y="0"/>
+          <a:ext cx="0" cy="0"/>
+          <a:chOff x="0" y="0"/>
+          <a:chExt cx="0" cy="0"/>
+        </a:xfrm>
+      </p:grpSpPr>
+      <p:sp>
+        <p:nvSpPr>
+          <p:cNvPr id="2" name="Slide Image Placeholder 1"/>
+          <p:cNvSpPr>
+            <a:spLocks noGrp="1" noRot="1" noChangeAspect="1"/>
+          </p:cNvSpPr>
+          <p:nvPr>
+            <p:ph type="sldImg"/>
+          </p:nvPr>
+        </p:nvSpPr>
+        <p:spPr/>
+      </p:sp>
+      <p:sp>
+        <p:nvSpPr>
+          <p:cNvPr id="3" name="Notes Placeholder 2"/>
+          <p:cNvSpPr>
+            <a:spLocks noGrp="1"/>
+          </p:cNvSpPr>
+          <p:nvPr>
+            <p:ph type="body" idx="1"/>
+          </p:nvPr>
+        </p:nvSpPr>
+        <p:spPr/>
+        <p:txBody>
+          <a:bodyPr/>
+          <a:lstStyle/>
+          <a:p>
+            <a:r>
+              <a:rPr lang="en-US" dirty="0"/>
+              <a:t>https://docs.docker.com/network/bridge/https://docs.docker.com/network/bridge/</a:t>
+            </a:r>
+            <a:endParaRPr lang="en-PK" dirty="0"/>
+          </a:p>
+        </p:txBody>
+      </p:sp>
+      <p:sp>
+        <p:nvSpPr>
+          <p:cNvPr id="4" name="Slide Number Placeholder 3"/>
+          <p:cNvSpPr>
+            <a:spLocks noGrp="1"/>
+          </p:cNvSpPr>
+          <p:nvPr>
+            <p:ph type="sldNum" sz="quarter" idx="5"/>
           </p:nvPr>
         </p:nvSpPr>
         <p:spPr/>
@@ -1806,6 +2135,346 @@
             <a:fld id="{2229FAFC-F8C0-4300-85D0-0841763FFE0D}" type="slidenum">
               <a:rPr lang="en-US" smtClean="0"/>
               <a:t>40</a:t>
+            </a:fld>
+            <a:endParaRPr lang="en-US"/>
+          </a:p>
+        </p:txBody>
+      </p:sp>
+    </p:spTree>
+    <p:extLst>
+      <p:ext uri="{BB962C8B-B14F-4D97-AF65-F5344CB8AC3E}">
+        <p14:creationId xmlns:p14="http://schemas.microsoft.com/office/powerpoint/2010/main" val="1292096360"/>
+      </p:ext>
+    </p:extLst>
+  </p:cSld>
+  <p:clrMapOvr>
+    <a:masterClrMapping/>
+  </p:clrMapOvr>
+</p:notes>
+</file>
+
+<file path=ppt/notesSlides/notesSlide24.xml><?xml version="1.0" encoding="utf-8"?>
+<p:notes xmlns:a="http://schemas.openxmlformats.org/drawingml/2006/main" xmlns:r="http://schemas.openxmlformats.org/officeDocument/2006/relationships" xmlns:p="http://schemas.openxmlformats.org/presentationml/2006/main">
+  <p:cSld>
+    <p:spTree>
+      <p:nvGrpSpPr>
+        <p:cNvPr id="1" name=""/>
+        <p:cNvGrpSpPr/>
+        <p:nvPr/>
+      </p:nvGrpSpPr>
+      <p:grpSpPr>
+        <a:xfrm>
+          <a:off x="0" y="0"/>
+          <a:ext cx="0" cy="0"/>
+          <a:chOff x="0" y="0"/>
+          <a:chExt cx="0" cy="0"/>
+        </a:xfrm>
+      </p:grpSpPr>
+      <p:sp>
+        <p:nvSpPr>
+          <p:cNvPr id="2" name="Slide Image Placeholder 1"/>
+          <p:cNvSpPr>
+            <a:spLocks noGrp="1" noRot="1" noChangeAspect="1"/>
+          </p:cNvSpPr>
+          <p:nvPr>
+            <p:ph type="sldImg"/>
+          </p:nvPr>
+        </p:nvSpPr>
+        <p:spPr/>
+      </p:sp>
+      <p:sp>
+        <p:nvSpPr>
+          <p:cNvPr id="3" name="Notes Placeholder 2"/>
+          <p:cNvSpPr>
+            <a:spLocks noGrp="1"/>
+          </p:cNvSpPr>
+          <p:nvPr>
+            <p:ph type="body" idx="1"/>
+          </p:nvPr>
+        </p:nvSpPr>
+        <p:spPr/>
+        <p:txBody>
+          <a:bodyPr/>
+          <a:lstStyle/>
+          <a:p>
+            <a:r>
+              <a:rPr lang="en-US" dirty="0"/>
+              <a:t>https://docs.docker.com/network/bridge/https://docs.docker.com/network/bridge/</a:t>
+            </a:r>
+            <a:endParaRPr lang="en-PK" dirty="0"/>
+          </a:p>
+        </p:txBody>
+      </p:sp>
+      <p:sp>
+        <p:nvSpPr>
+          <p:cNvPr id="4" name="Slide Number Placeholder 3"/>
+          <p:cNvSpPr>
+            <a:spLocks noGrp="1"/>
+          </p:cNvSpPr>
+          <p:nvPr>
+            <p:ph type="sldNum" sz="quarter" idx="5"/>
+          </p:nvPr>
+        </p:nvSpPr>
+        <p:spPr/>
+        <p:txBody>
+          <a:bodyPr/>
+          <a:lstStyle/>
+          <a:p>
+            <a:fld id="{2229FAFC-F8C0-4300-85D0-0841763FFE0D}" type="slidenum">
+              <a:rPr lang="en-US" smtClean="0"/>
+              <a:t>41</a:t>
+            </a:fld>
+            <a:endParaRPr lang="en-US"/>
+          </a:p>
+        </p:txBody>
+      </p:sp>
+    </p:spTree>
+    <p:extLst>
+      <p:ext uri="{BB962C8B-B14F-4D97-AF65-F5344CB8AC3E}">
+        <p14:creationId xmlns:p14="http://schemas.microsoft.com/office/powerpoint/2010/main" val="1056358554"/>
+      </p:ext>
+    </p:extLst>
+  </p:cSld>
+  <p:clrMapOvr>
+    <a:masterClrMapping/>
+  </p:clrMapOvr>
+</p:notes>
+</file>
+
+<file path=ppt/notesSlides/notesSlide25.xml><?xml version="1.0" encoding="utf-8"?>
+<p:notes xmlns:a="http://schemas.openxmlformats.org/drawingml/2006/main" xmlns:r="http://schemas.openxmlformats.org/officeDocument/2006/relationships" xmlns:p="http://schemas.openxmlformats.org/presentationml/2006/main">
+  <p:cSld>
+    <p:spTree>
+      <p:nvGrpSpPr>
+        <p:cNvPr id="1" name=""/>
+        <p:cNvGrpSpPr/>
+        <p:nvPr/>
+      </p:nvGrpSpPr>
+      <p:grpSpPr>
+        <a:xfrm>
+          <a:off x="0" y="0"/>
+          <a:ext cx="0" cy="0"/>
+          <a:chOff x="0" y="0"/>
+          <a:chExt cx="0" cy="0"/>
+        </a:xfrm>
+      </p:grpSpPr>
+      <p:sp>
+        <p:nvSpPr>
+          <p:cNvPr id="2" name="Slide Image Placeholder 1"/>
+          <p:cNvSpPr>
+            <a:spLocks noGrp="1" noRot="1" noChangeAspect="1"/>
+          </p:cNvSpPr>
+          <p:nvPr>
+            <p:ph type="sldImg"/>
+          </p:nvPr>
+        </p:nvSpPr>
+        <p:spPr/>
+      </p:sp>
+      <p:sp>
+        <p:nvSpPr>
+          <p:cNvPr id="3" name="Notes Placeholder 2"/>
+          <p:cNvSpPr>
+            <a:spLocks noGrp="1"/>
+          </p:cNvSpPr>
+          <p:nvPr>
+            <p:ph type="body" idx="1"/>
+          </p:nvPr>
+        </p:nvSpPr>
+        <p:spPr/>
+        <p:txBody>
+          <a:bodyPr/>
+          <a:lstStyle/>
+          <a:p>
+            <a:endParaRPr lang="en-US" dirty="0"/>
+          </a:p>
+        </p:txBody>
+      </p:sp>
+      <p:sp>
+        <p:nvSpPr>
+          <p:cNvPr id="4" name="Slide Number Placeholder 3"/>
+          <p:cNvSpPr>
+            <a:spLocks noGrp="1"/>
+          </p:cNvSpPr>
+          <p:nvPr>
+            <p:ph type="sldNum" sz="quarter" idx="10"/>
+          </p:nvPr>
+        </p:nvSpPr>
+        <p:spPr/>
+        <p:txBody>
+          <a:bodyPr/>
+          <a:lstStyle/>
+          <a:p>
+            <a:fld id="{2229FAFC-F8C0-4300-85D0-0841763FFE0D}" type="slidenum">
+              <a:rPr lang="en-US" smtClean="0"/>
+              <a:t>43</a:t>
+            </a:fld>
+            <a:endParaRPr lang="en-US"/>
+          </a:p>
+        </p:txBody>
+      </p:sp>
+    </p:spTree>
+    <p:extLst>
+      <p:ext uri="{BB962C8B-B14F-4D97-AF65-F5344CB8AC3E}">
+        <p14:creationId xmlns:p14="http://schemas.microsoft.com/office/powerpoint/2010/main" val="1824226772"/>
+      </p:ext>
+    </p:extLst>
+  </p:cSld>
+  <p:clrMapOvr>
+    <a:masterClrMapping/>
+  </p:clrMapOvr>
+</p:notes>
+</file>
+
+<file path=ppt/notesSlides/notesSlide26.xml><?xml version="1.0" encoding="utf-8"?>
+<p:notes xmlns:a="http://schemas.openxmlformats.org/drawingml/2006/main" xmlns:r="http://schemas.openxmlformats.org/officeDocument/2006/relationships" xmlns:p="http://schemas.openxmlformats.org/presentationml/2006/main">
+  <p:cSld>
+    <p:spTree>
+      <p:nvGrpSpPr>
+        <p:cNvPr id="1" name=""/>
+        <p:cNvGrpSpPr/>
+        <p:nvPr/>
+      </p:nvGrpSpPr>
+      <p:grpSpPr>
+        <a:xfrm>
+          <a:off x="0" y="0"/>
+          <a:ext cx="0" cy="0"/>
+          <a:chOff x="0" y="0"/>
+          <a:chExt cx="0" cy="0"/>
+        </a:xfrm>
+      </p:grpSpPr>
+      <p:sp>
+        <p:nvSpPr>
+          <p:cNvPr id="2" name="Slide Image Placeholder 1"/>
+          <p:cNvSpPr>
+            <a:spLocks noGrp="1" noRot="1" noChangeAspect="1"/>
+          </p:cNvSpPr>
+          <p:nvPr>
+            <p:ph type="sldImg"/>
+          </p:nvPr>
+        </p:nvSpPr>
+        <p:spPr/>
+      </p:sp>
+      <p:sp>
+        <p:nvSpPr>
+          <p:cNvPr id="3" name="Notes Placeholder 2"/>
+          <p:cNvSpPr>
+            <a:spLocks noGrp="1"/>
+          </p:cNvSpPr>
+          <p:nvPr>
+            <p:ph type="body" idx="1"/>
+          </p:nvPr>
+        </p:nvSpPr>
+        <p:spPr/>
+        <p:txBody>
+          <a:bodyPr/>
+          <a:lstStyle/>
+          <a:p>
+            <a:endParaRPr lang="en-US" dirty="0"/>
+          </a:p>
+        </p:txBody>
+      </p:sp>
+      <p:sp>
+        <p:nvSpPr>
+          <p:cNvPr id="4" name="Slide Number Placeholder 3"/>
+          <p:cNvSpPr>
+            <a:spLocks noGrp="1"/>
+          </p:cNvSpPr>
+          <p:nvPr>
+            <p:ph type="sldNum" sz="quarter" idx="10"/>
+          </p:nvPr>
+        </p:nvSpPr>
+        <p:spPr/>
+        <p:txBody>
+          <a:bodyPr/>
+          <a:lstStyle/>
+          <a:p>
+            <a:fld id="{2229FAFC-F8C0-4300-85D0-0841763FFE0D}" type="slidenum">
+              <a:rPr lang="en-US" smtClean="0"/>
+              <a:t>44</a:t>
+            </a:fld>
+            <a:endParaRPr lang="en-US"/>
+          </a:p>
+        </p:txBody>
+      </p:sp>
+    </p:spTree>
+    <p:extLst>
+      <p:ext uri="{BB962C8B-B14F-4D97-AF65-F5344CB8AC3E}">
+        <p14:creationId xmlns:p14="http://schemas.microsoft.com/office/powerpoint/2010/main" val="513680487"/>
+      </p:ext>
+    </p:extLst>
+  </p:cSld>
+  <p:clrMapOvr>
+    <a:masterClrMapping/>
+  </p:clrMapOvr>
+</p:notes>
+</file>
+
+<file path=ppt/notesSlides/notesSlide27.xml><?xml version="1.0" encoding="utf-8"?>
+<p:notes xmlns:a="http://schemas.openxmlformats.org/drawingml/2006/main" xmlns:r="http://schemas.openxmlformats.org/officeDocument/2006/relationships" xmlns:p="http://schemas.openxmlformats.org/presentationml/2006/main">
+  <p:cSld>
+    <p:spTree>
+      <p:nvGrpSpPr>
+        <p:cNvPr id="1" name=""/>
+        <p:cNvGrpSpPr/>
+        <p:nvPr/>
+      </p:nvGrpSpPr>
+      <p:grpSpPr>
+        <a:xfrm>
+          <a:off x="0" y="0"/>
+          <a:ext cx="0" cy="0"/>
+          <a:chOff x="0" y="0"/>
+          <a:chExt cx="0" cy="0"/>
+        </a:xfrm>
+      </p:grpSpPr>
+      <p:sp>
+        <p:nvSpPr>
+          <p:cNvPr id="2" name="Slide Image Placeholder 1"/>
+          <p:cNvSpPr>
+            <a:spLocks noGrp="1" noRot="1" noChangeAspect="1"/>
+          </p:cNvSpPr>
+          <p:nvPr>
+            <p:ph type="sldImg"/>
+          </p:nvPr>
+        </p:nvSpPr>
+        <p:spPr/>
+      </p:sp>
+      <p:sp>
+        <p:nvSpPr>
+          <p:cNvPr id="3" name="Notes Placeholder 2"/>
+          <p:cNvSpPr>
+            <a:spLocks noGrp="1"/>
+          </p:cNvSpPr>
+          <p:nvPr>
+            <p:ph type="body" idx="1"/>
+          </p:nvPr>
+        </p:nvSpPr>
+        <p:spPr/>
+        <p:txBody>
+          <a:bodyPr/>
+          <a:lstStyle/>
+          <a:p>
+            <a:endParaRPr lang="en-US" dirty="0"/>
+          </a:p>
+        </p:txBody>
+      </p:sp>
+      <p:sp>
+        <p:nvSpPr>
+          <p:cNvPr id="4" name="Slide Number Placeholder 3"/>
+          <p:cNvSpPr>
+            <a:spLocks noGrp="1"/>
+          </p:cNvSpPr>
+          <p:nvPr>
+            <p:ph type="sldNum" sz="quarter" idx="10"/>
+          </p:nvPr>
+        </p:nvSpPr>
+        <p:spPr/>
+        <p:txBody>
+          <a:bodyPr/>
+          <a:lstStyle/>
+          <a:p>
+            <a:fld id="{2229FAFC-F8C0-4300-85D0-0841763FFE0D}" type="slidenum">
+              <a:rPr lang="en-US" smtClean="0"/>
+              <a:t>46</a:t>
             </a:fld>
             <a:endParaRPr lang="en-US"/>
           </a:p>
@@ -1898,7 +2567,7 @@
     </p:spTree>
     <p:extLst>
       <p:ext uri="{BB962C8B-B14F-4D97-AF65-F5344CB8AC3E}">
-        <p14:creationId xmlns:p14="http://schemas.microsoft.com/office/powerpoint/2010/main" val="1023947611"/>
+        <p14:creationId xmlns:p14="http://schemas.microsoft.com/office/powerpoint/2010/main" val="1076670546"/>
       </p:ext>
     </p:extLst>
   </p:cSld>
@@ -1971,11 +2640,8 @@
             </a:pPr>
             <a:r>
               <a:rPr lang="en-US" dirty="0"/>
-              <a:t>Note: Image is copied from Internet (docker site)</a:t>
-            </a:r>
-          </a:p>
-          <a:p>
-            <a:endParaRPr lang="en-US" dirty="0"/>
+              <a:t>Note: Image is copied from Internet</a:t>
+            </a:r>
           </a:p>
         </p:txBody>
       </p:sp>
@@ -2005,7 +2671,7 @@
     </p:spTree>
     <p:extLst>
       <p:ext uri="{BB962C8B-B14F-4D97-AF65-F5344CB8AC3E}">
-        <p14:creationId xmlns:p14="http://schemas.microsoft.com/office/powerpoint/2010/main" val="4147518739"/>
+        <p14:creationId xmlns:p14="http://schemas.microsoft.com/office/powerpoint/2010/main" val="293840959"/>
       </p:ext>
     </p:extLst>
   </p:cSld>
@@ -2059,10 +2725,7 @@
           <a:bodyPr/>
           <a:lstStyle/>
           <a:p>
-            <a:r>
-              <a:rPr lang="en-US" dirty="0"/>
-              <a:t>Note: Image is copied from Internet</a:t>
-            </a:r>
+            <a:endParaRPr lang="en-US" dirty="0"/>
           </a:p>
         </p:txBody>
       </p:sp>
@@ -2092,7 +2755,7 @@
     </p:spTree>
     <p:extLst>
       <p:ext uri="{BB962C8B-B14F-4D97-AF65-F5344CB8AC3E}">
-        <p14:creationId xmlns:p14="http://schemas.microsoft.com/office/powerpoint/2010/main" val="1348049344"/>
+        <p14:creationId xmlns:p14="http://schemas.microsoft.com/office/powerpoint/2010/main" val="928857872"/>
       </p:ext>
     </p:extLst>
   </p:cSld>
@@ -2196,7 +2859,7 @@
     </p:spTree>
     <p:extLst>
       <p:ext uri="{BB962C8B-B14F-4D97-AF65-F5344CB8AC3E}">
-        <p14:creationId xmlns:p14="http://schemas.microsoft.com/office/powerpoint/2010/main" val="2087497138"/>
+        <p14:creationId xmlns:p14="http://schemas.microsoft.com/office/powerpoint/2010/main" val="2150671807"/>
       </p:ext>
     </p:extLst>
   </p:cSld>
@@ -2250,27 +2913,7 @@
           <a:bodyPr/>
           <a:lstStyle/>
           <a:p>
-            <a:pPr marL="0" marR="0" lvl="0" indent="0" algn="l" defTabSz="914400" rtl="0" eaLnBrk="1" fontAlgn="auto" latinLnBrk="0" hangingPunct="1">
-              <a:lnSpc>
-                <a:spcPct val="100000"/>
-              </a:lnSpc>
-              <a:spcBef>
-                <a:spcPts val="0"/>
-              </a:spcBef>
-              <a:spcAft>
-                <a:spcPts val="0"/>
-              </a:spcAft>
-              <a:buClrTx/>
-              <a:buSzTx/>
-              <a:buFontTx/>
-              <a:buNone/>
-              <a:tabLst/>
-              <a:defRPr/>
-            </a:pPr>
-            <a:r>
-              <a:rPr lang="en-US" dirty="0"/>
-              <a:t>Note: Image is copied from Internet</a:t>
-            </a:r>
+            <a:endParaRPr lang="en-US" dirty="0"/>
           </a:p>
         </p:txBody>
       </p:sp>
@@ -2300,7 +2943,7 @@
     </p:spTree>
     <p:extLst>
       <p:ext uri="{BB962C8B-B14F-4D97-AF65-F5344CB8AC3E}">
-        <p14:creationId xmlns:p14="http://schemas.microsoft.com/office/powerpoint/2010/main" val="4156955391"/>
+        <p14:creationId xmlns:p14="http://schemas.microsoft.com/office/powerpoint/2010/main" val="1023947611"/>
       </p:ext>
     </p:extLst>
   </p:cSld>
@@ -2354,11 +2997,7 @@
           <a:bodyPr/>
           <a:lstStyle/>
           <a:p>
-            <a:r>
-              <a:rPr lang="en-US" dirty="0"/>
-              <a:t>https://docs.docker.com/network/bridge/https://docs.docker.com/network/bridge/</a:t>
-            </a:r>
-            <a:endParaRPr lang="en-PK" dirty="0"/>
+            <a:endParaRPr lang="en-US" dirty="0"/>
           </a:p>
         </p:txBody>
       </p:sp>
@@ -2369,7 +3008,7 @@
             <a:spLocks noGrp="1"/>
           </p:cNvSpPr>
           <p:nvPr>
-            <p:ph type="sldNum" sz="quarter" idx="5"/>
+            <p:ph type="sldNum" sz="quarter" idx="10"/>
           </p:nvPr>
         </p:nvSpPr>
         <p:spPr/>
@@ -2379,7 +3018,7 @@
           <a:p>
             <a:fld id="{2229FAFC-F8C0-4300-85D0-0841763FFE0D}" type="slidenum">
               <a:rPr lang="en-US" smtClean="0"/>
-              <a:t>26</a:t>
+              <a:t>12</a:t>
             </a:fld>
             <a:endParaRPr lang="en-US"/>
           </a:p>
@@ -2388,7 +3027,7 @@
     </p:spTree>
     <p:extLst>
       <p:ext uri="{BB962C8B-B14F-4D97-AF65-F5344CB8AC3E}">
-        <p14:creationId xmlns:p14="http://schemas.microsoft.com/office/powerpoint/2010/main" val="3815329555"/>
+        <p14:creationId xmlns:p14="http://schemas.microsoft.com/office/powerpoint/2010/main" val="1088451131"/>
       </p:ext>
     </p:extLst>
   </p:cSld>
@@ -2442,11 +3081,30 @@
           <a:bodyPr/>
           <a:lstStyle/>
           <a:p>
-            <a:r>
-              <a:rPr lang="en-US" dirty="0"/>
-              <a:t>https://docs.docker.com/network/bridge/https://docs.docker.com/network/bridge/</a:t>
-            </a:r>
-            <a:endParaRPr lang="en-PK" dirty="0"/>
+            <a:pPr marL="0" marR="0" lvl="0" indent="0" algn="l" defTabSz="914400" rtl="0" eaLnBrk="1" fontAlgn="auto" latinLnBrk="0" hangingPunct="1">
+              <a:lnSpc>
+                <a:spcPct val="100000"/>
+              </a:lnSpc>
+              <a:spcBef>
+                <a:spcPts val="0"/>
+              </a:spcBef>
+              <a:spcAft>
+                <a:spcPts val="0"/>
+              </a:spcAft>
+              <a:buClrTx/>
+              <a:buSzTx/>
+              <a:buFontTx/>
+              <a:buNone/>
+              <a:tabLst/>
+              <a:defRPr/>
+            </a:pPr>
+            <a:r>
+              <a:rPr lang="en-US" dirty="0"/>
+              <a:t>Note: Image is copied from Internet (docker website)</a:t>
+            </a:r>
+          </a:p>
+          <a:p>
+            <a:endParaRPr lang="en-US" dirty="0"/>
           </a:p>
         </p:txBody>
       </p:sp>
@@ -2457,7 +3115,7 @@
             <a:spLocks noGrp="1"/>
           </p:cNvSpPr>
           <p:nvPr>
-            <p:ph type="sldNum" sz="quarter" idx="5"/>
+            <p:ph type="sldNum" sz="quarter" idx="10"/>
           </p:nvPr>
         </p:nvSpPr>
         <p:spPr/>
@@ -2467,7 +3125,7 @@
           <a:p>
             <a:fld id="{2229FAFC-F8C0-4300-85D0-0841763FFE0D}" type="slidenum">
               <a:rPr lang="en-US" smtClean="0"/>
-              <a:t>27</a:t>
+              <a:t>13</a:t>
             </a:fld>
             <a:endParaRPr lang="en-US"/>
           </a:p>
@@ -2476,7 +3134,7 @@
     </p:spTree>
     <p:extLst>
       <p:ext uri="{BB962C8B-B14F-4D97-AF65-F5344CB8AC3E}">
-        <p14:creationId xmlns:p14="http://schemas.microsoft.com/office/powerpoint/2010/main" val="344479298"/>
+        <p14:creationId xmlns:p14="http://schemas.microsoft.com/office/powerpoint/2010/main" val="4147518739"/>
       </p:ext>
     </p:extLst>
   </p:cSld>
@@ -2616,7 +3274,7 @@
           <a:p>
             <a:fld id="{3A7B9BA3-9635-40AC-9A47-1BC487F99B17}" type="datetime1">
               <a:rPr lang="en-US" smtClean="0"/>
-              <a:t>12/12/2020</a:t>
+              <a:t>1/9/2021</a:t>
             </a:fld>
             <a:endParaRPr lang="en-US"/>
           </a:p>
@@ -2918,7 +3576,7 @@
           <a:p>
             <a:fld id="{3D89DC46-751C-45EE-B359-9452DFFC97A7}" type="datetime1">
               <a:rPr lang="en-US" smtClean="0"/>
-              <a:t>12/12/2020</a:t>
+              <a:t>1/9/2021</a:t>
             </a:fld>
             <a:endParaRPr lang="en-US"/>
           </a:p>
@@ -3096,7 +3754,7 @@
           <a:p>
             <a:fld id="{B6E7336F-DF3C-484E-A395-46A0F5D3E75D}" type="datetime1">
               <a:rPr lang="en-US" smtClean="0"/>
-              <a:t>12/12/2020</a:t>
+              <a:t>1/9/2021</a:t>
             </a:fld>
             <a:endParaRPr lang="en-US"/>
           </a:p>
@@ -3264,7 +3922,7 @@
           <a:p>
             <a:fld id="{6154146A-EEF2-4447-9B63-1093335E8C99}" type="datetime1">
               <a:rPr lang="en-US" smtClean="0"/>
-              <a:t>12/12/2020</a:t>
+              <a:t>1/9/2021</a:t>
             </a:fld>
             <a:endParaRPr lang="en-US"/>
           </a:p>
@@ -3527,7 +4185,7 @@
           <a:p>
             <a:fld id="{A7F5D853-D038-4437-A44B-F9A62230FD67}" type="datetime1">
               <a:rPr lang="en-US" smtClean="0"/>
-              <a:t>12/12/2020</a:t>
+              <a:t>1/9/2021</a:t>
             </a:fld>
             <a:endParaRPr lang="en-US"/>
           </a:p>
@@ -3984,7 +4642,7 @@
           <a:p>
             <a:fld id="{1C5AAA15-0AEA-414D-B8C4-1BDB4ADADE26}" type="datetime1">
               <a:rPr lang="en-US" smtClean="0"/>
-              <a:t>12/12/2020</a:t>
+              <a:t>1/9/2021</a:t>
             </a:fld>
             <a:endParaRPr lang="en-US"/>
           </a:p>
@@ -4470,7 +5128,7 @@
           <a:p>
             <a:fld id="{B036C455-B316-46E1-9177-65E7B5092787}" type="datetime1">
               <a:rPr lang="en-US" smtClean="0"/>
-              <a:t>12/12/2020</a:t>
+              <a:t>1/9/2021</a:t>
             </a:fld>
             <a:endParaRPr lang="en-US"/>
           </a:p>
@@ -4591,7 +5249,7 @@
           <a:p>
             <a:fld id="{54D67B87-9DDA-4C83-87EB-A70914510CE4}" type="datetime1">
               <a:rPr lang="en-US" smtClean="0"/>
-              <a:t>12/12/2020</a:t>
+              <a:t>1/9/2021</a:t>
             </a:fld>
             <a:endParaRPr lang="en-US"/>
           </a:p>
@@ -4731,7 +5389,7 @@
           <a:p>
             <a:fld id="{28A73CFE-99D8-4404-ACB1-96E182B1B3AF}" type="datetime1">
               <a:rPr lang="en-US" smtClean="0"/>
-              <a:t>12/12/2020</a:t>
+              <a:t>1/9/2021</a:t>
             </a:fld>
             <a:endParaRPr lang="en-US"/>
           </a:p>
@@ -5048,7 +5706,7 @@
           <a:p>
             <a:fld id="{82062626-DAAA-4698-8AE0-049B0910E261}" type="datetime1">
               <a:rPr lang="en-US" smtClean="0"/>
-              <a:t>12/12/2020</a:t>
+              <a:t>1/9/2021</a:t>
             </a:fld>
             <a:endParaRPr lang="en-US"/>
           </a:p>
@@ -5179,7 +5837,7 @@
           <a:p>
             <a:fld id="{40D7D87A-4935-48EB-801E-8F07608ABF72}" type="datetime1">
               <a:rPr lang="en-US" smtClean="0"/>
-              <a:t>12/12/2020</a:t>
+              <a:t>1/9/2021</a:t>
             </a:fld>
             <a:endParaRPr lang="en-US"/>
           </a:p>
@@ -5940,7 +6598,7 @@
           <a:p>
             <a:fld id="{7DC533F8-9967-4694-8626-38678EC1828B}" type="datetime1">
               <a:rPr lang="en-US" smtClean="0"/>
-              <a:t>12/12/2020</a:t>
+              <a:t>1/9/2021</a:t>
             </a:fld>
             <a:endParaRPr lang="en-US"/>
           </a:p>
@@ -6538,13 +7196,13 @@
         <p:spPr/>
         <p:txBody>
           <a:bodyPr>
-            <a:normAutofit/>
+            <a:normAutofit fontScale="90000"/>
           </a:bodyPr>
           <a:lstStyle/>
           <a:p>
             <a:r>
               <a:rPr lang="en-US" dirty="0"/>
-              <a:t>High Level Overview</a:t>
+              <a:t>Virtualization vs. Containerization</a:t>
             </a:r>
           </a:p>
         </p:txBody>
@@ -6568,120 +7226,6 @@
               <a:rPr lang="en-US" smtClean="0"/>
               <a:pPr/>
               <a:t>10</a:t>
-            </a:fld>
-            <a:endParaRPr lang="en-US"/>
-          </a:p>
-        </p:txBody>
-      </p:sp>
-      <p:pic>
-        <p:nvPicPr>
-          <p:cNvPr id="4" name="Picture 3">
-            <a:extLst>
-              <a:ext uri="{FF2B5EF4-FFF2-40B4-BE49-F238E27FC236}">
-                <a16:creationId xmlns:a16="http://schemas.microsoft.com/office/drawing/2014/main" id="{36FD46A4-D910-40A9-8BDB-1364778B31F1}"/>
-              </a:ext>
-            </a:extLst>
-          </p:cNvPr>
-          <p:cNvPicPr>
-            <a:picLocks noChangeAspect="1"/>
-          </p:cNvPicPr>
-          <p:nvPr/>
-        </p:nvPicPr>
-        <p:blipFill>
-          <a:blip r:embed="rId3">
-            <a:extLst>
-              <a:ext uri="{28A0092B-C50C-407E-A947-70E740481C1C}">
-                <a14:useLocalDpi xmlns:a14="http://schemas.microsoft.com/office/drawing/2010/main" val="0"/>
-              </a:ext>
-            </a:extLst>
-          </a:blip>
-          <a:stretch>
-            <a:fillRect/>
-          </a:stretch>
-        </p:blipFill>
-        <p:spPr>
-          <a:xfrm>
-            <a:off x="1219200" y="1901310"/>
-            <a:ext cx="7623048" cy="3623190"/>
-          </a:xfrm>
-          <a:prstGeom prst="rect">
-            <a:avLst/>
-          </a:prstGeom>
-        </p:spPr>
-      </p:pic>
-    </p:spTree>
-    <p:extLst>
-      <p:ext uri="{BB962C8B-B14F-4D97-AF65-F5344CB8AC3E}">
-        <p14:creationId xmlns:p14="http://schemas.microsoft.com/office/powerpoint/2010/main" val="662229884"/>
-      </p:ext>
-    </p:extLst>
-  </p:cSld>
-  <p:clrMapOvr>
-    <a:masterClrMapping/>
-  </p:clrMapOvr>
-</p:sld>
-</file>
-
-<file path=ppt/slides/slide11.xml><?xml version="1.0" encoding="utf-8"?>
-<p:sld xmlns:a="http://schemas.openxmlformats.org/drawingml/2006/main" xmlns:r="http://schemas.openxmlformats.org/officeDocument/2006/relationships" xmlns:p="http://schemas.openxmlformats.org/presentationml/2006/main">
-  <p:cSld>
-    <p:spTree>
-      <p:nvGrpSpPr>
-        <p:cNvPr id="1" name=""/>
-        <p:cNvGrpSpPr/>
-        <p:nvPr/>
-      </p:nvGrpSpPr>
-      <p:grpSpPr>
-        <a:xfrm>
-          <a:off x="0" y="0"/>
-          <a:ext cx="0" cy="0"/>
-          <a:chOff x="0" y="0"/>
-          <a:chExt cx="0" cy="0"/>
-        </a:xfrm>
-      </p:grpSpPr>
-      <p:sp>
-        <p:nvSpPr>
-          <p:cNvPr id="2" name="Title 1"/>
-          <p:cNvSpPr>
-            <a:spLocks noGrp="1"/>
-          </p:cNvSpPr>
-          <p:nvPr>
-            <p:ph type="title"/>
-          </p:nvPr>
-        </p:nvSpPr>
-        <p:spPr/>
-        <p:txBody>
-          <a:bodyPr>
-            <a:normAutofit fontScale="90000"/>
-          </a:bodyPr>
-          <a:lstStyle/>
-          <a:p>
-            <a:r>
-              <a:rPr lang="en-US" dirty="0"/>
-              <a:t>Virtualization vs. Containerization</a:t>
-            </a:r>
-          </a:p>
-        </p:txBody>
-      </p:sp>
-      <p:sp>
-        <p:nvSpPr>
-          <p:cNvPr id="6" name="Slide Number Placeholder 5"/>
-          <p:cNvSpPr>
-            <a:spLocks noGrp="1"/>
-          </p:cNvSpPr>
-          <p:nvPr>
-            <p:ph type="sldNum" sz="quarter" idx="12"/>
-          </p:nvPr>
-        </p:nvSpPr>
-        <p:spPr/>
-        <p:txBody>
-          <a:bodyPr/>
-          <a:lstStyle/>
-          <a:p>
-            <a:fld id="{B6F15528-21DE-4FAA-801E-634DDDAF4B2B}" type="slidenum">
-              <a:rPr lang="en-US" smtClean="0"/>
-              <a:pPr/>
-              <a:t>11</a:t>
             </a:fld>
             <a:endParaRPr lang="en-US"/>
           </a:p>
@@ -6737,7 +7281,197 @@
     </p:spTree>
     <p:extLst>
       <p:ext uri="{BB962C8B-B14F-4D97-AF65-F5344CB8AC3E}">
-        <p14:creationId xmlns:p14="http://schemas.microsoft.com/office/powerpoint/2010/main" val="3076328648"/>
+        <p14:creationId xmlns:p14="http://schemas.microsoft.com/office/powerpoint/2010/main" val="996364957"/>
+      </p:ext>
+    </p:extLst>
+  </p:cSld>
+  <p:clrMapOvr>
+    <a:masterClrMapping/>
+  </p:clrMapOvr>
+</p:sld>
+</file>
+
+<file path=ppt/slides/slide11.xml><?xml version="1.0" encoding="utf-8"?>
+<p:sld xmlns:a="http://schemas.openxmlformats.org/drawingml/2006/main" xmlns:r="http://schemas.openxmlformats.org/officeDocument/2006/relationships" xmlns:p="http://schemas.openxmlformats.org/presentationml/2006/main">
+  <p:cSld>
+    <p:spTree>
+      <p:nvGrpSpPr>
+        <p:cNvPr id="1" name=""/>
+        <p:cNvGrpSpPr/>
+        <p:nvPr/>
+      </p:nvGrpSpPr>
+      <p:grpSpPr>
+        <a:xfrm>
+          <a:off x="0" y="0"/>
+          <a:ext cx="0" cy="0"/>
+          <a:chOff x="0" y="0"/>
+          <a:chExt cx="0" cy="0"/>
+        </a:xfrm>
+      </p:grpSpPr>
+      <p:sp>
+        <p:nvSpPr>
+          <p:cNvPr id="2" name="Title 1"/>
+          <p:cNvSpPr>
+            <a:spLocks noGrp="1"/>
+          </p:cNvSpPr>
+          <p:nvPr>
+            <p:ph type="title"/>
+          </p:nvPr>
+        </p:nvSpPr>
+        <p:spPr/>
+        <p:txBody>
+          <a:bodyPr>
+            <a:normAutofit/>
+          </a:bodyPr>
+          <a:lstStyle/>
+          <a:p>
+            <a:r>
+              <a:rPr lang="en-US" dirty="0"/>
+              <a:t>Intro to Docker</a:t>
+            </a:r>
+          </a:p>
+        </p:txBody>
+      </p:sp>
+      <p:sp>
+        <p:nvSpPr>
+          <p:cNvPr id="3" name="Content Placeholder 2"/>
+          <p:cNvSpPr>
+            <a:spLocks noGrp="1"/>
+          </p:cNvSpPr>
+          <p:nvPr>
+            <p:ph idx="1"/>
+          </p:nvPr>
+        </p:nvSpPr>
+        <p:spPr/>
+        <p:txBody>
+          <a:bodyPr>
+            <a:normAutofit lnSpcReduction="10000"/>
+          </a:bodyPr>
+          <a:lstStyle/>
+          <a:p>
+            <a:r>
+              <a:rPr lang="en-US" dirty="0"/>
+              <a:t>Docker Inc.</a:t>
+            </a:r>
+          </a:p>
+          <a:p>
+            <a:pPr lvl="1"/>
+            <a:r>
+              <a:rPr lang="en-US" dirty="0">
+                <a:hlinkClick r:id="rId3"/>
+              </a:rPr>
+              <a:t>https://www.docker.com/</a:t>
+            </a:r>
+            <a:r>
+              <a:rPr lang="en-US" dirty="0"/>
+              <a:t> </a:t>
+            </a:r>
+          </a:p>
+          <a:p>
+            <a:r>
+              <a:rPr lang="en-US" dirty="0"/>
+              <a:t>Docker is a </a:t>
+            </a:r>
+            <a:r>
+              <a:rPr lang="en-US" dirty="0">
+                <a:solidFill>
+                  <a:srgbClr val="FF0000"/>
+                </a:solidFill>
+              </a:rPr>
+              <a:t>set of platform as a service products</a:t>
+            </a:r>
+            <a:r>
+              <a:rPr lang="en-US" dirty="0"/>
+              <a:t> that use OS-level virtualization to deliver software in </a:t>
+            </a:r>
+            <a:r>
+              <a:rPr lang="en-US" dirty="0">
+                <a:solidFill>
+                  <a:srgbClr val="FF0000"/>
+                </a:solidFill>
+              </a:rPr>
+              <a:t>packages</a:t>
+            </a:r>
+            <a:r>
+              <a:rPr lang="en-US" dirty="0"/>
+              <a:t> called </a:t>
+            </a:r>
+            <a:r>
+              <a:rPr lang="en-US" dirty="0">
+                <a:solidFill>
+                  <a:srgbClr val="FF0000"/>
+                </a:solidFill>
+              </a:rPr>
+              <a:t>containers</a:t>
+            </a:r>
+            <a:r>
+              <a:rPr lang="en-US" dirty="0"/>
+              <a:t>.</a:t>
+            </a:r>
+          </a:p>
+          <a:p>
+            <a:pPr lvl="1"/>
+            <a:r>
+              <a:rPr lang="en-US" dirty="0"/>
+              <a:t>Written in GO.</a:t>
+            </a:r>
+          </a:p>
+          <a:p>
+            <a:pPr lvl="1"/>
+            <a:r>
+              <a:rPr lang="en-US" dirty="0"/>
+              <a:t>Initial Release date: March 20, 2013.</a:t>
+            </a:r>
+          </a:p>
+          <a:p>
+            <a:r>
+              <a:rPr lang="en-US" dirty="0"/>
+              <a:t>Container Runtime (like Hypervisor in VMs world)</a:t>
+            </a:r>
+          </a:p>
+          <a:p>
+            <a:pPr marL="402336" lvl="1" indent="0">
+              <a:buNone/>
+            </a:pPr>
+            <a:endParaRPr lang="en-US" dirty="0"/>
+          </a:p>
+          <a:p>
+            <a:pPr lvl="1"/>
+            <a:endParaRPr lang="en-US" dirty="0"/>
+          </a:p>
+          <a:p>
+            <a:endParaRPr lang="en-US" dirty="0"/>
+          </a:p>
+        </p:txBody>
+      </p:sp>
+      <p:sp>
+        <p:nvSpPr>
+          <p:cNvPr id="6" name="Slide Number Placeholder 5"/>
+          <p:cNvSpPr>
+            <a:spLocks noGrp="1"/>
+          </p:cNvSpPr>
+          <p:nvPr>
+            <p:ph type="sldNum" sz="quarter" idx="12"/>
+          </p:nvPr>
+        </p:nvSpPr>
+        <p:spPr/>
+        <p:txBody>
+          <a:bodyPr/>
+          <a:lstStyle/>
+          <a:p>
+            <a:fld id="{B6F15528-21DE-4FAA-801E-634DDDAF4B2B}" type="slidenum">
+              <a:rPr lang="en-US" smtClean="0"/>
+              <a:pPr/>
+              <a:t>11</a:t>
+            </a:fld>
+            <a:endParaRPr lang="en-US"/>
+          </a:p>
+        </p:txBody>
+      </p:sp>
+    </p:spTree>
+    <p:extLst>
+      <p:ext uri="{BB962C8B-B14F-4D97-AF65-F5344CB8AC3E}">
+        <p14:creationId xmlns:p14="http://schemas.microsoft.com/office/powerpoint/2010/main" val="3513370058"/>
       </p:ext>
     </p:extLst>
   </p:cSld>
@@ -6783,7 +7517,7 @@
           <a:p>
             <a:r>
               <a:rPr lang="en-US" dirty="0"/>
-              <a:t>Docker Installation</a:t>
+              <a:t>Docker Components</a:t>
             </a:r>
           </a:p>
         </p:txBody>
@@ -6801,66 +7535,120 @@
         <p:spPr/>
         <p:txBody>
           <a:bodyPr>
-            <a:normAutofit/>
+            <a:normAutofit fontScale="92500" lnSpcReduction="20000"/>
           </a:bodyPr>
           <a:lstStyle/>
           <a:p>
             <a:r>
-              <a:rPr lang="en-US" dirty="0">
-                <a:hlinkClick r:id="rId2"/>
-              </a:rPr>
-              <a:t>https://docs.docker.com/get-docker/</a:t>
-            </a:r>
+              <a:rPr lang="en-US" dirty="0"/>
+              <a:t>Docker components</a:t>
+            </a:r>
+          </a:p>
+          <a:p>
+            <a:pPr lvl="1"/>
+            <a:r>
+              <a:rPr lang="en-US" dirty="0" err="1"/>
+              <a:t>sudo</a:t>
+            </a:r>
+            <a:r>
+              <a:rPr lang="en-US" dirty="0"/>
+              <a:t> docker version</a:t>
+            </a:r>
+          </a:p>
+          <a:p>
+            <a:pPr lvl="1"/>
+            <a:r>
+              <a:rPr lang="en-US" dirty="0"/>
+              <a:t>docker cli</a:t>
+            </a:r>
+          </a:p>
+          <a:p>
+            <a:pPr lvl="1"/>
+            <a:r>
+              <a:rPr lang="en-US" dirty="0"/>
+              <a:t>docker engine</a:t>
+            </a:r>
+          </a:p>
+          <a:p>
+            <a:r>
+              <a:rPr lang="en-US" dirty="0"/>
+              <a:t>Linux Containers</a:t>
+            </a:r>
+          </a:p>
+          <a:p>
+            <a:pPr lvl="1"/>
+            <a:r>
+              <a:rPr lang="en-US" dirty="0"/>
+              <a:t>Docker started with Linux containers </a:t>
+            </a:r>
+          </a:p>
+          <a:p>
+            <a:pPr lvl="1"/>
+            <a:r>
+              <a:rPr lang="en-US" dirty="0"/>
+              <a:t>Linux as Docker Host </a:t>
+            </a:r>
+          </a:p>
+          <a:p>
+            <a:r>
+              <a:rPr lang="en-US" dirty="0"/>
+              <a:t>Windows Containers</a:t>
+            </a:r>
+          </a:p>
+          <a:p>
+            <a:pPr lvl="1"/>
+            <a:r>
+              <a:rPr lang="en-US" dirty="0"/>
+              <a:t>Requires Windows OS as Docker Host</a:t>
+            </a:r>
+          </a:p>
+          <a:p>
+            <a:r>
+              <a:rPr lang="en-US" dirty="0"/>
+              <a:t>Image vs. Container</a:t>
+            </a:r>
+          </a:p>
+          <a:p>
+            <a:r>
+              <a:rPr lang="en-US" dirty="0"/>
+              <a:t>Container Registry (e.g. </a:t>
+            </a:r>
+            <a:r>
+              <a:rPr lang="en-US" dirty="0" err="1"/>
+              <a:t>DockerHub</a:t>
+            </a:r>
+            <a:r>
+              <a:rPr lang="en-US" dirty="0"/>
+              <a:t>)</a:t>
+            </a:r>
+          </a:p>
+          <a:p>
             <a:endParaRPr lang="en-US" dirty="0"/>
           </a:p>
           <a:p>
+            <a:pPr marL="402336" lvl="1" indent="0">
+              <a:buNone/>
+            </a:pPr>
+            <a:endParaRPr lang="en-US" dirty="0"/>
+          </a:p>
+          <a:p>
+            <a:endParaRPr lang="en-US" dirty="0"/>
+          </a:p>
+          <a:p>
+            <a:endParaRPr lang="en-US" dirty="0"/>
+          </a:p>
+          <a:p>
+            <a:pPr marL="402336" lvl="1" indent="0">
+              <a:buNone/>
+            </a:pPr>
+            <a:endParaRPr lang="en-US" dirty="0"/>
+          </a:p>
+          <a:p>
             <a:pPr lvl="1"/>
-            <a:r>
-              <a:rPr lang="en-US" dirty="0"/>
-              <a:t>Docker for Linux</a:t>
-            </a:r>
-          </a:p>
-          <a:p>
-            <a:pPr lvl="2"/>
-            <a:r>
-              <a:rPr lang="en-US" dirty="0"/>
-              <a:t>Community Version</a:t>
-            </a:r>
-          </a:p>
-          <a:p>
-            <a:pPr lvl="2"/>
-            <a:r>
-              <a:rPr lang="en-US" dirty="0"/>
-              <a:t>Enterprise Version</a:t>
-            </a:r>
-          </a:p>
-          <a:p>
-            <a:pPr lvl="1"/>
-            <a:r>
-              <a:rPr lang="en-US" dirty="0"/>
-              <a:t>Docker Desktop for Windows</a:t>
-            </a:r>
-          </a:p>
-          <a:p>
-            <a:pPr lvl="2"/>
-            <a:r>
-              <a:rPr lang="en-US" dirty="0"/>
-              <a:t>Community Version (Windows 10)</a:t>
-            </a:r>
-          </a:p>
-          <a:p>
-            <a:pPr lvl="2"/>
-            <a:r>
-              <a:rPr lang="en-US" dirty="0"/>
-              <a:t>Windows Server 2016+</a:t>
-            </a:r>
-          </a:p>
-          <a:p>
-            <a:pPr lvl="1"/>
-            <a:r>
-              <a:rPr lang="en-US" dirty="0"/>
-              <a:t>Docker Desktop for Mac</a:t>
-            </a:r>
+            <a:endParaRPr lang="en-US" dirty="0"/>
+          </a:p>
+          <a:p>
+            <a:endParaRPr lang="en-US" dirty="0"/>
           </a:p>
         </p:txBody>
       </p:sp>
@@ -6884,14 +7672,14 @@
               <a:pPr/>
               <a:t>12</a:t>
             </a:fld>
-            <a:endParaRPr lang="en-US" dirty="0"/>
+            <a:endParaRPr lang="en-US"/>
           </a:p>
         </p:txBody>
       </p:sp>
     </p:spTree>
     <p:extLst>
       <p:ext uri="{BB962C8B-B14F-4D97-AF65-F5344CB8AC3E}">
-        <p14:creationId xmlns:p14="http://schemas.microsoft.com/office/powerpoint/2010/main" val="2672589440"/>
+        <p14:creationId xmlns:p14="http://schemas.microsoft.com/office/powerpoint/2010/main" val="128419216"/>
       </p:ext>
     </p:extLst>
   </p:cSld>
@@ -6937,71 +7725,8 @@
           <a:p>
             <a:r>
               <a:rPr lang="en-US" dirty="0"/>
-              <a:t>Before Demos</a:t>
-            </a:r>
-          </a:p>
-        </p:txBody>
-      </p:sp>
-      <p:sp>
-        <p:nvSpPr>
-          <p:cNvPr id="3" name="Content Placeholder 2"/>
-          <p:cNvSpPr>
-            <a:spLocks noGrp="1"/>
-          </p:cNvSpPr>
-          <p:nvPr>
-            <p:ph idx="1"/>
-          </p:nvPr>
-        </p:nvSpPr>
-        <p:spPr/>
-        <p:txBody>
-          <a:bodyPr>
-            <a:normAutofit lnSpcReduction="10000"/>
-          </a:bodyPr>
-          <a:lstStyle/>
-          <a:p>
-            <a:r>
-              <a:rPr lang="en-US" dirty="0"/>
-              <a:t>You should have some interest &amp; knowledge of Linux (or any CLI)</a:t>
-            </a:r>
-          </a:p>
-          <a:p>
-            <a:r>
-              <a:rPr lang="en-US" dirty="0"/>
-              <a:t>Containers work in a sandbox (black box) environment.</a:t>
-            </a:r>
-          </a:p>
-          <a:p>
-            <a:pPr lvl="1"/>
-            <a:r>
-              <a:rPr lang="en-US" dirty="0"/>
-              <a:t>As a creator, you need to “expose” ports</a:t>
-            </a:r>
-          </a:p>
-          <a:p>
-            <a:pPr lvl="1"/>
-            <a:r>
-              <a:rPr lang="en-US" dirty="0"/>
-              <a:t>As a user, you need to map “exposed” ports.</a:t>
-            </a:r>
-          </a:p>
-          <a:p>
-            <a:r>
-              <a:rPr lang="en-US" dirty="0"/>
-              <a:t>Containers don’t store things permanently (automatically). You need to mount the volumes with host.</a:t>
-            </a:r>
-          </a:p>
-          <a:p>
-            <a:r>
-              <a:rPr lang="en-US" dirty="0"/>
-              <a:t> Some understanding of Networking</a:t>
-            </a:r>
-          </a:p>
-          <a:p>
-            <a:endParaRPr lang="en-US" dirty="0"/>
-          </a:p>
-          <a:p>
-            <a:pPr lvl="1"/>
-            <a:endParaRPr lang="en-US" dirty="0"/>
+              <a:t>Components</a:t>
+            </a:r>
           </a:p>
         </p:txBody>
       </p:sp>
@@ -7025,14 +7750,50 @@
               <a:pPr/>
               <a:t>13</a:t>
             </a:fld>
-            <a:endParaRPr lang="en-US" dirty="0"/>
-          </a:p>
-        </p:txBody>
-      </p:sp>
+            <a:endParaRPr lang="en-US"/>
+          </a:p>
+        </p:txBody>
+      </p:sp>
+      <p:pic>
+        <p:nvPicPr>
+          <p:cNvPr id="8" name="Picture 7">
+            <a:extLst>
+              <a:ext uri="{FF2B5EF4-FFF2-40B4-BE49-F238E27FC236}">
+                <a16:creationId xmlns:a16="http://schemas.microsoft.com/office/drawing/2014/main" id="{1D7D03E7-4CCC-472E-AF92-60F5A818C0D6}"/>
+              </a:ext>
+            </a:extLst>
+          </p:cNvPr>
+          <p:cNvPicPr>
+            <a:picLocks noChangeAspect="1"/>
+          </p:cNvPicPr>
+          <p:nvPr/>
+        </p:nvPicPr>
+        <p:blipFill>
+          <a:blip r:embed="rId3">
+            <a:extLst>
+              <a:ext uri="{28A0092B-C50C-407E-A947-70E740481C1C}">
+                <a14:useLocalDpi xmlns:a14="http://schemas.microsoft.com/office/drawing/2010/main" val="0"/>
+              </a:ext>
+            </a:extLst>
+          </a:blip>
+          <a:stretch>
+            <a:fillRect/>
+          </a:stretch>
+        </p:blipFill>
+        <p:spPr>
+          <a:xfrm>
+            <a:off x="2057400" y="1600200"/>
+            <a:ext cx="5410200" cy="4233591"/>
+          </a:xfrm>
+          <a:prstGeom prst="rect">
+            <a:avLst/>
+          </a:prstGeom>
+        </p:spPr>
+      </p:pic>
     </p:spTree>
     <p:extLst>
       <p:ext uri="{BB962C8B-B14F-4D97-AF65-F5344CB8AC3E}">
-        <p14:creationId xmlns:p14="http://schemas.microsoft.com/office/powerpoint/2010/main" val="3508469291"/>
+        <p14:creationId xmlns:p14="http://schemas.microsoft.com/office/powerpoint/2010/main" val="67207751"/>
       </p:ext>
     </p:extLst>
   </p:cSld>
@@ -7078,123 +7839,8 @@
           <a:p>
             <a:r>
               <a:rPr lang="en-US" dirty="0"/>
-              <a:t>Dome 1 (Pull &amp; Run)</a:t>
-            </a:r>
-          </a:p>
-        </p:txBody>
-      </p:sp>
-      <p:sp>
-        <p:nvSpPr>
-          <p:cNvPr id="3" name="Content Placeholder 2"/>
-          <p:cNvSpPr>
-            <a:spLocks noGrp="1"/>
-          </p:cNvSpPr>
-          <p:nvPr>
-            <p:ph idx="1"/>
-          </p:nvPr>
-        </p:nvSpPr>
-        <p:spPr/>
-        <p:txBody>
-          <a:bodyPr>
-            <a:normAutofit fontScale="85000" lnSpcReduction="20000"/>
-          </a:bodyPr>
-          <a:lstStyle/>
-          <a:p>
-            <a:r>
-              <a:rPr lang="en-US" dirty="0"/>
-              <a:t>Pull an image and store in docker cache</a:t>
-            </a:r>
-          </a:p>
-          <a:p>
-            <a:pPr lvl="1"/>
-            <a:r>
-              <a:rPr lang="en-US" dirty="0"/>
-              <a:t>docker pull </a:t>
-            </a:r>
-            <a:r>
-              <a:rPr lang="en-US" dirty="0" err="1"/>
-              <a:t>nginx:latest</a:t>
-            </a:r>
-            <a:endParaRPr lang="en-US" dirty="0"/>
-          </a:p>
-          <a:p>
-            <a:r>
-              <a:rPr lang="en-US" dirty="0"/>
-              <a:t>To check available images </a:t>
-            </a:r>
-          </a:p>
-          <a:p>
-            <a:pPr lvl="1"/>
-            <a:r>
-              <a:rPr lang="en-US" dirty="0"/>
-              <a:t>docker image ls</a:t>
-            </a:r>
-          </a:p>
-          <a:p>
-            <a:r>
-              <a:rPr lang="en-US" dirty="0"/>
-              <a:t>Run container with a name and expose port 80 on 8081 in detached mode (-d)</a:t>
-            </a:r>
-          </a:p>
-          <a:p>
-            <a:pPr lvl="1"/>
-            <a:r>
-              <a:rPr lang="en-US" dirty="0"/>
-              <a:t>docker run --name </a:t>
-            </a:r>
-            <a:r>
-              <a:rPr lang="en-US" dirty="0" err="1"/>
-              <a:t>mywebserver</a:t>
-            </a:r>
-            <a:r>
-              <a:rPr lang="en-US" dirty="0"/>
-              <a:t> -d -p 8081:80 </a:t>
-            </a:r>
-            <a:r>
-              <a:rPr lang="en-US" dirty="0" err="1"/>
-              <a:t>nginx:latest</a:t>
-            </a:r>
-            <a:endParaRPr lang="en-US" dirty="0"/>
-          </a:p>
-          <a:p>
-            <a:r>
-              <a:rPr lang="en-US" dirty="0"/>
-              <a:t>Stop container </a:t>
-            </a:r>
-          </a:p>
-          <a:p>
-            <a:pPr lvl="1"/>
-            <a:r>
-              <a:rPr lang="en-US" dirty="0"/>
-              <a:t>docker container stop </a:t>
-            </a:r>
-            <a:r>
-              <a:rPr lang="en-US" dirty="0" err="1"/>
-              <a:t>mywebserver</a:t>
-            </a:r>
-            <a:endParaRPr lang="en-US" dirty="0"/>
-          </a:p>
-          <a:p>
-            <a:r>
-              <a:rPr lang="en-US" dirty="0"/>
-              <a:t>Stop &amp; remove a container </a:t>
-            </a:r>
-          </a:p>
-          <a:p>
-            <a:pPr lvl="1"/>
-            <a:r>
-              <a:rPr lang="en-US" dirty="0"/>
-              <a:t>docker container rm -f </a:t>
-            </a:r>
-            <a:r>
-              <a:rPr lang="en-US" dirty="0" err="1"/>
-              <a:t>mywebserver</a:t>
-            </a:r>
-            <a:endParaRPr lang="en-US" dirty="0"/>
-          </a:p>
-          <a:p>
-            <a:pPr lvl="1"/>
-            <a:endParaRPr lang="en-US" dirty="0"/>
+              <a:t>Image vs. Container</a:t>
+            </a:r>
           </a:p>
         </p:txBody>
       </p:sp>
@@ -7218,14 +7864,50 @@
               <a:pPr/>
               <a:t>14</a:t>
             </a:fld>
-            <a:endParaRPr lang="en-US" dirty="0"/>
-          </a:p>
-        </p:txBody>
-      </p:sp>
+            <a:endParaRPr lang="en-US"/>
+          </a:p>
+        </p:txBody>
+      </p:sp>
+      <p:pic>
+        <p:nvPicPr>
+          <p:cNvPr id="7" name="Picture 6">
+            <a:extLst>
+              <a:ext uri="{FF2B5EF4-FFF2-40B4-BE49-F238E27FC236}">
+                <a16:creationId xmlns:a16="http://schemas.microsoft.com/office/drawing/2014/main" id="{0C731F92-8AC3-4E41-825C-553360D767AD}"/>
+              </a:ext>
+            </a:extLst>
+          </p:cNvPr>
+          <p:cNvPicPr>
+            <a:picLocks noChangeAspect="1"/>
+          </p:cNvPicPr>
+          <p:nvPr/>
+        </p:nvPicPr>
+        <p:blipFill>
+          <a:blip r:embed="rId3">
+            <a:extLst>
+              <a:ext uri="{28A0092B-C50C-407E-A947-70E740481C1C}">
+                <a14:useLocalDpi xmlns:a14="http://schemas.microsoft.com/office/drawing/2010/main" val="0"/>
+              </a:ext>
+            </a:extLst>
+          </a:blip>
+          <a:stretch>
+            <a:fillRect/>
+          </a:stretch>
+        </p:blipFill>
+        <p:spPr>
+          <a:xfrm>
+            <a:off x="1232627" y="1752600"/>
+            <a:ext cx="7527823" cy="3733800"/>
+          </a:xfrm>
+          <a:prstGeom prst="rect">
+            <a:avLst/>
+          </a:prstGeom>
+        </p:spPr>
+      </p:pic>
     </p:spTree>
     <p:extLst>
       <p:ext uri="{BB962C8B-B14F-4D97-AF65-F5344CB8AC3E}">
-        <p14:creationId xmlns:p14="http://schemas.microsoft.com/office/powerpoint/2010/main" val="2093499318"/>
+        <p14:creationId xmlns:p14="http://schemas.microsoft.com/office/powerpoint/2010/main" val="124105720"/>
       </p:ext>
     </p:extLst>
   </p:cSld>
@@ -7271,36 +7953,8 @@
           <a:p>
             <a:r>
               <a:rPr lang="en-US" dirty="0"/>
-              <a:t>Dome 2</a:t>
-            </a:r>
-          </a:p>
-        </p:txBody>
-      </p:sp>
-      <p:sp>
-        <p:nvSpPr>
-          <p:cNvPr id="3" name="Content Placeholder 2"/>
-          <p:cNvSpPr>
-            <a:spLocks noGrp="1"/>
-          </p:cNvSpPr>
-          <p:nvPr>
-            <p:ph idx="1"/>
-          </p:nvPr>
-        </p:nvSpPr>
-        <p:spPr/>
-        <p:txBody>
-          <a:bodyPr>
-            <a:normAutofit/>
-          </a:bodyPr>
-          <a:lstStyle/>
-          <a:p>
-            <a:r>
-              <a:rPr lang="en-US" dirty="0"/>
-              <a:t>Agenda: Understanding that docker writeable layer is temporary</a:t>
-            </a:r>
-          </a:p>
-          <a:p>
-            <a:pPr lvl="1"/>
-            <a:endParaRPr lang="en-US" dirty="0"/>
+              <a:t>High Level Overview</a:t>
+            </a:r>
           </a:p>
         </p:txBody>
       </p:sp>
@@ -7324,14 +7978,50 @@
               <a:pPr/>
               <a:t>15</a:t>
             </a:fld>
-            <a:endParaRPr lang="en-US" dirty="0"/>
-          </a:p>
-        </p:txBody>
-      </p:sp>
+            <a:endParaRPr lang="en-US"/>
+          </a:p>
+        </p:txBody>
+      </p:sp>
+      <p:pic>
+        <p:nvPicPr>
+          <p:cNvPr id="4" name="Picture 3">
+            <a:extLst>
+              <a:ext uri="{FF2B5EF4-FFF2-40B4-BE49-F238E27FC236}">
+                <a16:creationId xmlns:a16="http://schemas.microsoft.com/office/drawing/2014/main" id="{36FD46A4-D910-40A9-8BDB-1364778B31F1}"/>
+              </a:ext>
+            </a:extLst>
+          </p:cNvPr>
+          <p:cNvPicPr>
+            <a:picLocks noChangeAspect="1"/>
+          </p:cNvPicPr>
+          <p:nvPr/>
+        </p:nvPicPr>
+        <p:blipFill>
+          <a:blip r:embed="rId3">
+            <a:extLst>
+              <a:ext uri="{28A0092B-C50C-407E-A947-70E740481C1C}">
+                <a14:useLocalDpi xmlns:a14="http://schemas.microsoft.com/office/drawing/2010/main" val="0"/>
+              </a:ext>
+            </a:extLst>
+          </a:blip>
+          <a:stretch>
+            <a:fillRect/>
+          </a:stretch>
+        </p:blipFill>
+        <p:spPr>
+          <a:xfrm>
+            <a:off x="1219200" y="1901310"/>
+            <a:ext cx="7623048" cy="3623190"/>
+          </a:xfrm>
+          <a:prstGeom prst="rect">
+            <a:avLst/>
+          </a:prstGeom>
+        </p:spPr>
+      </p:pic>
     </p:spTree>
     <p:extLst>
       <p:ext uri="{BB962C8B-B14F-4D97-AF65-F5344CB8AC3E}">
-        <p14:creationId xmlns:p14="http://schemas.microsoft.com/office/powerpoint/2010/main" val="3613518485"/>
+        <p14:creationId xmlns:p14="http://schemas.microsoft.com/office/powerpoint/2010/main" val="662229884"/>
       </p:ext>
     </p:extLst>
   </p:cSld>
@@ -7377,7 +8067,7 @@
           <a:p>
             <a:r>
               <a:rPr lang="en-US" dirty="0"/>
-              <a:t>Dome 3</a:t>
+              <a:t>Docker Installation - Linux</a:t>
             </a:r>
           </a:p>
         </p:txBody>
@@ -7395,13 +8085,145 @@
         <p:spPr/>
         <p:txBody>
           <a:bodyPr>
-            <a:normAutofit/>
+            <a:normAutofit fontScale="85000" lnSpcReduction="20000"/>
           </a:bodyPr>
           <a:lstStyle/>
           <a:p>
             <a:r>
               <a:rPr lang="en-US" dirty="0"/>
-              <a:t>Agenda: How to use volumes to persist docker data</a:t>
+              <a:t>Docker on Linux </a:t>
+            </a:r>
+          </a:p>
+          <a:p>
+            <a:pPr lvl="1"/>
+            <a:r>
+              <a:rPr lang="en-US" dirty="0"/>
+              <a:t>Community Version</a:t>
+            </a:r>
+          </a:p>
+          <a:p>
+            <a:pPr lvl="1"/>
+            <a:r>
+              <a:rPr lang="en-US" dirty="0"/>
+              <a:t>Enterprise Version</a:t>
+            </a:r>
+          </a:p>
+          <a:p>
+            <a:r>
+              <a:rPr lang="en-US" dirty="0"/>
+              <a:t>Detailed way to install</a:t>
+            </a:r>
+          </a:p>
+          <a:p>
+            <a:pPr lvl="2"/>
+            <a:r>
+              <a:rPr lang="en-US" dirty="0">
+                <a:hlinkClick r:id="rId3"/>
+              </a:rPr>
+              <a:t>https://docs.docker.com/get-docker</a:t>
+            </a:r>
+            <a:endParaRPr lang="en-US" dirty="0"/>
+          </a:p>
+          <a:p>
+            <a:r>
+              <a:rPr lang="en-US" dirty="0"/>
+              <a:t>Quick way to Install</a:t>
+            </a:r>
+          </a:p>
+          <a:p>
+            <a:pPr lvl="1"/>
+            <a:r>
+              <a:rPr lang="en-US" dirty="0"/>
+              <a:t>Open </a:t>
+            </a:r>
+            <a:r>
+              <a:rPr lang="en-US" dirty="0">
+                <a:hlinkClick r:id="rId4"/>
+              </a:rPr>
+              <a:t>https://get.docker.com/</a:t>
+            </a:r>
+            <a:r>
+              <a:rPr lang="en-US" dirty="0"/>
+              <a:t> and get commands to execute </a:t>
+            </a:r>
+          </a:p>
+          <a:p>
+            <a:pPr lvl="2"/>
+            <a:r>
+              <a:rPr lang="en-US" dirty="0"/>
+              <a:t>curl -</a:t>
+            </a:r>
+            <a:r>
+              <a:rPr lang="en-US" dirty="0" err="1"/>
+              <a:t>fsSL</a:t>
+            </a:r>
+            <a:r>
+              <a:rPr lang="en-US" dirty="0"/>
+              <a:t> https://get.docker.com -o get-docker.sh</a:t>
+            </a:r>
+          </a:p>
+          <a:p>
+            <a:pPr lvl="2"/>
+            <a:r>
+              <a:rPr lang="en-US" dirty="0" err="1"/>
+              <a:t>sh</a:t>
+            </a:r>
+            <a:r>
+              <a:rPr lang="en-US" dirty="0"/>
+              <a:t> get-docker.sh</a:t>
+            </a:r>
+          </a:p>
+          <a:p>
+            <a:pPr lvl="2"/>
+            <a:r>
+              <a:rPr lang="en-US" dirty="0" err="1"/>
+              <a:t>sudo</a:t>
+            </a:r>
+            <a:r>
+              <a:rPr lang="en-US" dirty="0"/>
+              <a:t> </a:t>
+            </a:r>
+            <a:r>
+              <a:rPr lang="en-US" dirty="0" err="1"/>
+              <a:t>usermod</a:t>
+            </a:r>
+            <a:r>
+              <a:rPr lang="en-US" dirty="0"/>
+              <a:t> -</a:t>
+            </a:r>
+            <a:r>
+              <a:rPr lang="en-US" dirty="0" err="1"/>
+              <a:t>aG</a:t>
+            </a:r>
+            <a:r>
+              <a:rPr lang="en-US" dirty="0"/>
+              <a:t> docker &lt;</a:t>
+            </a:r>
+            <a:r>
+              <a:rPr lang="en-US" dirty="0" err="1"/>
+              <a:t>youruser</a:t>
+            </a:r>
+            <a:r>
+              <a:rPr lang="en-US" dirty="0"/>
+              <a:t>&gt;</a:t>
+            </a:r>
+          </a:p>
+          <a:p>
+            <a:pPr lvl="1"/>
+            <a:r>
+              <a:rPr lang="en-US" dirty="0"/>
+              <a:t>Check if docker is installed &amp; daemon running</a:t>
+            </a:r>
+          </a:p>
+          <a:p>
+            <a:pPr lvl="2"/>
+            <a:r>
+              <a:rPr lang="en-US" dirty="0" err="1"/>
+              <a:t>sudo</a:t>
+            </a:r>
+            <a:r>
+              <a:rPr lang="en-US" dirty="0"/>
+              <a:t> docker version</a:t>
             </a:r>
           </a:p>
           <a:p>
@@ -7430,14 +8252,14 @@
               <a:pPr/>
               <a:t>16</a:t>
             </a:fld>
-            <a:endParaRPr lang="en-US" dirty="0"/>
+            <a:endParaRPr lang="en-US"/>
           </a:p>
         </p:txBody>
       </p:sp>
     </p:spTree>
     <p:extLst>
       <p:ext uri="{BB962C8B-B14F-4D97-AF65-F5344CB8AC3E}">
-        <p14:creationId xmlns:p14="http://schemas.microsoft.com/office/powerpoint/2010/main" val="3425795236"/>
+        <p14:creationId xmlns:p14="http://schemas.microsoft.com/office/powerpoint/2010/main" val="3767140463"/>
       </p:ext>
     </p:extLst>
   </p:cSld>
@@ -7477,13 +8299,13 @@
         <p:spPr/>
         <p:txBody>
           <a:bodyPr>
-            <a:normAutofit/>
+            <a:normAutofit fontScale="90000"/>
           </a:bodyPr>
           <a:lstStyle/>
           <a:p>
             <a:r>
               <a:rPr lang="en-US" dirty="0"/>
-              <a:t>Dome 4</a:t>
+              <a:t>Docker-compose Installation - Linux</a:t>
             </a:r>
           </a:p>
         </p:txBody>
@@ -7501,22 +8323,111 @@
         <p:spPr/>
         <p:txBody>
           <a:bodyPr>
-            <a:normAutofit/>
+            <a:normAutofit fontScale="70000" lnSpcReduction="20000"/>
           </a:bodyPr>
           <a:lstStyle/>
           <a:p>
             <a:r>
               <a:rPr lang="en-US" dirty="0"/>
-              <a:t>Agenda: Create your own </a:t>
-            </a:r>
+              <a:t>docker-compose</a:t>
+            </a:r>
+          </a:p>
+          <a:p>
+            <a:pPr lvl="1"/>
+            <a:r>
+              <a:rPr lang="en-US" dirty="0"/>
+              <a:t>Compose is a tool for defining and running multi-container docker applications. </a:t>
+            </a:r>
+          </a:p>
+          <a:p>
+            <a:r>
+              <a:rPr lang="en-US" dirty="0"/>
+              <a:t>Installation</a:t>
+            </a:r>
+          </a:p>
+          <a:p>
+            <a:pPr lvl="1"/>
+            <a:r>
+              <a:rPr lang="pt-BR" dirty="0"/>
+              <a:t>sudo curl -L "https://github.com/docker/compose/releases/download/1.27.4/docker-compose-$(uname -s)-$(uname -m)" -o /usr/local/bin/docker-compose</a:t>
+            </a:r>
+          </a:p>
+          <a:p>
+            <a:pPr lvl="1"/>
             <a:r>
               <a:rPr lang="en-US" dirty="0" err="1"/>
-              <a:t>nginx</a:t>
-            </a:r>
-            <a:r>
-              <a:rPr lang="en-US" dirty="0"/>
-              <a:t> image with content inside it</a:t>
-            </a:r>
+              <a:t>sudo</a:t>
+            </a:r>
+            <a:r>
+              <a:rPr lang="en-US" dirty="0"/>
+              <a:t> </a:t>
+            </a:r>
+            <a:r>
+              <a:rPr lang="en-US" dirty="0" err="1"/>
+              <a:t>chmod</a:t>
+            </a:r>
+            <a:r>
+              <a:rPr lang="en-US" dirty="0"/>
+              <a:t> +x /</a:t>
+            </a:r>
+            <a:r>
+              <a:rPr lang="en-US" dirty="0" err="1"/>
+              <a:t>usr</a:t>
+            </a:r>
+            <a:r>
+              <a:rPr lang="en-US" dirty="0"/>
+              <a:t>/local/bin/docker-compose</a:t>
+            </a:r>
+          </a:p>
+          <a:p>
+            <a:r>
+              <a:rPr lang="en-US" dirty="0"/>
+              <a:t>Check If installation is completed successfully</a:t>
+            </a:r>
+          </a:p>
+          <a:p>
+            <a:pPr lvl="1"/>
+            <a:r>
+              <a:rPr lang="en-US" dirty="0"/>
+              <a:t>docker-compose version</a:t>
+            </a:r>
+          </a:p>
+          <a:p>
+            <a:r>
+              <a:rPr lang="en-US" dirty="0"/>
+              <a:t>Note: If it doesn’t work after installation, try creating a soft link</a:t>
+            </a:r>
+          </a:p>
+          <a:p>
+            <a:pPr lvl="1"/>
+            <a:r>
+              <a:rPr lang="en-US" dirty="0" err="1"/>
+              <a:t>sudo</a:t>
+            </a:r>
+            <a:r>
+              <a:rPr lang="en-US" dirty="0"/>
+              <a:t> ln -s /</a:t>
+            </a:r>
+            <a:r>
+              <a:rPr lang="en-US" dirty="0" err="1"/>
+              <a:t>usr</a:t>
+            </a:r>
+            <a:r>
+              <a:rPr lang="en-US" dirty="0"/>
+              <a:t>/local/bin/docker-compose /</a:t>
+            </a:r>
+            <a:r>
+              <a:rPr lang="en-US" dirty="0" err="1"/>
+              <a:t>usr</a:t>
+            </a:r>
+            <a:r>
+              <a:rPr lang="en-US" dirty="0"/>
+              <a:t>/bin/docker-compose</a:t>
+            </a:r>
+          </a:p>
+          <a:p>
+            <a:pPr lvl="1"/>
+            <a:endParaRPr lang="en-US" dirty="0"/>
           </a:p>
         </p:txBody>
       </p:sp>
@@ -7540,14 +8451,14 @@
               <a:pPr/>
               <a:t>17</a:t>
             </a:fld>
-            <a:endParaRPr lang="en-US" dirty="0"/>
+            <a:endParaRPr lang="en-US"/>
           </a:p>
         </p:txBody>
       </p:sp>
     </p:spTree>
     <p:extLst>
       <p:ext uri="{BB962C8B-B14F-4D97-AF65-F5344CB8AC3E}">
-        <p14:creationId xmlns:p14="http://schemas.microsoft.com/office/powerpoint/2010/main" val="3296621906"/>
+        <p14:creationId xmlns:p14="http://schemas.microsoft.com/office/powerpoint/2010/main" val="2209009596"/>
       </p:ext>
     </p:extLst>
   </p:cSld>
@@ -7593,7 +8504,7 @@
           <a:p>
             <a:r>
               <a:rPr lang="en-US" dirty="0"/>
-              <a:t>Dome 5</a:t>
+              <a:t>Docker Installation - Windows</a:t>
             </a:r>
           </a:p>
         </p:txBody>
@@ -7611,14 +8522,123 @@
         <p:spPr/>
         <p:txBody>
           <a:bodyPr>
-            <a:normAutofit/>
+            <a:normAutofit fontScale="77500" lnSpcReduction="20000"/>
           </a:bodyPr>
           <a:lstStyle/>
           <a:p>
             <a:r>
               <a:rPr lang="en-US" dirty="0"/>
-              <a:t>Agenda: Create Image &amp; push to docker hub</a:t>
-            </a:r>
+              <a:t>Docker on Windows/Mac</a:t>
+            </a:r>
+          </a:p>
+          <a:p>
+            <a:pPr lvl="1"/>
+            <a:r>
+              <a:rPr lang="en-US" dirty="0"/>
+              <a:t>Docker Desktop is Community Version for Windows/Mac</a:t>
+            </a:r>
+          </a:p>
+          <a:p>
+            <a:pPr lvl="1"/>
+            <a:r>
+              <a:rPr lang="en-US" dirty="0"/>
+              <a:t>Windows Server 2016+ has support for Enterprise Version</a:t>
+            </a:r>
+          </a:p>
+          <a:p>
+            <a:r>
+              <a:rPr lang="en-US" dirty="0"/>
+              <a:t>Check requirements</a:t>
+            </a:r>
+          </a:p>
+          <a:p>
+            <a:pPr lvl="2"/>
+            <a:r>
+              <a:rPr lang="en-US" dirty="0">
+                <a:hlinkClick r:id="rId3"/>
+              </a:rPr>
+              <a:t>https://docs.docker.com/docker-for-windows/install/</a:t>
+            </a:r>
+            <a:r>
+              <a:rPr lang="en-US" dirty="0"/>
+              <a:t> </a:t>
+            </a:r>
+          </a:p>
+          <a:p>
+            <a:r>
+              <a:rPr lang="en-US" dirty="0"/>
+              <a:t>Download &amp; Install</a:t>
+            </a:r>
+          </a:p>
+          <a:p>
+            <a:pPr lvl="2"/>
+            <a:r>
+              <a:rPr lang="en-US" dirty="0">
+                <a:hlinkClick r:id="rId4"/>
+              </a:rPr>
+              <a:t>https://hub.docker.com/editions/community/docker-ce-desktop-windows/</a:t>
+            </a:r>
+            <a:r>
+              <a:rPr lang="en-US" dirty="0"/>
+              <a:t> </a:t>
+            </a:r>
+          </a:p>
+          <a:p>
+            <a:pPr lvl="3"/>
+            <a:r>
+              <a:rPr lang="en-US" dirty="0"/>
+              <a:t>It may ask for restart</a:t>
+            </a:r>
+          </a:p>
+          <a:p>
+            <a:pPr lvl="2"/>
+            <a:r>
+              <a:rPr lang="en-US" dirty="0"/>
+              <a:t>Check if docker is installed &amp; daemon running</a:t>
+            </a:r>
+          </a:p>
+          <a:p>
+            <a:pPr lvl="2"/>
+            <a:r>
+              <a:rPr lang="en-US" dirty="0"/>
+              <a:t>Open PowerShell and run command</a:t>
+            </a:r>
+          </a:p>
+          <a:p>
+            <a:pPr lvl="3"/>
+            <a:r>
+              <a:rPr lang="en-US" dirty="0"/>
+              <a:t>“docker version”</a:t>
+            </a:r>
+          </a:p>
+          <a:p>
+            <a:r>
+              <a:rPr lang="en-US" dirty="0"/>
+              <a:t>Note: Docker Desktop contains</a:t>
+            </a:r>
+          </a:p>
+          <a:p>
+            <a:pPr lvl="1"/>
+            <a:r>
+              <a:rPr lang="en-US" dirty="0"/>
+              <a:t>Docker Engine, Docker CLI Client, Docker Compose, Kubernetes</a:t>
+            </a:r>
+          </a:p>
+          <a:p>
+            <a:endParaRPr lang="en-US" dirty="0"/>
+          </a:p>
+          <a:p>
+            <a:pPr marL="402336" lvl="1" indent="0">
+              <a:buNone/>
+            </a:pPr>
+            <a:endParaRPr lang="en-US" dirty="0"/>
+          </a:p>
+          <a:p>
+            <a:pPr lvl="1"/>
+            <a:endParaRPr lang="en-US" dirty="0"/>
+          </a:p>
+          <a:p>
+            <a:endParaRPr lang="en-US" dirty="0"/>
           </a:p>
         </p:txBody>
       </p:sp>
@@ -7642,14 +8662,14 @@
               <a:pPr/>
               <a:t>18</a:t>
             </a:fld>
-            <a:endParaRPr lang="en-US" dirty="0"/>
+            <a:endParaRPr lang="en-US"/>
           </a:p>
         </p:txBody>
       </p:sp>
     </p:spTree>
     <p:extLst>
       <p:ext uri="{BB962C8B-B14F-4D97-AF65-F5344CB8AC3E}">
-        <p14:creationId xmlns:p14="http://schemas.microsoft.com/office/powerpoint/2010/main" val="4095097157"/>
+        <p14:creationId xmlns:p14="http://schemas.microsoft.com/office/powerpoint/2010/main" val="457639168"/>
       </p:ext>
     </p:extLst>
   </p:cSld>
@@ -7695,7 +8715,7 @@
           <a:p>
             <a:r>
               <a:rPr lang="en-US" dirty="0"/>
-              <a:t>Dome 6</a:t>
+              <a:t>Before Demos</a:t>
             </a:r>
           </a:p>
         </p:txBody>
@@ -7719,8 +8739,47 @@
           <a:p>
             <a:r>
               <a:rPr lang="en-US" dirty="0"/>
-              <a:t>Agenda: Save &amp; Load Image from a file</a:t>
-            </a:r>
+              <a:t>You should have some interest &amp; knowledge of Linux (or any CLI)</a:t>
+            </a:r>
+          </a:p>
+          <a:p>
+            <a:r>
+              <a:rPr lang="en-US" dirty="0"/>
+              <a:t>Containers work in a sandbox (black box) environment.</a:t>
+            </a:r>
+          </a:p>
+          <a:p>
+            <a:pPr lvl="1"/>
+            <a:r>
+              <a:rPr lang="en-US" dirty="0"/>
+              <a:t>As a creator, you need to “expose” ports</a:t>
+            </a:r>
+          </a:p>
+          <a:p>
+            <a:pPr lvl="1"/>
+            <a:r>
+              <a:rPr lang="en-US" dirty="0"/>
+              <a:t>As a user, you need to map “exposed” ports.</a:t>
+            </a:r>
+          </a:p>
+          <a:p>
+            <a:r>
+              <a:rPr lang="en-US" dirty="0"/>
+              <a:t>Storage Management in Containers</a:t>
+            </a:r>
+          </a:p>
+          <a:p>
+            <a:r>
+              <a:rPr lang="en-US" dirty="0"/>
+              <a:t>Some understanding of Networking</a:t>
+            </a:r>
+          </a:p>
+          <a:p>
+            <a:endParaRPr lang="en-US" dirty="0"/>
+          </a:p>
+          <a:p>
+            <a:pPr lvl="1"/>
+            <a:endParaRPr lang="en-US" dirty="0"/>
           </a:p>
         </p:txBody>
       </p:sp>
@@ -7751,7 +8810,7 @@
     </p:spTree>
     <p:extLst>
       <p:ext uri="{BB962C8B-B14F-4D97-AF65-F5344CB8AC3E}">
-        <p14:creationId xmlns:p14="http://schemas.microsoft.com/office/powerpoint/2010/main" val="4046143765"/>
+        <p14:creationId xmlns:p14="http://schemas.microsoft.com/office/powerpoint/2010/main" val="3508469291"/>
       </p:ext>
     </p:extLst>
   </p:cSld>
@@ -7841,7 +8900,7 @@
             </a:pPr>
             <a:r>
               <a:rPr lang="en-US" sz="2000" dirty="0"/>
-              <a:t>17+ Years of Professional Experience</a:t>
+              <a:t>Working in IT Industry since 2003</a:t>
             </a:r>
           </a:p>
           <a:p>
@@ -7999,7 +9058,7 @@
           <a:p>
             <a:r>
               <a:rPr lang="en-US" dirty="0"/>
-              <a:t>Dome 7</a:t>
+              <a:t>Dome 1 (Pull &amp; Run)</a:t>
             </a:r>
           </a:p>
         </p:txBody>
@@ -8017,14 +9076,105 @@
         <p:spPr/>
         <p:txBody>
           <a:bodyPr>
-            <a:normAutofit/>
+            <a:normAutofit fontScale="85000" lnSpcReduction="20000"/>
           </a:bodyPr>
           <a:lstStyle/>
           <a:p>
             <a:r>
               <a:rPr lang="en-US" dirty="0"/>
-              <a:t>Agenda: Playing with a node application without docker</a:t>
-            </a:r>
+              <a:t>Pull an image and store in docker cache</a:t>
+            </a:r>
+          </a:p>
+          <a:p>
+            <a:pPr lvl="1"/>
+            <a:r>
+              <a:rPr lang="en-US" dirty="0"/>
+              <a:t>docker pull </a:t>
+            </a:r>
+            <a:r>
+              <a:rPr lang="en-US" dirty="0" err="1"/>
+              <a:t>nginx:latest</a:t>
+            </a:r>
+            <a:endParaRPr lang="en-US" dirty="0"/>
+          </a:p>
+          <a:p>
+            <a:r>
+              <a:rPr lang="en-US" dirty="0"/>
+              <a:t>To check available images </a:t>
+            </a:r>
+          </a:p>
+          <a:p>
+            <a:pPr lvl="1"/>
+            <a:r>
+              <a:rPr lang="en-US" dirty="0"/>
+              <a:t>docker image ls</a:t>
+            </a:r>
+          </a:p>
+          <a:p>
+            <a:r>
+              <a:rPr lang="en-US" dirty="0"/>
+              <a:t>Run container with a name and expose port 80 on 8081 in detached mode (-d)</a:t>
+            </a:r>
+          </a:p>
+          <a:p>
+            <a:pPr lvl="1"/>
+            <a:r>
+              <a:rPr lang="en-US" dirty="0"/>
+              <a:t>docker run --name </a:t>
+            </a:r>
+            <a:r>
+              <a:rPr lang="en-US" dirty="0" err="1"/>
+              <a:t>mywebserver</a:t>
+            </a:r>
+            <a:r>
+              <a:rPr lang="en-US" dirty="0"/>
+              <a:t> -d -p 8081:80 </a:t>
+            </a:r>
+            <a:r>
+              <a:rPr lang="en-US" dirty="0" err="1"/>
+              <a:t>nginx:latest</a:t>
+            </a:r>
+            <a:endParaRPr lang="en-US" dirty="0"/>
+          </a:p>
+          <a:p>
+            <a:r>
+              <a:rPr lang="en-US" dirty="0"/>
+              <a:t>Stop container </a:t>
+            </a:r>
+          </a:p>
+          <a:p>
+            <a:pPr lvl="1"/>
+            <a:r>
+              <a:rPr lang="en-US" dirty="0"/>
+              <a:t>docker container stop </a:t>
+            </a:r>
+            <a:r>
+              <a:rPr lang="en-US" dirty="0" err="1"/>
+              <a:t>mywebserver</a:t>
+            </a:r>
+            <a:endParaRPr lang="en-US" dirty="0"/>
+          </a:p>
+          <a:p>
+            <a:r>
+              <a:rPr lang="en-US" dirty="0"/>
+              <a:t>Stop &amp; remove a container </a:t>
+            </a:r>
+          </a:p>
+          <a:p>
+            <a:pPr lvl="1"/>
+            <a:r>
+              <a:rPr lang="en-US" dirty="0"/>
+              <a:t>docker container rm -f </a:t>
+            </a:r>
+            <a:r>
+              <a:rPr lang="en-US" dirty="0" err="1"/>
+              <a:t>mywebserver</a:t>
+            </a:r>
+            <a:endParaRPr lang="en-US" dirty="0"/>
+          </a:p>
+          <a:p>
+            <a:pPr lvl="1"/>
+            <a:endParaRPr lang="en-US" dirty="0"/>
           </a:p>
         </p:txBody>
       </p:sp>
@@ -8055,7 +9205,7 @@
     </p:spTree>
     <p:extLst>
       <p:ext uri="{BB962C8B-B14F-4D97-AF65-F5344CB8AC3E}">
-        <p14:creationId xmlns:p14="http://schemas.microsoft.com/office/powerpoint/2010/main" val="4254146792"/>
+        <p14:creationId xmlns:p14="http://schemas.microsoft.com/office/powerpoint/2010/main" val="2093499318"/>
       </p:ext>
     </p:extLst>
   </p:cSld>
@@ -8101,7 +9251,7 @@
           <a:p>
             <a:r>
               <a:rPr lang="en-US" dirty="0"/>
-              <a:t>Dome 8</a:t>
+              <a:t>Dome 2</a:t>
             </a:r>
           </a:p>
         </p:txBody>
@@ -8125,8 +9275,12 @@
           <a:p>
             <a:r>
               <a:rPr lang="en-US" dirty="0"/>
-              <a:t>Agenda: Playing with node application but using docker image for Node Environment</a:t>
-            </a:r>
+              <a:t>Agenda: Understanding that docker writeable layer is temporary</a:t>
+            </a:r>
+          </a:p>
+          <a:p>
+            <a:pPr lvl="1"/>
+            <a:endParaRPr lang="en-US" dirty="0"/>
           </a:p>
         </p:txBody>
       </p:sp>
@@ -8157,7 +9311,7 @@
     </p:spTree>
     <p:extLst>
       <p:ext uri="{BB962C8B-B14F-4D97-AF65-F5344CB8AC3E}">
-        <p14:creationId xmlns:p14="http://schemas.microsoft.com/office/powerpoint/2010/main" val="35050339"/>
+        <p14:creationId xmlns:p14="http://schemas.microsoft.com/office/powerpoint/2010/main" val="3613518485"/>
       </p:ext>
     </p:extLst>
   </p:cSld>
@@ -8203,7 +9357,7 @@
           <a:p>
             <a:r>
               <a:rPr lang="en-US" dirty="0"/>
-              <a:t>Dome 9</a:t>
+              <a:t>Dome 3</a:t>
             </a:r>
           </a:p>
         </p:txBody>
@@ -8227,8 +9381,12 @@
           <a:p>
             <a:r>
               <a:rPr lang="en-US" dirty="0"/>
-              <a:t>Agenda: Package node app in a docker image</a:t>
-            </a:r>
+              <a:t>Agenda: How to use volumes to persist docker data</a:t>
+            </a:r>
+          </a:p>
+          <a:p>
+            <a:pPr lvl="1"/>
+            <a:endParaRPr lang="en-US" dirty="0"/>
           </a:p>
         </p:txBody>
       </p:sp>
@@ -8259,7 +9417,7 @@
     </p:spTree>
     <p:extLst>
       <p:ext uri="{BB962C8B-B14F-4D97-AF65-F5344CB8AC3E}">
-        <p14:creationId xmlns:p14="http://schemas.microsoft.com/office/powerpoint/2010/main" val="1813237669"/>
+        <p14:creationId xmlns:p14="http://schemas.microsoft.com/office/powerpoint/2010/main" val="3425795236"/>
       </p:ext>
     </p:extLst>
   </p:cSld>
@@ -8305,7 +9463,7 @@
           <a:p>
             <a:r>
               <a:rPr lang="en-US" dirty="0"/>
-              <a:t>Dome 10</a:t>
+              <a:t>Dome 4</a:t>
             </a:r>
           </a:p>
         </p:txBody>
@@ -8329,7 +9487,15 @@
           <a:p>
             <a:r>
               <a:rPr lang="en-US" dirty="0"/>
-              <a:t>Agenda: Install MySQL &amp; connect from workbench</a:t>
+              <a:t>Agenda: Create your own </a:t>
+            </a:r>
+            <a:r>
+              <a:rPr lang="en-US" dirty="0" err="1"/>
+              <a:t>nginx</a:t>
+            </a:r>
+            <a:r>
+              <a:rPr lang="en-US" dirty="0"/>
+              <a:t> image with content inside it</a:t>
             </a:r>
           </a:p>
         </p:txBody>
@@ -8361,7 +9527,7 @@
     </p:spTree>
     <p:extLst>
       <p:ext uri="{BB962C8B-B14F-4D97-AF65-F5344CB8AC3E}">
-        <p14:creationId xmlns:p14="http://schemas.microsoft.com/office/powerpoint/2010/main" val="3521198302"/>
+        <p14:creationId xmlns:p14="http://schemas.microsoft.com/office/powerpoint/2010/main" val="3296621906"/>
       </p:ext>
     </p:extLst>
   </p:cSld>
@@ -8407,7 +9573,7 @@
           <a:p>
             <a:r>
               <a:rPr lang="en-US" dirty="0"/>
-              <a:t>Dome 11</a:t>
+              <a:t>Dome 5</a:t>
             </a:r>
           </a:p>
         </p:txBody>
@@ -8431,15 +9597,7 @@
           <a:p>
             <a:r>
               <a:rPr lang="en-US" dirty="0"/>
-              <a:t>Agenda: Connect NodeJS app container with </a:t>
-            </a:r>
-            <a:r>
-              <a:rPr lang="en-US" dirty="0" err="1"/>
-              <a:t>Mysql</a:t>
-            </a:r>
-            <a:r>
-              <a:rPr lang="en-US" dirty="0"/>
-              <a:t> container </a:t>
+              <a:t>Agenda: Create Image &amp; push to docker hub</a:t>
             </a:r>
           </a:p>
         </p:txBody>
@@ -8471,7 +9629,7 @@
     </p:spTree>
     <p:extLst>
       <p:ext uri="{BB962C8B-B14F-4D97-AF65-F5344CB8AC3E}">
-        <p14:creationId xmlns:p14="http://schemas.microsoft.com/office/powerpoint/2010/main" val="1760201275"/>
+        <p14:creationId xmlns:p14="http://schemas.microsoft.com/office/powerpoint/2010/main" val="4095097157"/>
       </p:ext>
     </p:extLst>
   </p:cSld>
@@ -8517,7 +9675,7 @@
           <a:p>
             <a:r>
               <a:rPr lang="en-US" dirty="0"/>
-              <a:t>Dome 12</a:t>
+              <a:t>Dome 6</a:t>
             </a:r>
           </a:p>
         </p:txBody>
@@ -8541,15 +9699,7 @@
           <a:p>
             <a:r>
               <a:rPr lang="en-US" dirty="0"/>
-              <a:t>Agenda: Connect NodeJS app with </a:t>
-            </a:r>
-            <a:r>
-              <a:rPr lang="en-US" dirty="0" err="1"/>
-              <a:t>Mysql</a:t>
-            </a:r>
-            <a:r>
-              <a:rPr lang="en-US" dirty="0"/>
-              <a:t> container</a:t>
+              <a:t>Agenda: Save &amp; Load Image from a file</a:t>
             </a:r>
           </a:p>
         </p:txBody>
@@ -8581,7 +9731,7 @@
     </p:spTree>
     <p:extLst>
       <p:ext uri="{BB962C8B-B14F-4D97-AF65-F5344CB8AC3E}">
-        <p14:creationId xmlns:p14="http://schemas.microsoft.com/office/powerpoint/2010/main" val="3767040623"/>
+        <p14:creationId xmlns:p14="http://schemas.microsoft.com/office/powerpoint/2010/main" val="4046143765"/>
       </p:ext>
     </p:extLst>
   </p:cSld>
@@ -8627,7 +9777,7 @@
           <a:p>
             <a:r>
               <a:rPr lang="en-US" dirty="0"/>
-              <a:t>Dome 13</a:t>
+              <a:t>Dome 7</a:t>
             </a:r>
           </a:p>
         </p:txBody>
@@ -8651,7 +9801,7 @@
           <a:p>
             <a:r>
               <a:rPr lang="en-US" dirty="0"/>
-              <a:t>Agenda: Run containers with user defined network (instead of default)</a:t>
+              <a:t>Agenda: Playing with a node application without docker</a:t>
             </a:r>
           </a:p>
         </p:txBody>
@@ -8683,7 +9833,7 @@
     </p:spTree>
     <p:extLst>
       <p:ext uri="{BB962C8B-B14F-4D97-AF65-F5344CB8AC3E}">
-        <p14:creationId xmlns:p14="http://schemas.microsoft.com/office/powerpoint/2010/main" val="3043433232"/>
+        <p14:creationId xmlns:p14="http://schemas.microsoft.com/office/powerpoint/2010/main" val="4254146792"/>
       </p:ext>
     </p:extLst>
   </p:cSld>
@@ -8729,7 +9879,7 @@
           <a:p>
             <a:r>
               <a:rPr lang="en-US" dirty="0"/>
-              <a:t>Dome 14</a:t>
+              <a:t>Dome 8</a:t>
             </a:r>
           </a:p>
         </p:txBody>
@@ -8753,13 +9903,8 @@
           <a:p>
             <a:r>
               <a:rPr lang="en-US" dirty="0"/>
-              <a:t>Agenda: Use docker-compose to start web &amp; </a:t>
-            </a:r>
-            <a:r>
-              <a:rPr lang="en-US" dirty="0" err="1"/>
-              <a:t>db</a:t>
-            </a:r>
-            <a:endParaRPr lang="en-US" dirty="0"/>
+              <a:t>Agenda: Playing with node application but using docker image for Node Environment</a:t>
+            </a:r>
           </a:p>
         </p:txBody>
       </p:sp>
@@ -8790,7 +9935,7 @@
     </p:spTree>
     <p:extLst>
       <p:ext uri="{BB962C8B-B14F-4D97-AF65-F5344CB8AC3E}">
-        <p14:creationId xmlns:p14="http://schemas.microsoft.com/office/powerpoint/2010/main" val="2305979519"/>
+        <p14:creationId xmlns:p14="http://schemas.microsoft.com/office/powerpoint/2010/main" val="35050339"/>
       </p:ext>
     </p:extLst>
   </p:cSld>
@@ -8836,7 +9981,7 @@
           <a:p>
             <a:r>
               <a:rPr lang="en-US" dirty="0"/>
-              <a:t>Dome 15</a:t>
+              <a:t>Dome 9</a:t>
             </a:r>
           </a:p>
         </p:txBody>
@@ -8860,7 +10005,7 @@
           <a:p>
             <a:r>
               <a:rPr lang="en-US" dirty="0"/>
-              <a:t>Agenda: Run PHP-Apache container for development</a:t>
+              <a:t>Agenda: Package node app in a docker image</a:t>
             </a:r>
           </a:p>
         </p:txBody>
@@ -8892,7 +10037,7 @@
     </p:spTree>
     <p:extLst>
       <p:ext uri="{BB962C8B-B14F-4D97-AF65-F5344CB8AC3E}">
-        <p14:creationId xmlns:p14="http://schemas.microsoft.com/office/powerpoint/2010/main" val="2174693545"/>
+        <p14:creationId xmlns:p14="http://schemas.microsoft.com/office/powerpoint/2010/main" val="1813237669"/>
       </p:ext>
     </p:extLst>
   </p:cSld>
@@ -8938,7 +10083,7 @@
           <a:p>
             <a:r>
               <a:rPr lang="en-US" dirty="0"/>
-              <a:t>Dome 16</a:t>
+              <a:t>Dome 10</a:t>
             </a:r>
           </a:p>
         </p:txBody>
@@ -8962,15 +10107,7 @@
           <a:p>
             <a:r>
               <a:rPr lang="en-US" dirty="0"/>
-              <a:t>Agenda: Setup </a:t>
-            </a:r>
-            <a:r>
-              <a:rPr lang="en-US" dirty="0" err="1"/>
-              <a:t>PHp</a:t>
-            </a:r>
-            <a:r>
-              <a:rPr lang="en-US" dirty="0"/>
-              <a:t>/Apache/MySQL Dev Env using docker-compose</a:t>
+              <a:t>Agenda: Install MySQL &amp; connect from workbench</a:t>
             </a:r>
           </a:p>
         </p:txBody>
@@ -9002,7 +10139,7 @@
     </p:spTree>
     <p:extLst>
       <p:ext uri="{BB962C8B-B14F-4D97-AF65-F5344CB8AC3E}">
-        <p14:creationId xmlns:p14="http://schemas.microsoft.com/office/powerpoint/2010/main" val="3825807393"/>
+        <p14:creationId xmlns:p14="http://schemas.microsoft.com/office/powerpoint/2010/main" val="3521198302"/>
       </p:ext>
     </p:extLst>
   </p:cSld>
@@ -9227,7 +10364,7 @@
           <a:p>
             <a:r>
               <a:rPr lang="en-US" dirty="0"/>
-              <a:t>Dome 17</a:t>
+              <a:t>Dome 11</a:t>
             </a:r>
           </a:p>
         </p:txBody>
@@ -9251,7 +10388,15 @@
           <a:p>
             <a:r>
               <a:rPr lang="en-US" dirty="0"/>
-              <a:t>Agenda: Discussion on dotnet &amp; Windows containers</a:t>
+              <a:t>Agenda: Connect NodeJS app container with </a:t>
+            </a:r>
+            <a:r>
+              <a:rPr lang="en-US" dirty="0" err="1"/>
+              <a:t>Mysql</a:t>
+            </a:r>
+            <a:r>
+              <a:rPr lang="en-US" dirty="0"/>
+              <a:t> container </a:t>
             </a:r>
           </a:p>
         </p:txBody>
@@ -9283,7 +10428,7 @@
     </p:spTree>
     <p:extLst>
       <p:ext uri="{BB962C8B-B14F-4D97-AF65-F5344CB8AC3E}">
-        <p14:creationId xmlns:p14="http://schemas.microsoft.com/office/powerpoint/2010/main" val="2811366793"/>
+        <p14:creationId xmlns:p14="http://schemas.microsoft.com/office/powerpoint/2010/main" val="1760201275"/>
       </p:ext>
     </p:extLst>
   </p:cSld>
@@ -9329,7 +10474,7 @@
           <a:p>
             <a:r>
               <a:rPr lang="en-US" dirty="0"/>
-              <a:t>Dome 18</a:t>
+              <a:t>Dome 12</a:t>
             </a:r>
           </a:p>
         </p:txBody>
@@ -9353,7 +10498,15 @@
           <a:p>
             <a:r>
               <a:rPr lang="en-US" dirty="0"/>
-              <a:t>Agenda: Just create image using sdk:5.0 as base image + WORKDIR</a:t>
+              <a:t>Agenda: Connect NodeJS app with </a:t>
+            </a:r>
+            <a:r>
+              <a:rPr lang="en-US" dirty="0" err="1"/>
+              <a:t>Mysql</a:t>
+            </a:r>
+            <a:r>
+              <a:rPr lang="en-US" dirty="0"/>
+              <a:t> container</a:t>
             </a:r>
           </a:p>
         </p:txBody>
@@ -9385,7 +10538,7 @@
     </p:spTree>
     <p:extLst>
       <p:ext uri="{BB962C8B-B14F-4D97-AF65-F5344CB8AC3E}">
-        <p14:creationId xmlns:p14="http://schemas.microsoft.com/office/powerpoint/2010/main" val="3622825787"/>
+        <p14:creationId xmlns:p14="http://schemas.microsoft.com/office/powerpoint/2010/main" val="3767040623"/>
       </p:ext>
     </p:extLst>
   </p:cSld>
@@ -9431,7 +10584,7 @@
           <a:p>
             <a:r>
               <a:rPr lang="en-US" dirty="0"/>
-              <a:t>Dome 19</a:t>
+              <a:t>Dome 13</a:t>
             </a:r>
           </a:p>
         </p:txBody>
@@ -9455,7 +10608,7 @@
           <a:p>
             <a:r>
               <a:rPr lang="en-US" dirty="0"/>
-              <a:t>Agenda: Build &amp; run dotnet code after going inside container</a:t>
+              <a:t>Agenda: Run containers with user defined network (instead of default)</a:t>
             </a:r>
           </a:p>
         </p:txBody>
@@ -9487,7 +10640,7 @@
     </p:spTree>
     <p:extLst>
       <p:ext uri="{BB962C8B-B14F-4D97-AF65-F5344CB8AC3E}">
-        <p14:creationId xmlns:p14="http://schemas.microsoft.com/office/powerpoint/2010/main" val="4192025204"/>
+        <p14:creationId xmlns:p14="http://schemas.microsoft.com/office/powerpoint/2010/main" val="3043433232"/>
       </p:ext>
     </p:extLst>
   </p:cSld>
@@ -9533,7 +10686,7 @@
           <a:p>
             <a:r>
               <a:rPr lang="en-US" dirty="0"/>
-              <a:t>Dome 20</a:t>
+              <a:t>Dome 14</a:t>
             </a:r>
           </a:p>
         </p:txBody>
@@ -9557,8 +10710,13 @@
           <a:p>
             <a:r>
               <a:rPr lang="en-US" dirty="0"/>
-              <a:t>Agenda: Create image with published content</a:t>
-            </a:r>
+              <a:t>Agenda: Use docker-compose to start web &amp; </a:t>
+            </a:r>
+            <a:r>
+              <a:rPr lang="en-US" dirty="0" err="1"/>
+              <a:t>db</a:t>
+            </a:r>
+            <a:endParaRPr lang="en-US" dirty="0"/>
           </a:p>
         </p:txBody>
       </p:sp>
@@ -9589,7 +10747,7 @@
     </p:spTree>
     <p:extLst>
       <p:ext uri="{BB962C8B-B14F-4D97-AF65-F5344CB8AC3E}">
-        <p14:creationId xmlns:p14="http://schemas.microsoft.com/office/powerpoint/2010/main" val="1289350955"/>
+        <p14:creationId xmlns:p14="http://schemas.microsoft.com/office/powerpoint/2010/main" val="2305979519"/>
       </p:ext>
     </p:extLst>
   </p:cSld>
@@ -9635,7 +10793,7 @@
           <a:p>
             <a:r>
               <a:rPr lang="en-US" dirty="0"/>
-              <a:t>Dome 21</a:t>
+              <a:t>Dome 15</a:t>
             </a:r>
           </a:p>
         </p:txBody>
@@ -9659,7 +10817,7 @@
           <a:p>
             <a:r>
               <a:rPr lang="en-US" dirty="0"/>
-              <a:t>Agenda: Create image for .NET Framework with published content</a:t>
+              <a:t>Agenda: Run PHP-Apache container for development</a:t>
             </a:r>
           </a:p>
         </p:txBody>
@@ -9691,7 +10849,7 @@
     </p:spTree>
     <p:extLst>
       <p:ext uri="{BB962C8B-B14F-4D97-AF65-F5344CB8AC3E}">
-        <p14:creationId xmlns:p14="http://schemas.microsoft.com/office/powerpoint/2010/main" val="2233593257"/>
+        <p14:creationId xmlns:p14="http://schemas.microsoft.com/office/powerpoint/2010/main" val="2174693545"/>
       </p:ext>
     </p:extLst>
   </p:cSld>
@@ -9737,7 +10895,7 @@
           <a:p>
             <a:r>
               <a:rPr lang="en-US" dirty="0"/>
-              <a:t>Bonus Demo</a:t>
+              <a:t>Dome 16</a:t>
             </a:r>
           </a:p>
         </p:txBody>
@@ -9761,25 +10919,15 @@
           <a:p>
             <a:r>
               <a:rPr lang="en-US" dirty="0"/>
-              <a:t>Agenda: Check quickly what is </a:t>
+              <a:t>Agenda: Setup </a:t>
             </a:r>
             <a:r>
               <a:rPr lang="en-US" dirty="0" err="1"/>
-              <a:t>gitpod</a:t>
-            </a:r>
-            <a:endParaRPr lang="en-US" dirty="0"/>
-          </a:p>
-          <a:p>
-            <a:pPr lvl="1"/>
-            <a:r>
-              <a:rPr lang="en-US" dirty="0">
-                <a:hlinkClick r:id="rId3"/>
-              </a:rPr>
-              <a:t>https://gitpod.io/</a:t>
-            </a:r>
-            <a:r>
-              <a:rPr lang="en-US" dirty="0"/>
-              <a:t> </a:t>
+              <a:t>PHp</a:t>
+            </a:r>
+            <a:r>
+              <a:rPr lang="en-US" dirty="0"/>
+              <a:t>/Apache/MySQL Dev Env using docker-compose</a:t>
             </a:r>
           </a:p>
         </p:txBody>
@@ -9811,7 +10959,7 @@
     </p:spTree>
     <p:extLst>
       <p:ext uri="{BB962C8B-B14F-4D97-AF65-F5344CB8AC3E}">
-        <p14:creationId xmlns:p14="http://schemas.microsoft.com/office/powerpoint/2010/main" val="2022292286"/>
+        <p14:creationId xmlns:p14="http://schemas.microsoft.com/office/powerpoint/2010/main" val="3825807393"/>
       </p:ext>
     </p:extLst>
   </p:cSld>
@@ -9840,13 +10988,7 @@
       </p:grpSpPr>
       <p:sp>
         <p:nvSpPr>
-          <p:cNvPr id="2" name="Title 1">
-            <a:extLst>
-              <a:ext uri="{FF2B5EF4-FFF2-40B4-BE49-F238E27FC236}">
-                <a16:creationId xmlns:a16="http://schemas.microsoft.com/office/drawing/2014/main" id="{84C02ECF-8B5E-4B5A-9654-97D8ED06BD16}"/>
-              </a:ext>
-            </a:extLst>
-          </p:cNvPr>
+          <p:cNvPr id="2" name="Title 1"/>
           <p:cNvSpPr>
             <a:spLocks noGrp="1"/>
           </p:cNvSpPr>
@@ -9856,26 +10998,21 @@
         </p:nvSpPr>
         <p:spPr/>
         <p:txBody>
-          <a:bodyPr/>
-          <a:lstStyle/>
-          <a:p>
-            <a:r>
-              <a:rPr lang="en-US" dirty="0"/>
-              <a:t>FAQs</a:t>
-            </a:r>
-            <a:endParaRPr lang="en-PK" dirty="0"/>
-          </a:p>
-        </p:txBody>
-      </p:sp>
-      <p:sp>
-        <p:nvSpPr>
-          <p:cNvPr id="3" name="Content Placeholder 2">
-            <a:extLst>
-              <a:ext uri="{FF2B5EF4-FFF2-40B4-BE49-F238E27FC236}">
-                <a16:creationId xmlns:a16="http://schemas.microsoft.com/office/drawing/2014/main" id="{385F3E38-DBBA-4940-AFF7-1792A068FF12}"/>
-              </a:ext>
-            </a:extLst>
-          </p:cNvPr>
+          <a:bodyPr>
+            <a:normAutofit/>
+          </a:bodyPr>
+          <a:lstStyle/>
+          <a:p>
+            <a:r>
+              <a:rPr lang="en-US" dirty="0"/>
+              <a:t>Dome 17</a:t>
+            </a:r>
+          </a:p>
+        </p:txBody>
+      </p:sp>
+      <p:sp>
+        <p:nvSpPr>
+          <p:cNvPr id="3" name="Content Placeholder 2"/>
           <p:cNvSpPr>
             <a:spLocks noGrp="1"/>
           </p:cNvSpPr>
@@ -9885,77 +11022,21 @@
         </p:nvSpPr>
         <p:spPr/>
         <p:txBody>
-          <a:bodyPr/>
-          <a:lstStyle/>
-          <a:p>
-            <a:r>
-              <a:rPr lang="en-US" dirty="0"/>
-              <a:t>Is Docker only runtime for containers?</a:t>
-            </a:r>
-          </a:p>
-          <a:p>
-            <a:pPr lvl="1"/>
-            <a:r>
-              <a:rPr lang="en-US" dirty="0"/>
-              <a:t>No, there are many others now. For example </a:t>
-            </a:r>
-            <a:r>
-              <a:rPr lang="en-US" dirty="0">
-                <a:hlinkClick r:id="rId2"/>
-              </a:rPr>
-              <a:t>https://containerd.io/</a:t>
-            </a:r>
-            <a:r>
-              <a:rPr lang="en-US" dirty="0"/>
-              <a:t> </a:t>
-            </a:r>
-          </a:p>
-          <a:p>
-            <a:r>
-              <a:rPr lang="en-US" dirty="0"/>
-              <a:t>What is Kubernetes?</a:t>
-            </a:r>
-          </a:p>
-          <a:p>
-            <a:pPr lvl="1"/>
-            <a:r>
-              <a:rPr lang="en-US" dirty="0"/>
-              <a:t>Containers orchestrator</a:t>
-            </a:r>
-          </a:p>
-          <a:p>
-            <a:r>
-              <a:rPr lang="en-US" dirty="0"/>
-              <a:t>What is Moby Project?</a:t>
-            </a:r>
-          </a:p>
-          <a:p>
-            <a:pPr lvl="1"/>
-            <a:r>
-              <a:rPr lang="en-US" dirty="0">
-                <a:hlinkClick r:id="rId3"/>
-              </a:rPr>
-              <a:t>https://mobyproject.org/</a:t>
-            </a:r>
-            <a:r>
-              <a:rPr lang="en-US" dirty="0"/>
-              <a:t> </a:t>
-            </a:r>
-          </a:p>
-          <a:p>
-            <a:endParaRPr lang="en-PK" dirty="0"/>
-          </a:p>
-        </p:txBody>
-      </p:sp>
-      <p:sp>
-        <p:nvSpPr>
-          <p:cNvPr id="4" name="Slide Number Placeholder 3">
-            <a:extLst>
-              <a:ext uri="{FF2B5EF4-FFF2-40B4-BE49-F238E27FC236}">
-                <a16:creationId xmlns:a16="http://schemas.microsoft.com/office/drawing/2014/main" id="{A70D6696-41F0-40DA-BF2E-FBFD8E2F0430}"/>
-              </a:ext>
-            </a:extLst>
-          </p:cNvPr>
+          <a:bodyPr>
+            <a:normAutofit/>
+          </a:bodyPr>
+          <a:lstStyle/>
+          <a:p>
+            <a:r>
+              <a:rPr lang="en-US" dirty="0"/>
+              <a:t>Agenda: Discussion on dotnet &amp; Windows containers</a:t>
+            </a:r>
+          </a:p>
+        </p:txBody>
+      </p:sp>
+      <p:sp>
+        <p:nvSpPr>
+          <p:cNvPr id="6" name="Slide Number Placeholder 5"/>
           <p:cNvSpPr>
             <a:spLocks noGrp="1"/>
           </p:cNvSpPr>
@@ -9973,14 +11054,14 @@
               <a:pPr/>
               <a:t>36</a:t>
             </a:fld>
-            <a:endParaRPr lang="en-US"/>
+            <a:endParaRPr lang="en-US" dirty="0"/>
           </a:p>
         </p:txBody>
       </p:sp>
     </p:spTree>
     <p:extLst>
       <p:ext uri="{BB962C8B-B14F-4D97-AF65-F5344CB8AC3E}">
-        <p14:creationId xmlns:p14="http://schemas.microsoft.com/office/powerpoint/2010/main" val="4159109355"/>
+        <p14:creationId xmlns:p14="http://schemas.microsoft.com/office/powerpoint/2010/main" val="2811366793"/>
       </p:ext>
     </p:extLst>
   </p:cSld>
@@ -10009,12 +11090,12 @@
       </p:grpSpPr>
       <p:sp>
         <p:nvSpPr>
-          <p:cNvPr id="3" name="Content Placeholder 2"/>
-          <p:cNvSpPr>
-            <a:spLocks noGrp="1"/>
-          </p:cNvSpPr>
-          <p:nvPr>
-            <p:ph idx="1"/>
+          <p:cNvPr id="2" name="Title 1"/>
+          <p:cNvSpPr>
+            <a:spLocks noGrp="1"/>
+          </p:cNvSpPr>
+          <p:nvPr>
+            <p:ph type="title"/>
           </p:nvPr>
         </p:nvSpPr>
         <p:spPr/>
@@ -10024,10 +11105,34 @@
           </a:bodyPr>
           <a:lstStyle/>
           <a:p>
-            <a:endParaRPr lang="en-US" dirty="0"/>
-          </a:p>
-          <a:p>
-            <a:endParaRPr lang="en-US" dirty="0"/>
+            <a:r>
+              <a:rPr lang="en-US" dirty="0"/>
+              <a:t>Dome 18</a:t>
+            </a:r>
+          </a:p>
+        </p:txBody>
+      </p:sp>
+      <p:sp>
+        <p:nvSpPr>
+          <p:cNvPr id="3" name="Content Placeholder 2"/>
+          <p:cNvSpPr>
+            <a:spLocks noGrp="1"/>
+          </p:cNvSpPr>
+          <p:nvPr>
+            <p:ph idx="1"/>
+          </p:nvPr>
+        </p:nvSpPr>
+        <p:spPr/>
+        <p:txBody>
+          <a:bodyPr>
+            <a:normAutofit/>
+          </a:bodyPr>
+          <a:lstStyle/>
+          <a:p>
+            <a:r>
+              <a:rPr lang="en-US" dirty="0"/>
+              <a:t>Agenda: Just create image using sdk:5.0 as base image + WORKDIR</a:t>
+            </a:r>
           </a:p>
         </p:txBody>
       </p:sp>
@@ -10050,6 +11155,856 @@
               <a:rPr lang="en-US" smtClean="0"/>
               <a:pPr/>
               <a:t>37</a:t>
+            </a:fld>
+            <a:endParaRPr lang="en-US" dirty="0"/>
+          </a:p>
+        </p:txBody>
+      </p:sp>
+    </p:spTree>
+    <p:extLst>
+      <p:ext uri="{BB962C8B-B14F-4D97-AF65-F5344CB8AC3E}">
+        <p14:creationId xmlns:p14="http://schemas.microsoft.com/office/powerpoint/2010/main" val="3622825787"/>
+      </p:ext>
+    </p:extLst>
+  </p:cSld>
+  <p:clrMapOvr>
+    <a:masterClrMapping/>
+  </p:clrMapOvr>
+</p:sld>
+</file>
+
+<file path=ppt/slides/slide38.xml><?xml version="1.0" encoding="utf-8"?>
+<p:sld xmlns:a="http://schemas.openxmlformats.org/drawingml/2006/main" xmlns:r="http://schemas.openxmlformats.org/officeDocument/2006/relationships" xmlns:p="http://schemas.openxmlformats.org/presentationml/2006/main">
+  <p:cSld>
+    <p:spTree>
+      <p:nvGrpSpPr>
+        <p:cNvPr id="1" name=""/>
+        <p:cNvGrpSpPr/>
+        <p:nvPr/>
+      </p:nvGrpSpPr>
+      <p:grpSpPr>
+        <a:xfrm>
+          <a:off x="0" y="0"/>
+          <a:ext cx="0" cy="0"/>
+          <a:chOff x="0" y="0"/>
+          <a:chExt cx="0" cy="0"/>
+        </a:xfrm>
+      </p:grpSpPr>
+      <p:sp>
+        <p:nvSpPr>
+          <p:cNvPr id="2" name="Title 1"/>
+          <p:cNvSpPr>
+            <a:spLocks noGrp="1"/>
+          </p:cNvSpPr>
+          <p:nvPr>
+            <p:ph type="title"/>
+          </p:nvPr>
+        </p:nvSpPr>
+        <p:spPr/>
+        <p:txBody>
+          <a:bodyPr>
+            <a:normAutofit/>
+          </a:bodyPr>
+          <a:lstStyle/>
+          <a:p>
+            <a:r>
+              <a:rPr lang="en-US" dirty="0"/>
+              <a:t>Dome 19</a:t>
+            </a:r>
+          </a:p>
+        </p:txBody>
+      </p:sp>
+      <p:sp>
+        <p:nvSpPr>
+          <p:cNvPr id="3" name="Content Placeholder 2"/>
+          <p:cNvSpPr>
+            <a:spLocks noGrp="1"/>
+          </p:cNvSpPr>
+          <p:nvPr>
+            <p:ph idx="1"/>
+          </p:nvPr>
+        </p:nvSpPr>
+        <p:spPr/>
+        <p:txBody>
+          <a:bodyPr>
+            <a:normAutofit/>
+          </a:bodyPr>
+          <a:lstStyle/>
+          <a:p>
+            <a:r>
+              <a:rPr lang="en-US" dirty="0"/>
+              <a:t>Agenda: Build &amp; run dotnet code after going inside container</a:t>
+            </a:r>
+          </a:p>
+        </p:txBody>
+      </p:sp>
+      <p:sp>
+        <p:nvSpPr>
+          <p:cNvPr id="6" name="Slide Number Placeholder 5"/>
+          <p:cNvSpPr>
+            <a:spLocks noGrp="1"/>
+          </p:cNvSpPr>
+          <p:nvPr>
+            <p:ph type="sldNum" sz="quarter" idx="12"/>
+          </p:nvPr>
+        </p:nvSpPr>
+        <p:spPr/>
+        <p:txBody>
+          <a:bodyPr/>
+          <a:lstStyle/>
+          <a:p>
+            <a:fld id="{B6F15528-21DE-4FAA-801E-634DDDAF4B2B}" type="slidenum">
+              <a:rPr lang="en-US" smtClean="0"/>
+              <a:pPr/>
+              <a:t>38</a:t>
+            </a:fld>
+            <a:endParaRPr lang="en-US" dirty="0"/>
+          </a:p>
+        </p:txBody>
+      </p:sp>
+    </p:spTree>
+    <p:extLst>
+      <p:ext uri="{BB962C8B-B14F-4D97-AF65-F5344CB8AC3E}">
+        <p14:creationId xmlns:p14="http://schemas.microsoft.com/office/powerpoint/2010/main" val="4192025204"/>
+      </p:ext>
+    </p:extLst>
+  </p:cSld>
+  <p:clrMapOvr>
+    <a:masterClrMapping/>
+  </p:clrMapOvr>
+</p:sld>
+</file>
+
+<file path=ppt/slides/slide39.xml><?xml version="1.0" encoding="utf-8"?>
+<p:sld xmlns:a="http://schemas.openxmlformats.org/drawingml/2006/main" xmlns:r="http://schemas.openxmlformats.org/officeDocument/2006/relationships" xmlns:p="http://schemas.openxmlformats.org/presentationml/2006/main">
+  <p:cSld>
+    <p:spTree>
+      <p:nvGrpSpPr>
+        <p:cNvPr id="1" name=""/>
+        <p:cNvGrpSpPr/>
+        <p:nvPr/>
+      </p:nvGrpSpPr>
+      <p:grpSpPr>
+        <a:xfrm>
+          <a:off x="0" y="0"/>
+          <a:ext cx="0" cy="0"/>
+          <a:chOff x="0" y="0"/>
+          <a:chExt cx="0" cy="0"/>
+        </a:xfrm>
+      </p:grpSpPr>
+      <p:sp>
+        <p:nvSpPr>
+          <p:cNvPr id="2" name="Title 1"/>
+          <p:cNvSpPr>
+            <a:spLocks noGrp="1"/>
+          </p:cNvSpPr>
+          <p:nvPr>
+            <p:ph type="title"/>
+          </p:nvPr>
+        </p:nvSpPr>
+        <p:spPr/>
+        <p:txBody>
+          <a:bodyPr>
+            <a:normAutofit/>
+          </a:bodyPr>
+          <a:lstStyle/>
+          <a:p>
+            <a:r>
+              <a:rPr lang="en-US" dirty="0"/>
+              <a:t>Dome 20</a:t>
+            </a:r>
+          </a:p>
+        </p:txBody>
+      </p:sp>
+      <p:sp>
+        <p:nvSpPr>
+          <p:cNvPr id="3" name="Content Placeholder 2"/>
+          <p:cNvSpPr>
+            <a:spLocks noGrp="1"/>
+          </p:cNvSpPr>
+          <p:nvPr>
+            <p:ph idx="1"/>
+          </p:nvPr>
+        </p:nvSpPr>
+        <p:spPr/>
+        <p:txBody>
+          <a:bodyPr>
+            <a:normAutofit/>
+          </a:bodyPr>
+          <a:lstStyle/>
+          <a:p>
+            <a:r>
+              <a:rPr lang="en-US" dirty="0"/>
+              <a:t>Agenda: Create image with published content</a:t>
+            </a:r>
+          </a:p>
+        </p:txBody>
+      </p:sp>
+      <p:sp>
+        <p:nvSpPr>
+          <p:cNvPr id="6" name="Slide Number Placeholder 5"/>
+          <p:cNvSpPr>
+            <a:spLocks noGrp="1"/>
+          </p:cNvSpPr>
+          <p:nvPr>
+            <p:ph type="sldNum" sz="quarter" idx="12"/>
+          </p:nvPr>
+        </p:nvSpPr>
+        <p:spPr/>
+        <p:txBody>
+          <a:bodyPr/>
+          <a:lstStyle/>
+          <a:p>
+            <a:fld id="{B6F15528-21DE-4FAA-801E-634DDDAF4B2B}" type="slidenum">
+              <a:rPr lang="en-US" smtClean="0"/>
+              <a:pPr/>
+              <a:t>39</a:t>
+            </a:fld>
+            <a:endParaRPr lang="en-US" dirty="0"/>
+          </a:p>
+        </p:txBody>
+      </p:sp>
+    </p:spTree>
+    <p:extLst>
+      <p:ext uri="{BB962C8B-B14F-4D97-AF65-F5344CB8AC3E}">
+        <p14:creationId xmlns:p14="http://schemas.microsoft.com/office/powerpoint/2010/main" val="1289350955"/>
+      </p:ext>
+    </p:extLst>
+  </p:cSld>
+  <p:clrMapOvr>
+    <a:masterClrMapping/>
+  </p:clrMapOvr>
+</p:sld>
+</file>
+
+<file path=ppt/slides/slide4.xml><?xml version="1.0" encoding="utf-8"?>
+<p:sld xmlns:a="http://schemas.openxmlformats.org/drawingml/2006/main" xmlns:r="http://schemas.openxmlformats.org/officeDocument/2006/relationships" xmlns:p="http://schemas.openxmlformats.org/presentationml/2006/main">
+  <p:cSld>
+    <p:spTree>
+      <p:nvGrpSpPr>
+        <p:cNvPr id="1" name=""/>
+        <p:cNvGrpSpPr/>
+        <p:nvPr/>
+      </p:nvGrpSpPr>
+      <p:grpSpPr>
+        <a:xfrm>
+          <a:off x="0" y="0"/>
+          <a:ext cx="0" cy="0"/>
+          <a:chOff x="0" y="0"/>
+          <a:chExt cx="0" cy="0"/>
+        </a:xfrm>
+      </p:grpSpPr>
+      <p:sp>
+        <p:nvSpPr>
+          <p:cNvPr id="2" name="Title 1"/>
+          <p:cNvSpPr>
+            <a:spLocks noGrp="1"/>
+          </p:cNvSpPr>
+          <p:nvPr>
+            <p:ph type="title"/>
+          </p:nvPr>
+        </p:nvSpPr>
+        <p:spPr/>
+        <p:txBody>
+          <a:bodyPr/>
+          <a:lstStyle/>
+          <a:p>
+            <a:r>
+              <a:rPr lang="en-US" dirty="0"/>
+              <a:t>Agenda</a:t>
+            </a:r>
+          </a:p>
+        </p:txBody>
+      </p:sp>
+      <p:sp>
+        <p:nvSpPr>
+          <p:cNvPr id="3" name="Content Placeholder 2"/>
+          <p:cNvSpPr>
+            <a:spLocks noGrp="1"/>
+          </p:cNvSpPr>
+          <p:nvPr>
+            <p:ph idx="1"/>
+          </p:nvPr>
+        </p:nvSpPr>
+        <p:spPr/>
+        <p:txBody>
+          <a:bodyPr>
+            <a:normAutofit fontScale="85000" lnSpcReduction="20000"/>
+          </a:bodyPr>
+          <a:lstStyle/>
+          <a:p>
+            <a:r>
+              <a:rPr lang="en-US" dirty="0"/>
+              <a:t>Background</a:t>
+            </a:r>
+          </a:p>
+          <a:p>
+            <a:r>
+              <a:rPr lang="en-US" dirty="0"/>
+              <a:t>Docker Installation</a:t>
+            </a:r>
+          </a:p>
+          <a:p>
+            <a:r>
+              <a:rPr lang="en-US" dirty="0"/>
+              <a:t>Docker Basic Concepts</a:t>
+            </a:r>
+          </a:p>
+          <a:p>
+            <a:r>
+              <a:rPr lang="en-US" dirty="0"/>
+              <a:t>Playing with </a:t>
+            </a:r>
+            <a:r>
+              <a:rPr lang="en-US" dirty="0" err="1"/>
+              <a:t>nginx</a:t>
+            </a:r>
+            <a:endParaRPr lang="en-US" dirty="0"/>
+          </a:p>
+          <a:p>
+            <a:r>
+              <a:rPr lang="en-US" dirty="0"/>
+              <a:t>Understanding Volumes</a:t>
+            </a:r>
+          </a:p>
+          <a:p>
+            <a:r>
+              <a:rPr lang="en-US" dirty="0"/>
+              <a:t>Push &amp; Save an Image</a:t>
+            </a:r>
+          </a:p>
+          <a:p>
+            <a:r>
+              <a:rPr lang="en-US" dirty="0"/>
+              <a:t>Playing with Node &amp; MySQL</a:t>
+            </a:r>
+          </a:p>
+          <a:p>
+            <a:r>
+              <a:rPr lang="en-US" dirty="0"/>
+              <a:t>Playing with PHP</a:t>
+            </a:r>
+          </a:p>
+          <a:p>
+            <a:r>
+              <a:rPr lang="en-US" dirty="0"/>
+              <a:t>Playing with dotnet core</a:t>
+            </a:r>
+          </a:p>
+          <a:p>
+            <a:r>
+              <a:rPr lang="en-US" dirty="0"/>
+              <a:t>Playing with .NET Framework applications</a:t>
+            </a:r>
+          </a:p>
+          <a:p>
+            <a:r>
+              <a:rPr lang="en-US" dirty="0"/>
+              <a:t>Q&amp;A</a:t>
+            </a:r>
+          </a:p>
+          <a:p>
+            <a:endParaRPr lang="en-US" dirty="0"/>
+          </a:p>
+          <a:p>
+            <a:endParaRPr lang="en-US" dirty="0"/>
+          </a:p>
+          <a:p>
+            <a:endParaRPr lang="en-US" dirty="0"/>
+          </a:p>
+          <a:p>
+            <a:endParaRPr lang="en-US" dirty="0"/>
+          </a:p>
+        </p:txBody>
+      </p:sp>
+      <p:sp>
+        <p:nvSpPr>
+          <p:cNvPr id="6" name="Slide Number Placeholder 5"/>
+          <p:cNvSpPr>
+            <a:spLocks noGrp="1"/>
+          </p:cNvSpPr>
+          <p:nvPr>
+            <p:ph type="sldNum" sz="quarter" idx="12"/>
+          </p:nvPr>
+        </p:nvSpPr>
+        <p:spPr/>
+        <p:txBody>
+          <a:bodyPr/>
+          <a:lstStyle/>
+          <a:p>
+            <a:fld id="{B6F15528-21DE-4FAA-801E-634DDDAF4B2B}" type="slidenum">
+              <a:rPr lang="en-US" smtClean="0"/>
+              <a:pPr/>
+              <a:t>4</a:t>
+            </a:fld>
+            <a:endParaRPr lang="en-US"/>
+          </a:p>
+        </p:txBody>
+      </p:sp>
+    </p:spTree>
+    <p:extLst>
+      <p:ext uri="{BB962C8B-B14F-4D97-AF65-F5344CB8AC3E}">
+        <p14:creationId xmlns:p14="http://schemas.microsoft.com/office/powerpoint/2010/main" val="2814045580"/>
+      </p:ext>
+    </p:extLst>
+  </p:cSld>
+  <p:clrMapOvr>
+    <a:masterClrMapping/>
+  </p:clrMapOvr>
+</p:sld>
+</file>
+
+<file path=ppt/slides/slide40.xml><?xml version="1.0" encoding="utf-8"?>
+<p:sld xmlns:a="http://schemas.openxmlformats.org/drawingml/2006/main" xmlns:r="http://schemas.openxmlformats.org/officeDocument/2006/relationships" xmlns:p="http://schemas.openxmlformats.org/presentationml/2006/main">
+  <p:cSld>
+    <p:spTree>
+      <p:nvGrpSpPr>
+        <p:cNvPr id="1" name=""/>
+        <p:cNvGrpSpPr/>
+        <p:nvPr/>
+      </p:nvGrpSpPr>
+      <p:grpSpPr>
+        <a:xfrm>
+          <a:off x="0" y="0"/>
+          <a:ext cx="0" cy="0"/>
+          <a:chOff x="0" y="0"/>
+          <a:chExt cx="0" cy="0"/>
+        </a:xfrm>
+      </p:grpSpPr>
+      <p:sp>
+        <p:nvSpPr>
+          <p:cNvPr id="2" name="Title 1"/>
+          <p:cNvSpPr>
+            <a:spLocks noGrp="1"/>
+          </p:cNvSpPr>
+          <p:nvPr>
+            <p:ph type="title"/>
+          </p:nvPr>
+        </p:nvSpPr>
+        <p:spPr/>
+        <p:txBody>
+          <a:bodyPr>
+            <a:normAutofit/>
+          </a:bodyPr>
+          <a:lstStyle/>
+          <a:p>
+            <a:r>
+              <a:rPr lang="en-US" dirty="0"/>
+              <a:t>Dome 21</a:t>
+            </a:r>
+          </a:p>
+        </p:txBody>
+      </p:sp>
+      <p:sp>
+        <p:nvSpPr>
+          <p:cNvPr id="3" name="Content Placeholder 2"/>
+          <p:cNvSpPr>
+            <a:spLocks noGrp="1"/>
+          </p:cNvSpPr>
+          <p:nvPr>
+            <p:ph idx="1"/>
+          </p:nvPr>
+        </p:nvSpPr>
+        <p:spPr/>
+        <p:txBody>
+          <a:bodyPr>
+            <a:normAutofit/>
+          </a:bodyPr>
+          <a:lstStyle/>
+          <a:p>
+            <a:r>
+              <a:rPr lang="en-US" dirty="0"/>
+              <a:t>Agenda: Create image for .NET Framework with published content</a:t>
+            </a:r>
+          </a:p>
+        </p:txBody>
+      </p:sp>
+      <p:sp>
+        <p:nvSpPr>
+          <p:cNvPr id="6" name="Slide Number Placeholder 5"/>
+          <p:cNvSpPr>
+            <a:spLocks noGrp="1"/>
+          </p:cNvSpPr>
+          <p:nvPr>
+            <p:ph type="sldNum" sz="quarter" idx="12"/>
+          </p:nvPr>
+        </p:nvSpPr>
+        <p:spPr/>
+        <p:txBody>
+          <a:bodyPr/>
+          <a:lstStyle/>
+          <a:p>
+            <a:fld id="{B6F15528-21DE-4FAA-801E-634DDDAF4B2B}" type="slidenum">
+              <a:rPr lang="en-US" smtClean="0"/>
+              <a:pPr/>
+              <a:t>40</a:t>
+            </a:fld>
+            <a:endParaRPr lang="en-US" dirty="0"/>
+          </a:p>
+        </p:txBody>
+      </p:sp>
+    </p:spTree>
+    <p:extLst>
+      <p:ext uri="{BB962C8B-B14F-4D97-AF65-F5344CB8AC3E}">
+        <p14:creationId xmlns:p14="http://schemas.microsoft.com/office/powerpoint/2010/main" val="2233593257"/>
+      </p:ext>
+    </p:extLst>
+  </p:cSld>
+  <p:clrMapOvr>
+    <a:masterClrMapping/>
+  </p:clrMapOvr>
+</p:sld>
+</file>
+
+<file path=ppt/slides/slide41.xml><?xml version="1.0" encoding="utf-8"?>
+<p:sld xmlns:a="http://schemas.openxmlformats.org/drawingml/2006/main" xmlns:r="http://schemas.openxmlformats.org/officeDocument/2006/relationships" xmlns:p="http://schemas.openxmlformats.org/presentationml/2006/main">
+  <p:cSld>
+    <p:spTree>
+      <p:nvGrpSpPr>
+        <p:cNvPr id="1" name=""/>
+        <p:cNvGrpSpPr/>
+        <p:nvPr/>
+      </p:nvGrpSpPr>
+      <p:grpSpPr>
+        <a:xfrm>
+          <a:off x="0" y="0"/>
+          <a:ext cx="0" cy="0"/>
+          <a:chOff x="0" y="0"/>
+          <a:chExt cx="0" cy="0"/>
+        </a:xfrm>
+      </p:grpSpPr>
+      <p:sp>
+        <p:nvSpPr>
+          <p:cNvPr id="2" name="Title 1"/>
+          <p:cNvSpPr>
+            <a:spLocks noGrp="1"/>
+          </p:cNvSpPr>
+          <p:nvPr>
+            <p:ph type="title"/>
+          </p:nvPr>
+        </p:nvSpPr>
+        <p:spPr/>
+        <p:txBody>
+          <a:bodyPr>
+            <a:normAutofit/>
+          </a:bodyPr>
+          <a:lstStyle/>
+          <a:p>
+            <a:r>
+              <a:rPr lang="en-US" dirty="0"/>
+              <a:t>Bonus Demo</a:t>
+            </a:r>
+          </a:p>
+        </p:txBody>
+      </p:sp>
+      <p:sp>
+        <p:nvSpPr>
+          <p:cNvPr id="3" name="Content Placeholder 2"/>
+          <p:cNvSpPr>
+            <a:spLocks noGrp="1"/>
+          </p:cNvSpPr>
+          <p:nvPr>
+            <p:ph idx="1"/>
+          </p:nvPr>
+        </p:nvSpPr>
+        <p:spPr/>
+        <p:txBody>
+          <a:bodyPr>
+            <a:normAutofit/>
+          </a:bodyPr>
+          <a:lstStyle/>
+          <a:p>
+            <a:r>
+              <a:rPr lang="en-US" dirty="0"/>
+              <a:t>Agenda: Check quickly what is </a:t>
+            </a:r>
+            <a:r>
+              <a:rPr lang="en-US" dirty="0" err="1"/>
+              <a:t>gitpod</a:t>
+            </a:r>
+            <a:endParaRPr lang="en-US" dirty="0"/>
+          </a:p>
+          <a:p>
+            <a:pPr lvl="1"/>
+            <a:r>
+              <a:rPr lang="en-US" dirty="0">
+                <a:hlinkClick r:id="rId3"/>
+              </a:rPr>
+              <a:t>https://gitpod.io/</a:t>
+            </a:r>
+            <a:r>
+              <a:rPr lang="en-US" dirty="0"/>
+              <a:t> </a:t>
+            </a:r>
+          </a:p>
+        </p:txBody>
+      </p:sp>
+      <p:sp>
+        <p:nvSpPr>
+          <p:cNvPr id="6" name="Slide Number Placeholder 5"/>
+          <p:cNvSpPr>
+            <a:spLocks noGrp="1"/>
+          </p:cNvSpPr>
+          <p:nvPr>
+            <p:ph type="sldNum" sz="quarter" idx="12"/>
+          </p:nvPr>
+        </p:nvSpPr>
+        <p:spPr/>
+        <p:txBody>
+          <a:bodyPr/>
+          <a:lstStyle/>
+          <a:p>
+            <a:fld id="{B6F15528-21DE-4FAA-801E-634DDDAF4B2B}" type="slidenum">
+              <a:rPr lang="en-US" smtClean="0"/>
+              <a:pPr/>
+              <a:t>41</a:t>
+            </a:fld>
+            <a:endParaRPr lang="en-US" dirty="0"/>
+          </a:p>
+        </p:txBody>
+      </p:sp>
+    </p:spTree>
+    <p:extLst>
+      <p:ext uri="{BB962C8B-B14F-4D97-AF65-F5344CB8AC3E}">
+        <p14:creationId xmlns:p14="http://schemas.microsoft.com/office/powerpoint/2010/main" val="2022292286"/>
+      </p:ext>
+    </p:extLst>
+  </p:cSld>
+  <p:clrMapOvr>
+    <a:masterClrMapping/>
+  </p:clrMapOvr>
+</p:sld>
+</file>
+
+<file path=ppt/slides/slide42.xml><?xml version="1.0" encoding="utf-8"?>
+<p:sld xmlns:a="http://schemas.openxmlformats.org/drawingml/2006/main" xmlns:r="http://schemas.openxmlformats.org/officeDocument/2006/relationships" xmlns:p="http://schemas.openxmlformats.org/presentationml/2006/main">
+  <p:cSld>
+    <p:spTree>
+      <p:nvGrpSpPr>
+        <p:cNvPr id="1" name=""/>
+        <p:cNvGrpSpPr/>
+        <p:nvPr/>
+      </p:nvGrpSpPr>
+      <p:grpSpPr>
+        <a:xfrm>
+          <a:off x="0" y="0"/>
+          <a:ext cx="0" cy="0"/>
+          <a:chOff x="0" y="0"/>
+          <a:chExt cx="0" cy="0"/>
+        </a:xfrm>
+      </p:grpSpPr>
+      <p:sp>
+        <p:nvSpPr>
+          <p:cNvPr id="2" name="Title 1">
+            <a:extLst>
+              <a:ext uri="{FF2B5EF4-FFF2-40B4-BE49-F238E27FC236}">
+                <a16:creationId xmlns:a16="http://schemas.microsoft.com/office/drawing/2014/main" id="{84C02ECF-8B5E-4B5A-9654-97D8ED06BD16}"/>
+              </a:ext>
+            </a:extLst>
+          </p:cNvPr>
+          <p:cNvSpPr>
+            <a:spLocks noGrp="1"/>
+          </p:cNvSpPr>
+          <p:nvPr>
+            <p:ph type="title"/>
+          </p:nvPr>
+        </p:nvSpPr>
+        <p:spPr/>
+        <p:txBody>
+          <a:bodyPr/>
+          <a:lstStyle/>
+          <a:p>
+            <a:r>
+              <a:rPr lang="en-US" dirty="0"/>
+              <a:t>FAQs</a:t>
+            </a:r>
+            <a:endParaRPr lang="en-PK" dirty="0"/>
+          </a:p>
+        </p:txBody>
+      </p:sp>
+      <p:sp>
+        <p:nvSpPr>
+          <p:cNvPr id="3" name="Content Placeholder 2">
+            <a:extLst>
+              <a:ext uri="{FF2B5EF4-FFF2-40B4-BE49-F238E27FC236}">
+                <a16:creationId xmlns:a16="http://schemas.microsoft.com/office/drawing/2014/main" id="{385F3E38-DBBA-4940-AFF7-1792A068FF12}"/>
+              </a:ext>
+            </a:extLst>
+          </p:cNvPr>
+          <p:cNvSpPr>
+            <a:spLocks noGrp="1"/>
+          </p:cNvSpPr>
+          <p:nvPr>
+            <p:ph idx="1"/>
+          </p:nvPr>
+        </p:nvSpPr>
+        <p:spPr/>
+        <p:txBody>
+          <a:bodyPr/>
+          <a:lstStyle/>
+          <a:p>
+            <a:r>
+              <a:rPr lang="en-US" dirty="0"/>
+              <a:t>Is Docker only runtime for containers?</a:t>
+            </a:r>
+          </a:p>
+          <a:p>
+            <a:pPr lvl="1"/>
+            <a:r>
+              <a:rPr lang="en-US" dirty="0"/>
+              <a:t>No, there are many others now. For example </a:t>
+            </a:r>
+            <a:r>
+              <a:rPr lang="en-US" dirty="0">
+                <a:hlinkClick r:id="rId2"/>
+              </a:rPr>
+              <a:t>https://containerd.io/</a:t>
+            </a:r>
+            <a:r>
+              <a:rPr lang="en-US" dirty="0"/>
+              <a:t> </a:t>
+            </a:r>
+          </a:p>
+          <a:p>
+            <a:r>
+              <a:rPr lang="en-US" dirty="0"/>
+              <a:t>What is Kubernetes?</a:t>
+            </a:r>
+          </a:p>
+          <a:p>
+            <a:pPr lvl="1"/>
+            <a:r>
+              <a:rPr lang="en-US" dirty="0"/>
+              <a:t>Containers orchestrator</a:t>
+            </a:r>
+          </a:p>
+          <a:p>
+            <a:r>
+              <a:rPr lang="en-US" dirty="0"/>
+              <a:t>What is Moby Project?</a:t>
+            </a:r>
+          </a:p>
+          <a:p>
+            <a:pPr lvl="1"/>
+            <a:r>
+              <a:rPr lang="en-US" dirty="0">
+                <a:hlinkClick r:id="rId3"/>
+              </a:rPr>
+              <a:t>https://mobyproject.org/</a:t>
+            </a:r>
+            <a:r>
+              <a:rPr lang="en-US" dirty="0"/>
+              <a:t> </a:t>
+            </a:r>
+          </a:p>
+          <a:p>
+            <a:endParaRPr lang="en-PK" dirty="0"/>
+          </a:p>
+        </p:txBody>
+      </p:sp>
+      <p:sp>
+        <p:nvSpPr>
+          <p:cNvPr id="4" name="Slide Number Placeholder 3">
+            <a:extLst>
+              <a:ext uri="{FF2B5EF4-FFF2-40B4-BE49-F238E27FC236}">
+                <a16:creationId xmlns:a16="http://schemas.microsoft.com/office/drawing/2014/main" id="{A70D6696-41F0-40DA-BF2E-FBFD8E2F0430}"/>
+              </a:ext>
+            </a:extLst>
+          </p:cNvPr>
+          <p:cNvSpPr>
+            <a:spLocks noGrp="1"/>
+          </p:cNvSpPr>
+          <p:nvPr>
+            <p:ph type="sldNum" sz="quarter" idx="12"/>
+          </p:nvPr>
+        </p:nvSpPr>
+        <p:spPr/>
+        <p:txBody>
+          <a:bodyPr/>
+          <a:lstStyle/>
+          <a:p>
+            <a:fld id="{B6F15528-21DE-4FAA-801E-634DDDAF4B2B}" type="slidenum">
+              <a:rPr lang="en-US" smtClean="0"/>
+              <a:pPr/>
+              <a:t>42</a:t>
+            </a:fld>
+            <a:endParaRPr lang="en-US"/>
+          </a:p>
+        </p:txBody>
+      </p:sp>
+    </p:spTree>
+    <p:extLst>
+      <p:ext uri="{BB962C8B-B14F-4D97-AF65-F5344CB8AC3E}">
+        <p14:creationId xmlns:p14="http://schemas.microsoft.com/office/powerpoint/2010/main" val="4159109355"/>
+      </p:ext>
+    </p:extLst>
+  </p:cSld>
+  <p:clrMapOvr>
+    <a:masterClrMapping/>
+  </p:clrMapOvr>
+</p:sld>
+</file>
+
+<file path=ppt/slides/slide43.xml><?xml version="1.0" encoding="utf-8"?>
+<p:sld xmlns:a="http://schemas.openxmlformats.org/drawingml/2006/main" xmlns:r="http://schemas.openxmlformats.org/officeDocument/2006/relationships" xmlns:p="http://schemas.openxmlformats.org/presentationml/2006/main">
+  <p:cSld>
+    <p:spTree>
+      <p:nvGrpSpPr>
+        <p:cNvPr id="1" name=""/>
+        <p:cNvGrpSpPr/>
+        <p:nvPr/>
+      </p:nvGrpSpPr>
+      <p:grpSpPr>
+        <a:xfrm>
+          <a:off x="0" y="0"/>
+          <a:ext cx="0" cy="0"/>
+          <a:chOff x="0" y="0"/>
+          <a:chExt cx="0" cy="0"/>
+        </a:xfrm>
+      </p:grpSpPr>
+      <p:sp>
+        <p:nvSpPr>
+          <p:cNvPr id="3" name="Content Placeholder 2"/>
+          <p:cNvSpPr>
+            <a:spLocks noGrp="1"/>
+          </p:cNvSpPr>
+          <p:nvPr>
+            <p:ph idx="1"/>
+          </p:nvPr>
+        </p:nvSpPr>
+        <p:spPr/>
+        <p:txBody>
+          <a:bodyPr>
+            <a:normAutofit/>
+          </a:bodyPr>
+          <a:lstStyle/>
+          <a:p>
+            <a:endParaRPr lang="en-US" dirty="0"/>
+          </a:p>
+          <a:p>
+            <a:endParaRPr lang="en-US" dirty="0"/>
+          </a:p>
+        </p:txBody>
+      </p:sp>
+      <p:sp>
+        <p:nvSpPr>
+          <p:cNvPr id="6" name="Slide Number Placeholder 5"/>
+          <p:cNvSpPr>
+            <a:spLocks noGrp="1"/>
+          </p:cNvSpPr>
+          <p:nvPr>
+            <p:ph type="sldNum" sz="quarter" idx="12"/>
+          </p:nvPr>
+        </p:nvSpPr>
+        <p:spPr/>
+        <p:txBody>
+          <a:bodyPr/>
+          <a:lstStyle/>
+          <a:p>
+            <a:fld id="{B6F15528-21DE-4FAA-801E-634DDDAF4B2B}" type="slidenum">
+              <a:rPr lang="en-US" smtClean="0"/>
+              <a:pPr/>
+              <a:t>43</a:t>
             </a:fld>
             <a:endParaRPr lang="en-US"/>
           </a:p>
@@ -10137,7 +12092,7 @@
 </p:sld>
 </file>
 
-<file path=ppt/slides/slide38.xml><?xml version="1.0" encoding="utf-8"?>
+<file path=ppt/slides/slide44.xml><?xml version="1.0" encoding="utf-8"?>
 <p:sld xmlns:a="http://schemas.openxmlformats.org/drawingml/2006/main" xmlns:r="http://schemas.openxmlformats.org/officeDocument/2006/relationships" xmlns:p="http://schemas.openxmlformats.org/presentationml/2006/main">
   <p:cSld>
     <p:spTree>
@@ -10244,19 +12199,7 @@
               <a:rPr lang="en-US" dirty="0">
                 <a:hlinkClick r:id="rId4"/>
               </a:rPr>
-              <a:t>https://github.com/bilalshahzad139/first-step-towards-profession</a:t>
-            </a:r>
-            <a:r>
-              <a:rPr lang="en-US" dirty="0">
-                <a:hlinkClick r:id="rId4"/>
-              </a:rPr>
-              <a:t>a</a:t>
-            </a:r>
-            <a:r>
-              <a:rPr lang="en-US" dirty="0">
-                <a:hlinkClick r:id="rId4"/>
-              </a:rPr>
-              <a:t>l-career</a:t>
+              <a:t>https://github.com/bilalshahzad139/first-step-towards-professional-career</a:t>
             </a:r>
             <a:r>
               <a:rPr lang="en-US" dirty="0">
@@ -10289,7 +12232,7 @@
             <a:fld id="{B6F15528-21DE-4FAA-801E-634DDDAF4B2B}" type="slidenum">
               <a:rPr lang="en-US" smtClean="0"/>
               <a:pPr/>
-              <a:t>38</a:t>
+              <a:t>44</a:t>
             </a:fld>
             <a:endParaRPr lang="en-US"/>
           </a:p>
@@ -10308,7 +12251,7 @@
 </p:sld>
 </file>
 
-<file path=ppt/slides/slide39.xml><?xml version="1.0" encoding="utf-8"?>
+<file path=ppt/slides/slide45.xml><?xml version="1.0" encoding="utf-8"?>
 <p:sld xmlns:a="http://schemas.openxmlformats.org/drawingml/2006/main" xmlns:r="http://schemas.openxmlformats.org/officeDocument/2006/relationships" xmlns:p="http://schemas.openxmlformats.org/presentationml/2006/main">
   <p:cSld>
     <p:spTree>
@@ -10343,7 +12286,7 @@
             <a:fld id="{B6F15528-21DE-4FAA-801E-634DDDAF4B2B}" type="slidenum">
               <a:rPr lang="en-US" smtClean="0"/>
               <a:pPr/>
-              <a:t>39</a:t>
+              <a:t>45</a:t>
             </a:fld>
             <a:endParaRPr lang="en-US" dirty="0"/>
           </a:p>
@@ -10426,7 +12369,7 @@
 </p:sld>
 </file>
 
-<file path=ppt/slides/slide4.xml><?xml version="1.0" encoding="utf-8"?>
+<file path=ppt/slides/slide46.xml><?xml version="1.0" encoding="utf-8"?>
 <p:sld xmlns:a="http://schemas.openxmlformats.org/drawingml/2006/main" xmlns:r="http://schemas.openxmlformats.org/officeDocument/2006/relationships" xmlns:p="http://schemas.openxmlformats.org/presentationml/2006/main">
   <p:cSld>
     <p:spTree>
@@ -10455,28 +12398,6 @@
         </p:nvSpPr>
         <p:spPr/>
         <p:txBody>
-          <a:bodyPr/>
-          <a:lstStyle/>
-          <a:p>
-            <a:r>
-              <a:rPr lang="en-US" dirty="0"/>
-              <a:t>Agenda</a:t>
-            </a:r>
-          </a:p>
-        </p:txBody>
-      </p:sp>
-      <p:sp>
-        <p:nvSpPr>
-          <p:cNvPr id="3" name="Content Placeholder 2"/>
-          <p:cNvSpPr>
-            <a:spLocks noGrp="1"/>
-          </p:cNvSpPr>
-          <p:nvPr>
-            <p:ph idx="1"/>
-          </p:nvPr>
-        </p:nvSpPr>
-        <p:spPr/>
-        <p:txBody>
           <a:bodyPr>
             <a:normAutofit/>
           </a:bodyPr>
@@ -10484,47 +12405,33 @@
           <a:p>
             <a:r>
               <a:rPr lang="en-US" dirty="0"/>
-              <a:t>Background of Virtualization</a:t>
-            </a:r>
-          </a:p>
-          <a:p>
-            <a:r>
-              <a:rPr lang="en-US" dirty="0"/>
-              <a:t>Introduction to Docker</a:t>
-            </a:r>
-          </a:p>
-          <a:p>
-            <a:r>
-              <a:rPr lang="en-US" dirty="0"/>
-              <a:t>Image vs. Container</a:t>
-            </a:r>
-          </a:p>
-          <a:p>
-            <a:r>
-              <a:rPr lang="en-US" dirty="0"/>
-              <a:t>Docker Registry (e.g. Docker Hub)</a:t>
-            </a:r>
-          </a:p>
-          <a:p>
-            <a:endParaRPr lang="en-US" dirty="0"/>
-          </a:p>
-          <a:p>
-            <a:r>
-              <a:rPr lang="en-US" dirty="0"/>
-              <a:t>Q&amp;A</a:t>
-            </a:r>
-          </a:p>
-          <a:p>
-            <a:endParaRPr lang="en-US" dirty="0"/>
-          </a:p>
-          <a:p>
-            <a:endParaRPr lang="en-US" dirty="0"/>
-          </a:p>
-          <a:p>
-            <a:endParaRPr lang="en-US" dirty="0"/>
-          </a:p>
-          <a:p>
-            <a:endParaRPr lang="en-US" dirty="0"/>
+              <a:t>What is Next?</a:t>
+            </a:r>
+          </a:p>
+        </p:txBody>
+      </p:sp>
+      <p:sp>
+        <p:nvSpPr>
+          <p:cNvPr id="3" name="Content Placeholder 2"/>
+          <p:cNvSpPr>
+            <a:spLocks noGrp="1"/>
+          </p:cNvSpPr>
+          <p:nvPr>
+            <p:ph idx="1"/>
+          </p:nvPr>
+        </p:nvSpPr>
+        <p:spPr/>
+        <p:txBody>
+          <a:bodyPr>
+            <a:normAutofit/>
+          </a:bodyPr>
+          <a:lstStyle/>
+          <a:p>
+            <a:pPr lvl="1"/>
+            <a:r>
+              <a:rPr lang="en-US" dirty="0"/>
+              <a:t>Automation &amp; DevOps </a:t>
+            </a:r>
           </a:p>
         </p:txBody>
       </p:sp>
@@ -10546,7 +12453,7 @@
             <a:fld id="{B6F15528-21DE-4FAA-801E-634DDDAF4B2B}" type="slidenum">
               <a:rPr lang="en-US" smtClean="0"/>
               <a:pPr/>
-              <a:t>4</a:t>
+              <a:t>46</a:t>
             </a:fld>
             <a:endParaRPr lang="en-US"/>
           </a:p>
@@ -10555,7 +12462,7 @@
     </p:spTree>
     <p:extLst>
       <p:ext uri="{BB962C8B-B14F-4D97-AF65-F5344CB8AC3E}">
-        <p14:creationId xmlns:p14="http://schemas.microsoft.com/office/powerpoint/2010/main" val="2814045580"/>
+        <p14:creationId xmlns:p14="http://schemas.microsoft.com/office/powerpoint/2010/main" val="4132185280"/>
       </p:ext>
     </p:extLst>
   </p:cSld>
@@ -10565,7 +12472,7 @@
 </p:sld>
 </file>
 
-<file path=ppt/slides/slide40.xml><?xml version="1.0" encoding="utf-8"?>
+<file path=ppt/slides/slide47.xml><?xml version="1.0" encoding="utf-8"?>
 <p:sld xmlns:a="http://schemas.openxmlformats.org/drawingml/2006/main" xmlns:r="http://schemas.openxmlformats.org/officeDocument/2006/relationships" xmlns:p="http://schemas.openxmlformats.org/presentationml/2006/main">
   <p:cSld>
     <p:spTree>
@@ -10594,14 +12501,12 @@
         </p:nvSpPr>
         <p:spPr/>
         <p:txBody>
-          <a:bodyPr>
-            <a:normAutofit/>
-          </a:bodyPr>
-          <a:lstStyle/>
-          <a:p>
-            <a:r>
-              <a:rPr lang="en-US" dirty="0"/>
-              <a:t>What is Next?</a:t>
+          <a:bodyPr/>
+          <a:lstStyle/>
+          <a:p>
+            <a:r>
+              <a:rPr lang="en-US" dirty="0"/>
+              <a:t>How to Contact</a:t>
             </a:r>
           </a:p>
         </p:txBody>
@@ -10618,16 +12523,94 @@
         </p:nvSpPr>
         <p:spPr/>
         <p:txBody>
-          <a:bodyPr>
-            <a:normAutofit/>
-          </a:bodyPr>
-          <a:lstStyle/>
-          <a:p>
-            <a:pPr lvl="1"/>
-            <a:r>
-              <a:rPr lang="en-US" dirty="0"/>
-              <a:t>Automation &amp; DevOps </a:t>
-            </a:r>
+          <a:bodyPr/>
+          <a:lstStyle/>
+          <a:p>
+            <a:pPr marL="228600" indent="-228600">
+              <a:buFont typeface="Arial" panose="020B0604020202020204" pitchFamily="34" charset="0"/>
+              <a:buChar char="•"/>
+            </a:pPr>
+            <a:r>
+              <a:rPr lang="en-US" sz="2000" dirty="0">
+                <a:hlinkClick r:id="rId2"/>
+              </a:rPr>
+              <a:t>https://www.linkedin.com/in/bilalshahzad139/</a:t>
+            </a:r>
+            <a:r>
+              <a:rPr lang="en-US" sz="2000" dirty="0"/>
+              <a:t> </a:t>
+            </a:r>
+          </a:p>
+          <a:p>
+            <a:pPr marL="228600" indent="-228600">
+              <a:buFont typeface="Arial" panose="020B0604020202020204" pitchFamily="34" charset="0"/>
+              <a:buChar char="•"/>
+            </a:pPr>
+            <a:r>
+              <a:rPr lang="en-US" sz="2000" dirty="0">
+                <a:hlinkClick r:id="rId3"/>
+              </a:rPr>
+              <a:t>https://www.facebook.com/LearningInUrduCentre/</a:t>
+            </a:r>
+            <a:endParaRPr lang="en-US" sz="2000" dirty="0"/>
+          </a:p>
+          <a:p>
+            <a:pPr marL="228600" indent="-228600">
+              <a:buFont typeface="Arial" panose="020B0604020202020204" pitchFamily="34" charset="0"/>
+              <a:buChar char="•"/>
+            </a:pPr>
+            <a:r>
+              <a:rPr lang="en-US" sz="2000" dirty="0">
+                <a:hlinkClick r:id="rId4"/>
+              </a:rPr>
+              <a:t>https://www.youtube.com/c/LearnInUrdu139</a:t>
+            </a:r>
+            <a:endParaRPr lang="en-US" sz="2000" dirty="0"/>
+          </a:p>
+          <a:p>
+            <a:pPr marL="228600" indent="-228600">
+              <a:buFont typeface="Arial" panose="020B0604020202020204" pitchFamily="34" charset="0"/>
+              <a:buChar char="•"/>
+            </a:pPr>
+            <a:r>
+              <a:rPr lang="en-US" sz="2000" dirty="0">
+                <a:hlinkClick r:id="rId5"/>
+              </a:rPr>
+              <a:t>http://learninginurdu.pk</a:t>
+            </a:r>
+            <a:endParaRPr lang="en-US" sz="2000" dirty="0"/>
+          </a:p>
+          <a:p>
+            <a:pPr marL="228600" indent="-228600">
+              <a:buFont typeface="Arial" panose="020B0604020202020204" pitchFamily="34" charset="0"/>
+              <a:buChar char="•"/>
+            </a:pPr>
+            <a:r>
+              <a:rPr lang="en-US" sz="2000" dirty="0">
+                <a:hlinkClick r:id="rId6"/>
+              </a:rPr>
+              <a:t>@</a:t>
+            </a:r>
+            <a:r>
+              <a:rPr lang="en-US" sz="2000" dirty="0" err="1">
+                <a:hlinkClick r:id="rId6"/>
+              </a:rPr>
+              <a:t>bilalshahzad</a:t>
+            </a:r>
+            <a:endParaRPr lang="en-US" sz="2000" dirty="0"/>
+          </a:p>
+          <a:p>
+            <a:pPr marL="228600" indent="-228600">
+              <a:buFont typeface="Arial" panose="020B0604020202020204" pitchFamily="34" charset="0"/>
+              <a:buChar char="•"/>
+            </a:pPr>
+            <a:endParaRPr lang="en-US" sz="2000" dirty="0"/>
+          </a:p>
+          <a:p>
+            <a:endParaRPr lang="en-US" sz="2400" dirty="0"/>
+          </a:p>
+          <a:p>
+            <a:endParaRPr lang="en-US" dirty="0"/>
           </a:p>
         </p:txBody>
       </p:sp>
@@ -10649,7 +12632,7 @@
             <a:fld id="{B6F15528-21DE-4FAA-801E-634DDDAF4B2B}" type="slidenum">
               <a:rPr lang="en-US" smtClean="0"/>
               <a:pPr/>
-              <a:t>40</a:t>
+              <a:t>47</a:t>
             </a:fld>
             <a:endParaRPr lang="en-US"/>
           </a:p>
@@ -10658,7 +12641,7 @@
     </p:spTree>
     <p:extLst>
       <p:ext uri="{BB962C8B-B14F-4D97-AF65-F5344CB8AC3E}">
-        <p14:creationId xmlns:p14="http://schemas.microsoft.com/office/powerpoint/2010/main" val="4132185280"/>
+        <p14:creationId xmlns:p14="http://schemas.microsoft.com/office/powerpoint/2010/main" val="2711514866"/>
       </p:ext>
     </p:extLst>
   </p:cSld>
@@ -10668,7 +12651,7 @@
 </p:sld>
 </file>
 
-<file path=ppt/slides/slide41.xml><?xml version="1.0" encoding="utf-8"?>
+<file path=ppt/slides/slide48.xml><?xml version="1.0" encoding="utf-8"?>
 <p:sld xmlns:a="http://schemas.openxmlformats.org/drawingml/2006/main" xmlns:r="http://schemas.openxmlformats.org/officeDocument/2006/relationships" xmlns:p="http://schemas.openxmlformats.org/presentationml/2006/main">
   <p:cSld>
     <p:spTree>
@@ -10695,185 +12678,6 @@
             <p:ph type="title"/>
           </p:nvPr>
         </p:nvSpPr>
-        <p:spPr/>
-        <p:txBody>
-          <a:bodyPr/>
-          <a:lstStyle/>
-          <a:p>
-            <a:r>
-              <a:rPr lang="en-US" dirty="0"/>
-              <a:t>How to Contact</a:t>
-            </a:r>
-          </a:p>
-        </p:txBody>
-      </p:sp>
-      <p:sp>
-        <p:nvSpPr>
-          <p:cNvPr id="3" name="Content Placeholder 2"/>
-          <p:cNvSpPr>
-            <a:spLocks noGrp="1"/>
-          </p:cNvSpPr>
-          <p:nvPr>
-            <p:ph idx="1"/>
-          </p:nvPr>
-        </p:nvSpPr>
-        <p:spPr/>
-        <p:txBody>
-          <a:bodyPr/>
-          <a:lstStyle/>
-          <a:p>
-            <a:pPr marL="228600" indent="-228600">
-              <a:buFont typeface="Arial" panose="020B0604020202020204" pitchFamily="34" charset="0"/>
-              <a:buChar char="•"/>
-            </a:pPr>
-            <a:r>
-              <a:rPr lang="en-US" sz="2000" dirty="0">
-                <a:hlinkClick r:id="rId2"/>
-              </a:rPr>
-              <a:t>https://www.linkedin.com/in/bilalshahzad139/</a:t>
-            </a:r>
-            <a:r>
-              <a:rPr lang="en-US" sz="2000" dirty="0"/>
-              <a:t> </a:t>
-            </a:r>
-          </a:p>
-          <a:p>
-            <a:pPr marL="228600" indent="-228600">
-              <a:buFont typeface="Arial" panose="020B0604020202020204" pitchFamily="34" charset="0"/>
-              <a:buChar char="•"/>
-            </a:pPr>
-            <a:r>
-              <a:rPr lang="en-US" sz="2000" dirty="0">
-                <a:hlinkClick r:id="rId3"/>
-              </a:rPr>
-              <a:t>https://www.facebook.com/LearningInUrduCentre/</a:t>
-            </a:r>
-            <a:endParaRPr lang="en-US" sz="2000" dirty="0"/>
-          </a:p>
-          <a:p>
-            <a:pPr marL="228600" indent="-228600">
-              <a:buFont typeface="Arial" panose="020B0604020202020204" pitchFamily="34" charset="0"/>
-              <a:buChar char="•"/>
-            </a:pPr>
-            <a:r>
-              <a:rPr lang="en-US" sz="2000" dirty="0">
-                <a:hlinkClick r:id="rId4"/>
-              </a:rPr>
-              <a:t>https://www.youtube.com/c/LearnInUrdu139</a:t>
-            </a:r>
-            <a:endParaRPr lang="en-US" sz="2000" dirty="0"/>
-          </a:p>
-          <a:p>
-            <a:pPr marL="228600" indent="-228600">
-              <a:buFont typeface="Arial" panose="020B0604020202020204" pitchFamily="34" charset="0"/>
-              <a:buChar char="•"/>
-            </a:pPr>
-            <a:r>
-              <a:rPr lang="en-US" sz="2000" dirty="0">
-                <a:hlinkClick r:id="rId5"/>
-              </a:rPr>
-              <a:t>http://learninginurdu.pk</a:t>
-            </a:r>
-            <a:endParaRPr lang="en-US" sz="2000" dirty="0"/>
-          </a:p>
-          <a:p>
-            <a:pPr marL="228600" indent="-228600">
-              <a:buFont typeface="Arial" panose="020B0604020202020204" pitchFamily="34" charset="0"/>
-              <a:buChar char="•"/>
-            </a:pPr>
-            <a:r>
-              <a:rPr lang="en-US" sz="2000" dirty="0">
-                <a:hlinkClick r:id="rId6"/>
-              </a:rPr>
-              <a:t>@</a:t>
-            </a:r>
-            <a:r>
-              <a:rPr lang="en-US" sz="2000" dirty="0" err="1">
-                <a:hlinkClick r:id="rId6"/>
-              </a:rPr>
-              <a:t>bilalshahzad</a:t>
-            </a:r>
-            <a:endParaRPr lang="en-US" sz="2000" dirty="0"/>
-          </a:p>
-          <a:p>
-            <a:pPr marL="228600" indent="-228600">
-              <a:buFont typeface="Arial" panose="020B0604020202020204" pitchFamily="34" charset="0"/>
-              <a:buChar char="•"/>
-            </a:pPr>
-            <a:endParaRPr lang="en-US" sz="2000" dirty="0"/>
-          </a:p>
-          <a:p>
-            <a:endParaRPr lang="en-US" sz="2400" dirty="0"/>
-          </a:p>
-          <a:p>
-            <a:endParaRPr lang="en-US" dirty="0"/>
-          </a:p>
-        </p:txBody>
-      </p:sp>
-      <p:sp>
-        <p:nvSpPr>
-          <p:cNvPr id="6" name="Slide Number Placeholder 5"/>
-          <p:cNvSpPr>
-            <a:spLocks noGrp="1"/>
-          </p:cNvSpPr>
-          <p:nvPr>
-            <p:ph type="sldNum" sz="quarter" idx="12"/>
-          </p:nvPr>
-        </p:nvSpPr>
-        <p:spPr/>
-        <p:txBody>
-          <a:bodyPr/>
-          <a:lstStyle/>
-          <a:p>
-            <a:fld id="{B6F15528-21DE-4FAA-801E-634DDDAF4B2B}" type="slidenum">
-              <a:rPr lang="en-US" smtClean="0"/>
-              <a:pPr/>
-              <a:t>41</a:t>
-            </a:fld>
-            <a:endParaRPr lang="en-US"/>
-          </a:p>
-        </p:txBody>
-      </p:sp>
-    </p:spTree>
-    <p:extLst>
-      <p:ext uri="{BB962C8B-B14F-4D97-AF65-F5344CB8AC3E}">
-        <p14:creationId xmlns:p14="http://schemas.microsoft.com/office/powerpoint/2010/main" val="2711514866"/>
-      </p:ext>
-    </p:extLst>
-  </p:cSld>
-  <p:clrMapOvr>
-    <a:masterClrMapping/>
-  </p:clrMapOvr>
-</p:sld>
-</file>
-
-<file path=ppt/slides/slide42.xml><?xml version="1.0" encoding="utf-8"?>
-<p:sld xmlns:a="http://schemas.openxmlformats.org/drawingml/2006/main" xmlns:r="http://schemas.openxmlformats.org/officeDocument/2006/relationships" xmlns:p="http://schemas.openxmlformats.org/presentationml/2006/main">
-  <p:cSld>
-    <p:spTree>
-      <p:nvGrpSpPr>
-        <p:cNvPr id="1" name=""/>
-        <p:cNvGrpSpPr/>
-        <p:nvPr/>
-      </p:nvGrpSpPr>
-      <p:grpSpPr>
-        <a:xfrm>
-          <a:off x="0" y="0"/>
-          <a:ext cx="0" cy="0"/>
-          <a:chOff x="0" y="0"/>
-          <a:chExt cx="0" cy="0"/>
-        </a:xfrm>
-      </p:grpSpPr>
-      <p:sp>
-        <p:nvSpPr>
-          <p:cNvPr id="2" name="Title 1"/>
-          <p:cNvSpPr>
-            <a:spLocks noGrp="1"/>
-          </p:cNvSpPr>
-          <p:nvPr>
-            <p:ph type="title"/>
-          </p:nvPr>
-        </p:nvSpPr>
         <p:spPr>
           <a:xfrm>
             <a:off x="533400" y="2667000"/>
@@ -10910,7 +12714,7 @@
             <a:fld id="{B6F15528-21DE-4FAA-801E-634DDDAF4B2B}" type="slidenum">
               <a:rPr lang="en-US" smtClean="0"/>
               <a:pPr/>
-              <a:t>42</a:t>
+              <a:t>48</a:t>
             </a:fld>
             <a:endParaRPr lang="en-US"/>
           </a:p>
@@ -10965,7 +12769,7 @@
           <a:p>
             <a:r>
               <a:rPr lang="en-US" dirty="0"/>
-              <a:t>Background</a:t>
+              <a:t>Before Virtualization</a:t>
             </a:r>
           </a:p>
         </p:txBody>
@@ -10989,35 +12793,47 @@
           <a:p>
             <a:r>
               <a:rPr lang="en-US" dirty="0"/>
-              <a:t>Before Virtualization</a:t>
+              <a:t>Single OS per Machine</a:t>
             </a:r>
           </a:p>
           <a:p>
             <a:pPr lvl="1"/>
             <a:r>
               <a:rPr lang="en-US" dirty="0"/>
-              <a:t>Single OS per Machine</a:t>
+              <a:t>Software &amp; Hardware tightly coupled</a:t>
             </a:r>
           </a:p>
           <a:p>
             <a:pPr lvl="1"/>
             <a:r>
               <a:rPr lang="en-US" dirty="0"/>
-              <a:t>Software &amp; Hardware tightly coupled</a:t>
+              <a:t>Running multiple applications on same machine may creates conflicts</a:t>
             </a:r>
           </a:p>
           <a:p>
             <a:pPr lvl="1"/>
             <a:r>
               <a:rPr lang="en-US" dirty="0"/>
-              <a:t>Running multiple applications on same machine may creates conflicts</a:t>
+              <a:t>Mostly Per App Per Machine</a:t>
+            </a:r>
+          </a:p>
+          <a:p>
+            <a:r>
+              <a:rPr lang="en-US" dirty="0"/>
+              <a:t>Inflexible &amp; costly</a:t>
+            </a:r>
+          </a:p>
+          <a:p>
+            <a:r>
+              <a:rPr lang="en-US" dirty="0"/>
+              <a:t>Bare-metal Servers</a:t>
             </a:r>
           </a:p>
           <a:p>
             <a:pPr lvl="1"/>
             <a:r>
               <a:rPr lang="en-US" dirty="0"/>
-              <a:t>Inflexible &amp; costly infrastructure</a:t>
+              <a:t>For single purpose and without virtualization</a:t>
             </a:r>
           </a:p>
           <a:p>
@@ -11120,13 +12936,19 @@
         <p:spPr/>
         <p:txBody>
           <a:bodyPr>
-            <a:normAutofit fontScale="85000" lnSpcReduction="20000"/>
+            <a:normAutofit fontScale="70000" lnSpcReduction="20000"/>
           </a:bodyPr>
           <a:lstStyle/>
           <a:p>
             <a:r>
               <a:rPr lang="en-US" dirty="0"/>
-              <a:t>Virtualization is “abstraction” of computer resources.</a:t>
+              <a:t>It refers to the act of creating a virtual version of something</a:t>
+            </a:r>
+          </a:p>
+          <a:p>
+            <a:r>
+              <a:rPr lang="en-US" dirty="0"/>
+              <a:t>In Computing, virtualization is “abstraction” of computer resources.</a:t>
             </a:r>
           </a:p>
           <a:p>
@@ -11138,14 +12960,14 @@
           <a:p>
             <a:r>
               <a:rPr lang="en-US" dirty="0"/>
-              <a:t>Types</a:t>
+              <a:t>Some Types</a:t>
             </a:r>
           </a:p>
           <a:p>
             <a:pPr lvl="1"/>
             <a:r>
               <a:rPr lang="en-US" dirty="0"/>
-              <a:t>Server Virtualization</a:t>
+              <a:t>Server Virtualization (e.g. Virtual Machines)</a:t>
             </a:r>
           </a:p>
           <a:p>
@@ -11188,6 +13010,12 @@
             <a:r>
               <a:rPr lang="en-US" dirty="0"/>
               <a:t>Network</a:t>
+            </a:r>
+          </a:p>
+          <a:p>
+            <a:r>
+              <a:rPr lang="en-US" dirty="0"/>
+              <a:t>We can say that almost everything in cloud is virtualized.</a:t>
             </a:r>
           </a:p>
           <a:p>
@@ -11278,7 +13106,7 @@
           <a:p>
             <a:r>
               <a:rPr lang="en-US" dirty="0"/>
-              <a:t>Docker</a:t>
+              <a:t>Virtualization</a:t>
             </a:r>
           </a:p>
         </p:txBody>
@@ -11302,54 +13130,49 @@
           <a:p>
             <a:r>
               <a:rPr lang="en-US" dirty="0"/>
-              <a:t>Docker Inc.</a:t>
+              <a:t>Hypervisor </a:t>
             </a:r>
           </a:p>
           <a:p>
             <a:pPr lvl="1"/>
             <a:r>
-              <a:rPr lang="en-US" dirty="0">
-                <a:hlinkClick r:id="rId3"/>
-              </a:rPr>
-              <a:t>https://www.docker.com/</a:t>
-            </a:r>
-            <a:r>
-              <a:rPr lang="en-US" dirty="0"/>
-              <a:t> </a:t>
-            </a:r>
-          </a:p>
-          <a:p>
-            <a:r>
-              <a:rPr lang="en-US" dirty="0"/>
-              <a:t>Docker is a set of platform as a service products that use OS-level virtualization to deliver  software in packages called containers.</a:t>
+              <a:rPr lang="en-US" dirty="0"/>
+              <a:t>A software that creates &amp; runs virtual Machines (VMs). </a:t>
             </a:r>
           </a:p>
           <a:p>
             <a:pPr lvl="1"/>
             <a:r>
               <a:rPr lang="en-US" dirty="0"/>
-              <a:t>Written in GO.</a:t>
+              <a:t>VMWare, Oracle VirtualBox, Hyper-V</a:t>
+            </a:r>
+          </a:p>
+          <a:p>
+            <a:r>
+              <a:rPr lang="en-US" dirty="0"/>
+              <a:t>Benefits of Virtualization</a:t>
             </a:r>
           </a:p>
           <a:p>
             <a:pPr lvl="1"/>
             <a:r>
               <a:rPr lang="en-US" dirty="0"/>
-              <a:t>Initial Release date: March 20, 2013.</a:t>
-            </a:r>
-          </a:p>
-          <a:p>
-            <a:endParaRPr lang="en-US" dirty="0"/>
-          </a:p>
-          <a:p>
-            <a:pPr marL="402336" lvl="1" indent="0">
-              <a:buNone/>
-            </a:pPr>
-            <a:endParaRPr lang="en-US" dirty="0"/>
+              <a:t>Better usage of resources</a:t>
+            </a:r>
           </a:p>
           <a:p>
             <a:pPr lvl="1"/>
-            <a:endParaRPr lang="en-US" dirty="0"/>
+            <a:r>
+              <a:rPr lang="en-US" dirty="0"/>
+              <a:t>Separation of Concern</a:t>
+            </a:r>
+          </a:p>
+          <a:p>
+            <a:pPr lvl="1"/>
+            <a:r>
+              <a:rPr lang="en-US" dirty="0"/>
+              <a:t>Easy to setup, backup &amp; destroy</a:t>
+            </a:r>
           </a:p>
           <a:p>
             <a:endParaRPr lang="en-US" dirty="0"/>
@@ -11383,7 +13206,7 @@
     </p:spTree>
     <p:extLst>
       <p:ext uri="{BB962C8B-B14F-4D97-AF65-F5344CB8AC3E}">
-        <p14:creationId xmlns:p14="http://schemas.microsoft.com/office/powerpoint/2010/main" val="3513370058"/>
+        <p14:creationId xmlns:p14="http://schemas.microsoft.com/office/powerpoint/2010/main" val="3127962106"/>
       </p:ext>
     </p:extLst>
   </p:cSld>
@@ -11429,7 +13252,7 @@
           <a:p>
             <a:r>
               <a:rPr lang="en-US" dirty="0"/>
-              <a:t>Components</a:t>
+              <a:t>Virtualization</a:t>
             </a:r>
           </a:p>
         </p:txBody>
@@ -11460,19 +13283,19 @@
       </p:sp>
       <p:pic>
         <p:nvPicPr>
-          <p:cNvPr id="8" name="Picture 7">
+          <p:cNvPr id="3" name="Picture 2" descr="Virtual Machines | Creating VMs Easily - IONOS">
             <a:extLst>
               <a:ext uri="{FF2B5EF4-FFF2-40B4-BE49-F238E27FC236}">
-                <a16:creationId xmlns:a16="http://schemas.microsoft.com/office/drawing/2014/main" id="{1D7D03E7-4CCC-472E-AF92-60F5A818C0D6}"/>
+                <a16:creationId xmlns:a16="http://schemas.microsoft.com/office/drawing/2014/main" id="{07E63568-BA38-442F-AF77-7856C089343E}"/>
               </a:ext>
             </a:extLst>
           </p:cNvPr>
           <p:cNvPicPr>
-            <a:picLocks noChangeAspect="1"/>
+            <a:picLocks noChangeAspect="1" noChangeArrowheads="1"/>
           </p:cNvPicPr>
           <p:nvPr/>
         </p:nvPicPr>
-        <p:blipFill>
+        <p:blipFill rotWithShape="1">
           <a:blip r:embed="rId3">
             <a:extLst>
               <a:ext uri="{28A0092B-C50C-407E-A947-70E740481C1C}">
@@ -11480,24 +13303,33 @@
               </a:ext>
             </a:extLst>
           </a:blip>
-          <a:stretch>
-            <a:fillRect/>
-          </a:stretch>
+          <a:srcRect l="6614" t="8214" r="7412" b="6365"/>
+          <a:stretch/>
         </p:blipFill>
-        <p:spPr>
+        <p:spPr bwMode="auto">
           <a:xfrm>
-            <a:off x="2057400" y="1600200"/>
-            <a:ext cx="5410200" cy="4233591"/>
+            <a:off x="1295400" y="1880393"/>
+            <a:ext cx="7620518" cy="4215607"/>
           </a:xfrm>
           <a:prstGeom prst="rect">
             <a:avLst/>
           </a:prstGeom>
+          <a:noFill/>
+          <a:extLst>
+            <a:ext uri="{909E8E84-426E-40DD-AFC4-6F175D3DCCD1}">
+              <a14:hiddenFill xmlns:a14="http://schemas.microsoft.com/office/drawing/2010/main">
+                <a:solidFill>
+                  <a:srgbClr val="FFFFFF"/>
+                </a:solidFill>
+              </a14:hiddenFill>
+            </a:ext>
+          </a:extLst>
         </p:spPr>
       </p:pic>
     </p:spTree>
     <p:extLst>
       <p:ext uri="{BB962C8B-B14F-4D97-AF65-F5344CB8AC3E}">
-        <p14:creationId xmlns:p14="http://schemas.microsoft.com/office/powerpoint/2010/main" val="67207751"/>
+        <p14:creationId xmlns:p14="http://schemas.microsoft.com/office/powerpoint/2010/main" val="1932293408"/>
       </p:ext>
     </p:extLst>
   </p:cSld>
@@ -11543,7 +13375,62 @@
           <a:p>
             <a:r>
               <a:rPr lang="en-US" dirty="0"/>
-              <a:t>Image vs. Container</a:t>
+              <a:t>Containerization</a:t>
+            </a:r>
+          </a:p>
+        </p:txBody>
+      </p:sp>
+      <p:sp>
+        <p:nvSpPr>
+          <p:cNvPr id="3" name="Content Placeholder 2"/>
+          <p:cNvSpPr>
+            <a:spLocks noGrp="1"/>
+          </p:cNvSpPr>
+          <p:nvPr>
+            <p:ph idx="1"/>
+          </p:nvPr>
+        </p:nvSpPr>
+        <p:spPr/>
+        <p:txBody>
+          <a:bodyPr>
+            <a:normAutofit/>
+          </a:bodyPr>
+          <a:lstStyle/>
+          <a:p>
+            <a:r>
+              <a:rPr lang="en-US" dirty="0"/>
+              <a:t>It is another level of virtualization</a:t>
+            </a:r>
+          </a:p>
+          <a:p>
+            <a:r>
+              <a:rPr lang="en-US" dirty="0"/>
+              <a:t>Host kernel is shared</a:t>
+            </a:r>
+          </a:p>
+          <a:p>
+            <a:r>
+              <a:rPr lang="en-US" dirty="0"/>
+              <a:t>Container contains only required file system instead of full OS.</a:t>
+            </a:r>
+          </a:p>
+          <a:p>
+            <a:r>
+              <a:rPr lang="en-US" dirty="0"/>
+              <a:t>Container contains everything to run an application. </a:t>
+            </a:r>
+          </a:p>
+          <a:p>
+            <a:r>
+              <a:rPr lang="en-US" dirty="0"/>
+              <a:t>Container runs through some container engine</a:t>
+            </a:r>
+          </a:p>
+          <a:p>
+            <a:pPr lvl="1"/>
+            <a:r>
+              <a:rPr lang="en-US" dirty="0"/>
+              <a:t>Docker is a such runtime</a:t>
             </a:r>
           </a:p>
         </p:txBody>
@@ -11572,46 +13459,10 @@
           </a:p>
         </p:txBody>
       </p:sp>
-      <p:pic>
-        <p:nvPicPr>
-          <p:cNvPr id="7" name="Picture 6">
-            <a:extLst>
-              <a:ext uri="{FF2B5EF4-FFF2-40B4-BE49-F238E27FC236}">
-                <a16:creationId xmlns:a16="http://schemas.microsoft.com/office/drawing/2014/main" id="{0C731F92-8AC3-4E41-825C-553360D767AD}"/>
-              </a:ext>
-            </a:extLst>
-          </p:cNvPr>
-          <p:cNvPicPr>
-            <a:picLocks noChangeAspect="1"/>
-          </p:cNvPicPr>
-          <p:nvPr/>
-        </p:nvPicPr>
-        <p:blipFill>
-          <a:blip r:embed="rId3">
-            <a:extLst>
-              <a:ext uri="{28A0092B-C50C-407E-A947-70E740481C1C}">
-                <a14:useLocalDpi xmlns:a14="http://schemas.microsoft.com/office/drawing/2010/main" val="0"/>
-              </a:ext>
-            </a:extLst>
-          </a:blip>
-          <a:stretch>
-            <a:fillRect/>
-          </a:stretch>
-        </p:blipFill>
-        <p:spPr>
-          <a:xfrm>
-            <a:off x="1232627" y="1752600"/>
-            <a:ext cx="7527823" cy="3733800"/>
-          </a:xfrm>
-          <a:prstGeom prst="rect">
-            <a:avLst/>
-          </a:prstGeom>
-        </p:spPr>
-      </p:pic>
     </p:spTree>
     <p:extLst>
       <p:ext uri="{BB962C8B-B14F-4D97-AF65-F5344CB8AC3E}">
-        <p14:creationId xmlns:p14="http://schemas.microsoft.com/office/powerpoint/2010/main" val="124105720"/>
+        <p14:creationId xmlns:p14="http://schemas.microsoft.com/office/powerpoint/2010/main" val="3655050633"/>
       </p:ext>
     </p:extLst>
   </p:cSld>
